--- a/Maptime-Miami-Presentation.pptx
+++ b/Maptime-Miami-Presentation.pptx
@@ -1,32 +1,32 @@
 
 <file path=ppt/presentation.xml><?xml version="1.0" encoding="utf-8"?>
-<p:presentation xmlns:a="http://schemas.openxmlformats.org/drawingml/2006/main" xmlns:r="http://schemas.openxmlformats.org/officeDocument/2006/relationships" xmlns:mc="http://schemas.openxmlformats.org/markup-compatibility/2006" xmlns:mv="urn:schemas-microsoft-com:mac:vml" xmlns:p="http://schemas.openxmlformats.org/presentationml/2006/main" xmlns:c="http://schemas.openxmlformats.org/drawingml/2006/chart" xmlns:dgm="http://schemas.openxmlformats.org/drawingml/2006/diagram" xmlns:o="urn:schemas-microsoft-com:office:office" xmlns:v="urn:schemas-microsoft-com:vml" xmlns:pvml="urn:schemas-microsoft-com:office:powerpoint" xmlns:com="http://schemas.openxmlformats.org/drawingml/2006/compatibility" xmlns:p14="http://schemas.microsoft.com/office/powerpoint/2010/main" autoCompressPictures="0" strictFirstAndLastChars="0" saveSubsetFonts="1">
+<p:presentation xmlns:a="http://schemas.openxmlformats.org/drawingml/2006/main" xmlns:r="http://schemas.openxmlformats.org/officeDocument/2006/relationships" xmlns:p="http://schemas.openxmlformats.org/presentationml/2006/main" strictFirstAndLastChars="0" saveSubsetFonts="1" autoCompressPictures="0">
   <p:sldMasterIdLst>
-    <p:sldMasterId id="2147483659" r:id="rId3"/>
+    <p:sldMasterId id="2147483659" r:id="rId1"/>
   </p:sldMasterIdLst>
   <p:notesMasterIdLst>
-    <p:notesMasterId r:id="rId4"/>
+    <p:notesMasterId r:id="rId16"/>
   </p:notesMasterIdLst>
   <p:sldIdLst>
-    <p:sldId id="256" r:id="rId5"/>
-    <p:sldId id="257" r:id="rId6"/>
-    <p:sldId id="258" r:id="rId7"/>
-    <p:sldId id="259" r:id="rId8"/>
-    <p:sldId id="260" r:id="rId9"/>
-    <p:sldId id="261" r:id="rId10"/>
-    <p:sldId id="262" r:id="rId11"/>
-    <p:sldId id="263" r:id="rId12"/>
-    <p:sldId id="264" r:id="rId13"/>
-    <p:sldId id="265" r:id="rId14"/>
-    <p:sldId id="266" r:id="rId15"/>
-    <p:sldId id="267" r:id="rId16"/>
-    <p:sldId id="268" r:id="rId17"/>
-    <p:sldId id="269" r:id="rId18"/>
+    <p:sldId id="256" r:id="rId2"/>
+    <p:sldId id="257" r:id="rId3"/>
+    <p:sldId id="258" r:id="rId4"/>
+    <p:sldId id="259" r:id="rId5"/>
+    <p:sldId id="260" r:id="rId6"/>
+    <p:sldId id="261" r:id="rId7"/>
+    <p:sldId id="262" r:id="rId8"/>
+    <p:sldId id="263" r:id="rId9"/>
+    <p:sldId id="264" r:id="rId10"/>
+    <p:sldId id="265" r:id="rId11"/>
+    <p:sldId id="266" r:id="rId12"/>
+    <p:sldId id="267" r:id="rId13"/>
+    <p:sldId id="268" r:id="rId14"/>
+    <p:sldId id="269" r:id="rId15"/>
   </p:sldIdLst>
-  <p:sldSz cy="5143500" cx="9144000"/>
+  <p:sldSz cx="9144000" cy="5143500" type="screen16x9"/>
   <p:notesSz cx="6858000" cy="9144000"/>
   <p:defaultTextStyle>
-    <a:defPPr marR="0" rtl="0" algn="l">
+    <a:defPPr marR="0" algn="l" rtl="0">
       <a:lnSpc>
         <a:spcPct val="100000"/>
       </a:lnSpc>
@@ -37,7 +37,7 @@
         <a:spcPts val="0"/>
       </a:spcAft>
     </a:defPPr>
-    <a:lvl1pPr marR="0" rtl="0" algn="l">
+    <a:lvl1pPr marR="0" algn="l" rtl="0">
       <a:lnSpc>
         <a:spcPct val="100000"/>
       </a:lnSpc>
@@ -48,7 +48,7 @@
         <a:spcPts val="0"/>
       </a:spcAft>
       <a:buNone/>
-      <a:defRPr b="0" baseline="0" i="0" sz="1400" u="none" cap="none" strike="noStrike">
+      <a:defRPr sz="1400" b="0" i="0" u="none" strike="noStrike" cap="none" baseline="0">
         <a:solidFill>
           <a:srgbClr val="000000"/>
         </a:solidFill>
@@ -59,7 +59,7 @@
         <a:rtl val="0"/>
       </a:defRPr>
     </a:lvl1pPr>
-    <a:lvl2pPr marR="0" rtl="0" algn="l">
+    <a:lvl2pPr marR="0" algn="l" rtl="0">
       <a:lnSpc>
         <a:spcPct val="100000"/>
       </a:lnSpc>
@@ -70,7 +70,7 @@
         <a:spcPts val="0"/>
       </a:spcAft>
       <a:buNone/>
-      <a:defRPr b="0" baseline="0" i="0" sz="1400" u="none" cap="none" strike="noStrike">
+      <a:defRPr sz="1400" b="0" i="0" u="none" strike="noStrike" cap="none" baseline="0">
         <a:solidFill>
           <a:srgbClr val="000000"/>
         </a:solidFill>
@@ -81,7 +81,7 @@
         <a:rtl val="0"/>
       </a:defRPr>
     </a:lvl2pPr>
-    <a:lvl3pPr marR="0" rtl="0" algn="l">
+    <a:lvl3pPr marR="0" algn="l" rtl="0">
       <a:lnSpc>
         <a:spcPct val="100000"/>
       </a:lnSpc>
@@ -92,7 +92,7 @@
         <a:spcPts val="0"/>
       </a:spcAft>
       <a:buNone/>
-      <a:defRPr b="0" baseline="0" i="0" sz="1400" u="none" cap="none" strike="noStrike">
+      <a:defRPr sz="1400" b="0" i="0" u="none" strike="noStrike" cap="none" baseline="0">
         <a:solidFill>
           <a:srgbClr val="000000"/>
         </a:solidFill>
@@ -103,7 +103,7 @@
         <a:rtl val="0"/>
       </a:defRPr>
     </a:lvl3pPr>
-    <a:lvl4pPr marR="0" rtl="0" algn="l">
+    <a:lvl4pPr marR="0" algn="l" rtl="0">
       <a:lnSpc>
         <a:spcPct val="100000"/>
       </a:lnSpc>
@@ -114,7 +114,7 @@
         <a:spcPts val="0"/>
       </a:spcAft>
       <a:buNone/>
-      <a:defRPr b="0" baseline="0" i="0" sz="1400" u="none" cap="none" strike="noStrike">
+      <a:defRPr sz="1400" b="0" i="0" u="none" strike="noStrike" cap="none" baseline="0">
         <a:solidFill>
           <a:srgbClr val="000000"/>
         </a:solidFill>
@@ -125,7 +125,7 @@
         <a:rtl val="0"/>
       </a:defRPr>
     </a:lvl4pPr>
-    <a:lvl5pPr marR="0" rtl="0" algn="l">
+    <a:lvl5pPr marR="0" algn="l" rtl="0">
       <a:lnSpc>
         <a:spcPct val="100000"/>
       </a:lnSpc>
@@ -136,7 +136,7 @@
         <a:spcPts val="0"/>
       </a:spcAft>
       <a:buNone/>
-      <a:defRPr b="0" baseline="0" i="0" sz="1400" u="none" cap="none" strike="noStrike">
+      <a:defRPr sz="1400" b="0" i="0" u="none" strike="noStrike" cap="none" baseline="0">
         <a:solidFill>
           <a:srgbClr val="000000"/>
         </a:solidFill>
@@ -147,7 +147,7 @@
         <a:rtl val="0"/>
       </a:defRPr>
     </a:lvl5pPr>
-    <a:lvl6pPr marR="0" rtl="0" algn="l">
+    <a:lvl6pPr marR="0" algn="l" rtl="0">
       <a:lnSpc>
         <a:spcPct val="100000"/>
       </a:lnSpc>
@@ -158,7 +158,7 @@
         <a:spcPts val="0"/>
       </a:spcAft>
       <a:buNone/>
-      <a:defRPr b="0" baseline="0" i="0" sz="1400" u="none" cap="none" strike="noStrike">
+      <a:defRPr sz="1400" b="0" i="0" u="none" strike="noStrike" cap="none" baseline="0">
         <a:solidFill>
           <a:srgbClr val="000000"/>
         </a:solidFill>
@@ -169,7 +169,7 @@
         <a:rtl val="0"/>
       </a:defRPr>
     </a:lvl6pPr>
-    <a:lvl7pPr marR="0" rtl="0" algn="l">
+    <a:lvl7pPr marR="0" algn="l" rtl="0">
       <a:lnSpc>
         <a:spcPct val="100000"/>
       </a:lnSpc>
@@ -180,7 +180,7 @@
         <a:spcPts val="0"/>
       </a:spcAft>
       <a:buNone/>
-      <a:defRPr b="0" baseline="0" i="0" sz="1400" u="none" cap="none" strike="noStrike">
+      <a:defRPr sz="1400" b="0" i="0" u="none" strike="noStrike" cap="none" baseline="0">
         <a:solidFill>
           <a:srgbClr val="000000"/>
         </a:solidFill>
@@ -191,7 +191,7 @@
         <a:rtl val="0"/>
       </a:defRPr>
     </a:lvl7pPr>
-    <a:lvl8pPr marR="0" rtl="0" algn="l">
+    <a:lvl8pPr marR="0" algn="l" rtl="0">
       <a:lnSpc>
         <a:spcPct val="100000"/>
       </a:lnSpc>
@@ -202,7 +202,7 @@
         <a:spcPts val="0"/>
       </a:spcAft>
       <a:buNone/>
-      <a:defRPr b="0" baseline="0" i="0" sz="1400" u="none" cap="none" strike="noStrike">
+      <a:defRPr sz="1400" b="0" i="0" u="none" strike="noStrike" cap="none" baseline="0">
         <a:solidFill>
           <a:srgbClr val="000000"/>
         </a:solidFill>
@@ -213,7 +213,7 @@
         <a:rtl val="0"/>
       </a:defRPr>
     </a:lvl8pPr>
-    <a:lvl9pPr marR="0" rtl="0" algn="l">
+    <a:lvl9pPr marR="0" algn="l" rtl="0">
       <a:lnSpc>
         <a:spcPct val="100000"/>
       </a:lnSpc>
@@ -224,7 +224,7 @@
         <a:spcPts val="0"/>
       </a:spcAft>
       <a:buNone/>
-      <a:defRPr b="0" baseline="0" i="0" sz="1400" u="none" cap="none" strike="noStrike">
+      <a:defRPr sz="1400" b="0" i="0" u="none" strike="noStrike" cap="none" baseline="0">
         <a:solidFill>
           <a:srgbClr val="000000"/>
         </a:solidFill>
@@ -240,8 +240,13 @@
 </file>
 
 <file path=ppt/notesMasters/notesMaster1.xml><?xml version="1.0" encoding="utf-8"?>
-<p:notesMaster xmlns:a="http://schemas.openxmlformats.org/drawingml/2006/main" xmlns:r="http://schemas.openxmlformats.org/officeDocument/2006/relationships" xmlns:mc="http://schemas.openxmlformats.org/markup-compatibility/2006" xmlns:mv="urn:schemas-microsoft-com:mac:vml" xmlns:p="http://schemas.openxmlformats.org/presentationml/2006/main" xmlns:c="http://schemas.openxmlformats.org/drawingml/2006/chart" xmlns:dgm="http://schemas.openxmlformats.org/drawingml/2006/diagram" xmlns:o="urn:schemas-microsoft-com:office:office" xmlns:v="urn:schemas-microsoft-com:vml" xmlns:pvml="urn:schemas-microsoft-com:office:powerpoint" xmlns:com="http://schemas.openxmlformats.org/drawingml/2006/compatibility" xmlns:p14="http://schemas.microsoft.com/office/powerpoint/2010/main">
+<p:notesMaster xmlns:a="http://schemas.openxmlformats.org/drawingml/2006/main" xmlns:r="http://schemas.openxmlformats.org/officeDocument/2006/relationships" xmlns:p="http://schemas.openxmlformats.org/presentationml/2006/main">
   <p:cSld>
+    <p:bg>
+      <p:bgRef idx="1001">
+        <a:schemeClr val="bg1"/>
+      </p:bgRef>
+    </p:bg>
     <p:spTree>
       <p:nvGrpSpPr>
         <p:cNvPr id="1" name="Shape 1"/>
@@ -259,9 +264,11 @@
       <p:sp>
         <p:nvSpPr>
           <p:cNvPr id="2" name="Shape 2"/>
-          <p:cNvSpPr/>
-          <p:nvPr>
-            <p:ph idx="2" type="sldImg"/>
+          <p:cNvSpPr>
+            <a:spLocks noGrp="1" noRot="1" noChangeAspect="1"/>
+          </p:cNvSpPr>
+          <p:nvPr>
+            <p:ph type="sldImg" idx="2"/>
           </p:nvPr>
         </p:nvSpPr>
         <p:spPr>
@@ -270,8 +277,13 @@
             <a:ext cx="6096075" cy="3429000"/>
           </a:xfrm>
           <a:custGeom>
+            <a:avLst/>
+            <a:gdLst/>
+            <a:ahLst/>
+            <a:cxnLst/>
+            <a:rect l="0" t="0" r="0" b="0"/>
             <a:pathLst>
-              <a:path extrusionOk="0" h="120000" w="120000">
+              <a:path w="120000" h="120000" extrusionOk="0">
                 <a:moveTo>
                   <a:pt x="0" y="0"/>
                 </a:moveTo>
@@ -289,23 +301,25 @@
             </a:pathLst>
           </a:custGeom>
           <a:noFill/>
-          <a:ln cap="flat" cmpd="sng" w="9525">
+          <a:ln w="9525" cap="flat" cmpd="sng">
             <a:solidFill>
               <a:srgbClr val="000000"/>
             </a:solidFill>
             <a:prstDash val="solid"/>
             <a:round/>
-            <a:headEnd len="med" w="med" type="none"/>
-            <a:tailEnd len="med" w="med" type="none"/>
+            <a:headEnd type="none" w="med" len="med"/>
+            <a:tailEnd type="none" w="med" len="med"/>
           </a:ln>
         </p:spPr>
       </p:sp>
       <p:sp>
         <p:nvSpPr>
           <p:cNvPr id="3" name="Shape 3"/>
-          <p:cNvSpPr txBox="1"/>
-          <p:nvPr>
-            <p:ph idx="1" type="body"/>
+          <p:cNvSpPr txBox="1">
+            <a:spLocks noGrp="1"/>
+          </p:cNvSpPr>
+          <p:nvPr>
+            <p:ph type="body" idx="1"/>
           </p:nvPr>
         </p:nvSpPr>
         <p:spPr>
@@ -322,7 +336,7 @@
           </a:ln>
         </p:spPr>
         <p:txBody>
-          <a:bodyPr anchorCtr="0" anchor="t" bIns="91425" lIns="91425" rIns="91425" tIns="91425"/>
+          <a:bodyPr lIns="91425" tIns="91425" rIns="91425" bIns="91425" anchor="t" anchorCtr="0"/>
           <a:lstStyle>
             <a:lvl1pPr>
               <a:spcBef>
@@ -379,21 +393,120 @@
               <a:defRPr sz="1100"/>
             </a:lvl9pPr>
           </a:lstStyle>
-          <a:p/>
+          <a:p>
+            <a:endParaRPr/>
+          </a:p>
         </p:txBody>
       </p:sp>
     </p:spTree>
+    <p:extLst>
+      <p:ext uri="{BB962C8B-B14F-4D97-AF65-F5344CB8AC3E}">
+        <p14:creationId xmlns:p14="http://schemas.microsoft.com/office/powerpoint/2010/main" val="18119081"/>
+      </p:ext>
+    </p:extLst>
   </p:cSld>
-  <p:clrMap accent1="accent1" accent2="accent2" accent3="accent3" accent4="accent4" accent5="accent5" accent6="accent6" bg1="lt1" bg2="dk2" tx1="dk1" tx2="lt2" folHlink="folHlink" hlink="hlink"/>
+  <p:clrMap bg1="lt1" tx1="dk1" bg2="dk2" tx2="lt2" accent1="accent1" accent2="accent2" accent3="accent3" accent4="accent4" accent5="accent5" accent6="accent6" hlink="hlink" folHlink="folHlink"/>
+  <p:notesStyle>
+    <a:lvl1pPr marL="0" algn="l" defTabSz="457200" rtl="0" eaLnBrk="1" latinLnBrk="0" hangingPunct="1">
+      <a:defRPr sz="1200" kern="1200">
+        <a:solidFill>
+          <a:schemeClr val="tx1"/>
+        </a:solidFill>
+        <a:latin typeface="+mn-lt"/>
+        <a:ea typeface="+mn-ea"/>
+        <a:cs typeface="+mn-cs"/>
+      </a:defRPr>
+    </a:lvl1pPr>
+    <a:lvl2pPr marL="457200" algn="l" defTabSz="457200" rtl="0" eaLnBrk="1" latinLnBrk="0" hangingPunct="1">
+      <a:defRPr sz="1200" kern="1200">
+        <a:solidFill>
+          <a:schemeClr val="tx1"/>
+        </a:solidFill>
+        <a:latin typeface="+mn-lt"/>
+        <a:ea typeface="+mn-ea"/>
+        <a:cs typeface="+mn-cs"/>
+      </a:defRPr>
+    </a:lvl2pPr>
+    <a:lvl3pPr marL="914400" algn="l" defTabSz="457200" rtl="0" eaLnBrk="1" latinLnBrk="0" hangingPunct="1">
+      <a:defRPr sz="1200" kern="1200">
+        <a:solidFill>
+          <a:schemeClr val="tx1"/>
+        </a:solidFill>
+        <a:latin typeface="+mn-lt"/>
+        <a:ea typeface="+mn-ea"/>
+        <a:cs typeface="+mn-cs"/>
+      </a:defRPr>
+    </a:lvl3pPr>
+    <a:lvl4pPr marL="1371600" algn="l" defTabSz="457200" rtl="0" eaLnBrk="1" latinLnBrk="0" hangingPunct="1">
+      <a:defRPr sz="1200" kern="1200">
+        <a:solidFill>
+          <a:schemeClr val="tx1"/>
+        </a:solidFill>
+        <a:latin typeface="+mn-lt"/>
+        <a:ea typeface="+mn-ea"/>
+        <a:cs typeface="+mn-cs"/>
+      </a:defRPr>
+    </a:lvl4pPr>
+    <a:lvl5pPr marL="1828800" algn="l" defTabSz="457200" rtl="0" eaLnBrk="1" latinLnBrk="0" hangingPunct="1">
+      <a:defRPr sz="1200" kern="1200">
+        <a:solidFill>
+          <a:schemeClr val="tx1"/>
+        </a:solidFill>
+        <a:latin typeface="+mn-lt"/>
+        <a:ea typeface="+mn-ea"/>
+        <a:cs typeface="+mn-cs"/>
+      </a:defRPr>
+    </a:lvl5pPr>
+    <a:lvl6pPr marL="2286000" algn="l" defTabSz="457200" rtl="0" eaLnBrk="1" latinLnBrk="0" hangingPunct="1">
+      <a:defRPr sz="1200" kern="1200">
+        <a:solidFill>
+          <a:schemeClr val="tx1"/>
+        </a:solidFill>
+        <a:latin typeface="+mn-lt"/>
+        <a:ea typeface="+mn-ea"/>
+        <a:cs typeface="+mn-cs"/>
+      </a:defRPr>
+    </a:lvl6pPr>
+    <a:lvl7pPr marL="2743200" algn="l" defTabSz="457200" rtl="0" eaLnBrk="1" latinLnBrk="0" hangingPunct="1">
+      <a:defRPr sz="1200" kern="1200">
+        <a:solidFill>
+          <a:schemeClr val="tx1"/>
+        </a:solidFill>
+        <a:latin typeface="+mn-lt"/>
+        <a:ea typeface="+mn-ea"/>
+        <a:cs typeface="+mn-cs"/>
+      </a:defRPr>
+    </a:lvl7pPr>
+    <a:lvl8pPr marL="3200400" algn="l" defTabSz="457200" rtl="0" eaLnBrk="1" latinLnBrk="0" hangingPunct="1">
+      <a:defRPr sz="1200" kern="1200">
+        <a:solidFill>
+          <a:schemeClr val="tx1"/>
+        </a:solidFill>
+        <a:latin typeface="+mn-lt"/>
+        <a:ea typeface="+mn-ea"/>
+        <a:cs typeface="+mn-cs"/>
+      </a:defRPr>
+    </a:lvl8pPr>
+    <a:lvl9pPr marL="3657600" algn="l" defTabSz="457200" rtl="0" eaLnBrk="1" latinLnBrk="0" hangingPunct="1">
+      <a:defRPr sz="1200" kern="1200">
+        <a:solidFill>
+          <a:schemeClr val="tx1"/>
+        </a:solidFill>
+        <a:latin typeface="+mn-lt"/>
+        <a:ea typeface="+mn-ea"/>
+        <a:cs typeface="+mn-cs"/>
+      </a:defRPr>
+    </a:lvl9pPr>
+  </p:notesStyle>
 </p:notesMaster>
 </file>
 
 <file path=ppt/notesSlides/notesSlide1.xml><?xml version="1.0" encoding="utf-8"?>
-<p:notes xmlns:a="http://schemas.openxmlformats.org/drawingml/2006/main" xmlns:r="http://schemas.openxmlformats.org/officeDocument/2006/relationships" xmlns:mc="http://schemas.openxmlformats.org/markup-compatibility/2006" xmlns:mv="urn:schemas-microsoft-com:mac:vml" xmlns:p="http://schemas.openxmlformats.org/presentationml/2006/main" xmlns:c="http://schemas.openxmlformats.org/drawingml/2006/chart" xmlns:dgm="http://schemas.openxmlformats.org/drawingml/2006/diagram" xmlns:o="urn:schemas-microsoft-com:office:office" xmlns:v="urn:schemas-microsoft-com:vml" xmlns:pvml="urn:schemas-microsoft-com:office:powerpoint" xmlns:com="http://schemas.openxmlformats.org/drawingml/2006/compatibility" xmlns:p14="http://schemas.microsoft.com/office/powerpoint/2010/main" showMasterPhAnim="0" showMasterSp="0">
+<p:notes xmlns:a="http://schemas.openxmlformats.org/drawingml/2006/main" xmlns:r="http://schemas.openxmlformats.org/officeDocument/2006/relationships" xmlns:p="http://schemas.openxmlformats.org/presentationml/2006/main" showMasterSp="0" showMasterPhAnim="0">
   <p:cSld>
     <p:spTree>
       <p:nvGrpSpPr>
-        <p:cNvPr id="49" name="Shape 49"/>
+        <p:cNvPr id="1" name="Shape 49"/>
         <p:cNvGrpSpPr/>
         <p:nvPr/>
       </p:nvGrpSpPr>
@@ -408,9 +521,11 @@
       <p:sp>
         <p:nvSpPr>
           <p:cNvPr id="50" name="Shape 50"/>
-          <p:cNvSpPr/>
-          <p:nvPr>
-            <p:ph idx="2" type="sldImg"/>
+          <p:cNvSpPr>
+            <a:spLocks noGrp="1" noRot="1" noChangeAspect="1"/>
+          </p:cNvSpPr>
+          <p:nvPr>
+            <p:ph type="sldImg" idx="2"/>
           </p:nvPr>
         </p:nvSpPr>
         <p:spPr>
@@ -419,8 +534,13 @@
             <a:ext cx="6096075" cy="3429000"/>
           </a:xfrm>
           <a:custGeom>
+            <a:avLst/>
+            <a:gdLst/>
+            <a:ahLst/>
+            <a:cxnLst/>
+            <a:rect l="0" t="0" r="0" b="0"/>
             <a:pathLst>
-              <a:path extrusionOk="0" h="120000" w="120000">
+              <a:path w="120000" h="120000" extrusionOk="0">
                 <a:moveTo>
                   <a:pt x="0" y="0"/>
                 </a:moveTo>
@@ -438,23 +558,25 @@
             </a:pathLst>
           </a:custGeom>
           <a:noFill/>
-          <a:ln cap="flat" cmpd="sng" w="9525">
+          <a:ln w="9525" cap="flat" cmpd="sng">
             <a:solidFill>
               <a:srgbClr val="000000"/>
             </a:solidFill>
             <a:prstDash val="solid"/>
             <a:round/>
-            <a:headEnd len="med" w="med" type="none"/>
-            <a:tailEnd len="med" w="med" type="none"/>
+            <a:headEnd type="none" w="med" len="med"/>
+            <a:tailEnd type="none" w="med" len="med"/>
           </a:ln>
         </p:spPr>
       </p:sp>
       <p:sp>
         <p:nvSpPr>
           <p:cNvPr id="51" name="Shape 51"/>
-          <p:cNvSpPr txBox="1"/>
-          <p:nvPr>
-            <p:ph idx="1" type="body"/>
+          <p:cNvSpPr txBox="1">
+            <a:spLocks noGrp="1"/>
+          </p:cNvSpPr>
+          <p:nvPr>
+            <p:ph type="body" idx="1"/>
           </p:nvPr>
         </p:nvSpPr>
         <p:spPr>
@@ -467,7 +589,7 @@
           </a:prstGeom>
         </p:spPr>
         <p:txBody>
-          <a:bodyPr anchorCtr="0" anchor="t" bIns="91425" lIns="91425" rIns="91425" tIns="91425">
+          <a:bodyPr lIns="91425" tIns="91425" rIns="91425" bIns="91425" anchor="t" anchorCtr="0">
             <a:noAutofit/>
           </a:bodyPr>
           <a:lstStyle/>
@@ -478,9 +600,6 @@
               </a:spcBef>
               <a:buNone/>
             </a:pPr>
-            <a:r>
-              <a:t/>
-            </a:r>
             <a:endParaRPr/>
           </a:p>
         </p:txBody>
@@ -494,11 +613,11 @@
 </file>
 
 <file path=ppt/notesSlides/notesSlide10.xml><?xml version="1.0" encoding="utf-8"?>
-<p:notes xmlns:a="http://schemas.openxmlformats.org/drawingml/2006/main" xmlns:r="http://schemas.openxmlformats.org/officeDocument/2006/relationships" xmlns:mc="http://schemas.openxmlformats.org/markup-compatibility/2006" xmlns:mv="urn:schemas-microsoft-com:mac:vml" xmlns:p="http://schemas.openxmlformats.org/presentationml/2006/main" xmlns:c="http://schemas.openxmlformats.org/drawingml/2006/chart" xmlns:dgm="http://schemas.openxmlformats.org/drawingml/2006/diagram" xmlns:o="urn:schemas-microsoft-com:office:office" xmlns:v="urn:schemas-microsoft-com:vml" xmlns:pvml="urn:schemas-microsoft-com:office:powerpoint" xmlns:com="http://schemas.openxmlformats.org/drawingml/2006/compatibility" xmlns:p14="http://schemas.microsoft.com/office/powerpoint/2010/main" showMasterPhAnim="0" showMasterSp="0">
+<p:notes xmlns:a="http://schemas.openxmlformats.org/drawingml/2006/main" xmlns:r="http://schemas.openxmlformats.org/officeDocument/2006/relationships" xmlns:p="http://schemas.openxmlformats.org/presentationml/2006/main" showMasterSp="0" showMasterPhAnim="0">
   <p:cSld>
     <p:spTree>
       <p:nvGrpSpPr>
-        <p:cNvPr id="104" name="Shape 104"/>
+        <p:cNvPr id="1" name="Shape 104"/>
         <p:cNvGrpSpPr/>
         <p:nvPr/>
       </p:nvGrpSpPr>
@@ -513,9 +632,11 @@
       <p:sp>
         <p:nvSpPr>
           <p:cNvPr id="105" name="Shape 105"/>
-          <p:cNvSpPr/>
-          <p:nvPr>
-            <p:ph idx="2" type="sldImg"/>
+          <p:cNvSpPr>
+            <a:spLocks noGrp="1" noRot="1" noChangeAspect="1"/>
+          </p:cNvSpPr>
+          <p:nvPr>
+            <p:ph type="sldImg" idx="2"/>
           </p:nvPr>
         </p:nvSpPr>
         <p:spPr>
@@ -524,8 +645,13 @@
             <a:ext cx="6096000" cy="3429000"/>
           </a:xfrm>
           <a:custGeom>
+            <a:avLst/>
+            <a:gdLst/>
+            <a:ahLst/>
+            <a:cxnLst/>
+            <a:rect l="0" t="0" r="0" b="0"/>
             <a:pathLst>
-              <a:path extrusionOk="0" h="120000" w="120000">
+              <a:path w="120000" h="120000" extrusionOk="0">
                 <a:moveTo>
                   <a:pt x="0" y="0"/>
                 </a:moveTo>
@@ -543,23 +669,25 @@
             </a:pathLst>
           </a:custGeom>
           <a:noFill/>
-          <a:ln cap="flat" cmpd="sng" w="9525">
+          <a:ln w="9525" cap="flat" cmpd="sng">
             <a:solidFill>
               <a:srgbClr val="000000"/>
             </a:solidFill>
             <a:prstDash val="solid"/>
             <a:round/>
-            <a:headEnd len="med" w="med" type="none"/>
-            <a:tailEnd len="med" w="med" type="none"/>
+            <a:headEnd type="none" w="med" len="med"/>
+            <a:tailEnd type="none" w="med" len="med"/>
           </a:ln>
         </p:spPr>
       </p:sp>
       <p:sp>
         <p:nvSpPr>
           <p:cNvPr id="106" name="Shape 106"/>
-          <p:cNvSpPr txBox="1"/>
-          <p:nvPr>
-            <p:ph idx="1" type="body"/>
+          <p:cNvSpPr txBox="1">
+            <a:spLocks noGrp="1"/>
+          </p:cNvSpPr>
+          <p:nvPr>
+            <p:ph type="body" idx="1"/>
           </p:nvPr>
         </p:nvSpPr>
         <p:spPr>
@@ -572,7 +700,7 @@
           </a:prstGeom>
         </p:spPr>
         <p:txBody>
-          <a:bodyPr anchorCtr="0" anchor="t" bIns="91425" lIns="91425" rIns="91425" tIns="91425">
+          <a:bodyPr lIns="91425" tIns="91425" rIns="91425" bIns="91425" anchor="t" anchorCtr="0">
             <a:noAutofit/>
           </a:bodyPr>
           <a:lstStyle/>
@@ -583,9 +711,6 @@
               </a:spcBef>
               <a:buNone/>
             </a:pPr>
-            <a:r>
-              <a:t/>
-            </a:r>
             <a:endParaRPr/>
           </a:p>
         </p:txBody>
@@ -599,11 +724,11 @@
 </file>
 
 <file path=ppt/notesSlides/notesSlide11.xml><?xml version="1.0" encoding="utf-8"?>
-<p:notes xmlns:a="http://schemas.openxmlformats.org/drawingml/2006/main" xmlns:r="http://schemas.openxmlformats.org/officeDocument/2006/relationships" xmlns:mc="http://schemas.openxmlformats.org/markup-compatibility/2006" xmlns:mv="urn:schemas-microsoft-com:mac:vml" xmlns:p="http://schemas.openxmlformats.org/presentationml/2006/main" xmlns:c="http://schemas.openxmlformats.org/drawingml/2006/chart" xmlns:dgm="http://schemas.openxmlformats.org/drawingml/2006/diagram" xmlns:o="urn:schemas-microsoft-com:office:office" xmlns:v="urn:schemas-microsoft-com:vml" xmlns:pvml="urn:schemas-microsoft-com:office:powerpoint" xmlns:com="http://schemas.openxmlformats.org/drawingml/2006/compatibility" xmlns:p14="http://schemas.microsoft.com/office/powerpoint/2010/main" showMasterPhAnim="0" showMasterSp="0">
+<p:notes xmlns:a="http://schemas.openxmlformats.org/drawingml/2006/main" xmlns:r="http://schemas.openxmlformats.org/officeDocument/2006/relationships" xmlns:p="http://schemas.openxmlformats.org/presentationml/2006/main" showMasterSp="0" showMasterPhAnim="0">
   <p:cSld>
     <p:spTree>
       <p:nvGrpSpPr>
-        <p:cNvPr id="110" name="Shape 110"/>
+        <p:cNvPr id="1" name="Shape 110"/>
         <p:cNvGrpSpPr/>
         <p:nvPr/>
       </p:nvGrpSpPr>
@@ -618,19 +743,26 @@
       <p:sp>
         <p:nvSpPr>
           <p:cNvPr id="111" name="Shape 111"/>
-          <p:cNvSpPr/>
-          <p:nvPr>
-            <p:ph idx="2" type="sldImg"/>
-          </p:nvPr>
-        </p:nvSpPr>
-        <p:spPr>
-          <a:xfrm>
-            <a:off x="381300" y="685800"/>
+          <p:cNvSpPr>
+            <a:spLocks noGrp="1" noRot="1" noChangeAspect="1"/>
+          </p:cNvSpPr>
+          <p:nvPr>
+            <p:ph type="sldImg" idx="2"/>
+          </p:nvPr>
+        </p:nvSpPr>
+        <p:spPr>
+          <a:xfrm>
+            <a:off x="381000" y="685800"/>
             <a:ext cx="6096000" cy="3429000"/>
           </a:xfrm>
           <a:custGeom>
+            <a:avLst/>
+            <a:gdLst/>
+            <a:ahLst/>
+            <a:cxnLst/>
+            <a:rect l="0" t="0" r="0" b="0"/>
             <a:pathLst>
-              <a:path extrusionOk="0" h="120000" w="120000">
+              <a:path w="120000" h="120000" extrusionOk="0">
                 <a:moveTo>
                   <a:pt x="0" y="0"/>
                 </a:moveTo>
@@ -648,23 +780,25 @@
             </a:pathLst>
           </a:custGeom>
           <a:noFill/>
-          <a:ln cap="flat" cmpd="sng" w="9525">
+          <a:ln w="9525" cap="flat" cmpd="sng">
             <a:solidFill>
               <a:srgbClr val="000000"/>
             </a:solidFill>
             <a:prstDash val="solid"/>
             <a:round/>
-            <a:headEnd len="med" w="med" type="none"/>
-            <a:tailEnd len="med" w="med" type="none"/>
+            <a:headEnd type="none" w="med" len="med"/>
+            <a:tailEnd type="none" w="med" len="med"/>
           </a:ln>
         </p:spPr>
       </p:sp>
       <p:sp>
         <p:nvSpPr>
           <p:cNvPr id="112" name="Shape 112"/>
-          <p:cNvSpPr txBox="1"/>
-          <p:nvPr>
-            <p:ph idx="1" type="body"/>
+          <p:cNvSpPr txBox="1">
+            <a:spLocks noGrp="1"/>
+          </p:cNvSpPr>
+          <p:nvPr>
+            <p:ph type="body" idx="1"/>
           </p:nvPr>
         </p:nvSpPr>
         <p:spPr>
@@ -677,7 +811,7 @@
           </a:prstGeom>
         </p:spPr>
         <p:txBody>
-          <a:bodyPr anchorCtr="0" anchor="t" bIns="91425" lIns="91425" rIns="91425" tIns="91425">
+          <a:bodyPr lIns="91425" tIns="91425" rIns="91425" bIns="91425" anchor="t" anchorCtr="0">
             <a:noAutofit/>
           </a:bodyPr>
           <a:lstStyle/>
@@ -688,9 +822,6 @@
               </a:spcBef>
               <a:buNone/>
             </a:pPr>
-            <a:r>
-              <a:t/>
-            </a:r>
             <a:endParaRPr/>
           </a:p>
         </p:txBody>
@@ -704,11 +835,11 @@
 </file>
 
 <file path=ppt/notesSlides/notesSlide12.xml><?xml version="1.0" encoding="utf-8"?>
-<p:notes xmlns:a="http://schemas.openxmlformats.org/drawingml/2006/main" xmlns:r="http://schemas.openxmlformats.org/officeDocument/2006/relationships" xmlns:mc="http://schemas.openxmlformats.org/markup-compatibility/2006" xmlns:mv="urn:schemas-microsoft-com:mac:vml" xmlns:p="http://schemas.openxmlformats.org/presentationml/2006/main" xmlns:c="http://schemas.openxmlformats.org/drawingml/2006/chart" xmlns:dgm="http://schemas.openxmlformats.org/drawingml/2006/diagram" xmlns:o="urn:schemas-microsoft-com:office:office" xmlns:v="urn:schemas-microsoft-com:vml" xmlns:pvml="urn:schemas-microsoft-com:office:powerpoint" xmlns:com="http://schemas.openxmlformats.org/drawingml/2006/compatibility" xmlns:p14="http://schemas.microsoft.com/office/powerpoint/2010/main" showMasterPhAnim="0" showMasterSp="0">
+<p:notes xmlns:a="http://schemas.openxmlformats.org/drawingml/2006/main" xmlns:r="http://schemas.openxmlformats.org/officeDocument/2006/relationships" xmlns:p="http://schemas.openxmlformats.org/presentationml/2006/main" showMasterSp="0" showMasterPhAnim="0">
   <p:cSld>
     <p:spTree>
       <p:nvGrpSpPr>
-        <p:cNvPr id="116" name="Shape 116"/>
+        <p:cNvPr id="1" name="Shape 116"/>
         <p:cNvGrpSpPr/>
         <p:nvPr/>
       </p:nvGrpSpPr>
@@ -723,19 +854,26 @@
       <p:sp>
         <p:nvSpPr>
           <p:cNvPr id="117" name="Shape 117"/>
-          <p:cNvSpPr/>
-          <p:nvPr>
-            <p:ph idx="2" type="sldImg"/>
-          </p:nvPr>
-        </p:nvSpPr>
-        <p:spPr>
-          <a:xfrm>
-            <a:off x="381300" y="685800"/>
+          <p:cNvSpPr>
+            <a:spLocks noGrp="1" noRot="1" noChangeAspect="1"/>
+          </p:cNvSpPr>
+          <p:nvPr>
+            <p:ph type="sldImg" idx="2"/>
+          </p:nvPr>
+        </p:nvSpPr>
+        <p:spPr>
+          <a:xfrm>
+            <a:off x="381000" y="685800"/>
             <a:ext cx="6096000" cy="3429000"/>
           </a:xfrm>
           <a:custGeom>
+            <a:avLst/>
+            <a:gdLst/>
+            <a:ahLst/>
+            <a:cxnLst/>
+            <a:rect l="0" t="0" r="0" b="0"/>
             <a:pathLst>
-              <a:path extrusionOk="0" h="120000" w="120000">
+              <a:path w="120000" h="120000" extrusionOk="0">
                 <a:moveTo>
                   <a:pt x="0" y="0"/>
                 </a:moveTo>
@@ -753,23 +891,25 @@
             </a:pathLst>
           </a:custGeom>
           <a:noFill/>
-          <a:ln cap="flat" cmpd="sng" w="9525">
+          <a:ln w="9525" cap="flat" cmpd="sng">
             <a:solidFill>
               <a:srgbClr val="000000"/>
             </a:solidFill>
             <a:prstDash val="solid"/>
             <a:round/>
-            <a:headEnd len="med" w="med" type="none"/>
-            <a:tailEnd len="med" w="med" type="none"/>
+            <a:headEnd type="none" w="med" len="med"/>
+            <a:tailEnd type="none" w="med" len="med"/>
           </a:ln>
         </p:spPr>
       </p:sp>
       <p:sp>
         <p:nvSpPr>
           <p:cNvPr id="118" name="Shape 118"/>
-          <p:cNvSpPr txBox="1"/>
-          <p:nvPr>
-            <p:ph idx="1" type="body"/>
+          <p:cNvSpPr txBox="1">
+            <a:spLocks noGrp="1"/>
+          </p:cNvSpPr>
+          <p:nvPr>
+            <p:ph type="body" idx="1"/>
           </p:nvPr>
         </p:nvSpPr>
         <p:spPr>
@@ -782,7 +922,7 @@
           </a:prstGeom>
         </p:spPr>
         <p:txBody>
-          <a:bodyPr anchorCtr="0" anchor="t" bIns="91425" lIns="91425" rIns="91425" tIns="91425">
+          <a:bodyPr lIns="91425" tIns="91425" rIns="91425" bIns="91425" anchor="t" anchorCtr="0">
             <a:noAutofit/>
           </a:bodyPr>
           <a:lstStyle/>
@@ -793,9 +933,6 @@
               </a:spcBef>
               <a:buNone/>
             </a:pPr>
-            <a:r>
-              <a:t/>
-            </a:r>
             <a:endParaRPr/>
           </a:p>
         </p:txBody>
@@ -809,11 +946,11 @@
 </file>
 
 <file path=ppt/notesSlides/notesSlide13.xml><?xml version="1.0" encoding="utf-8"?>
-<p:notes xmlns:a="http://schemas.openxmlformats.org/drawingml/2006/main" xmlns:r="http://schemas.openxmlformats.org/officeDocument/2006/relationships" xmlns:mc="http://schemas.openxmlformats.org/markup-compatibility/2006" xmlns:mv="urn:schemas-microsoft-com:mac:vml" xmlns:p="http://schemas.openxmlformats.org/presentationml/2006/main" xmlns:c="http://schemas.openxmlformats.org/drawingml/2006/chart" xmlns:dgm="http://schemas.openxmlformats.org/drawingml/2006/diagram" xmlns:o="urn:schemas-microsoft-com:office:office" xmlns:v="urn:schemas-microsoft-com:vml" xmlns:pvml="urn:schemas-microsoft-com:office:powerpoint" xmlns:com="http://schemas.openxmlformats.org/drawingml/2006/compatibility" xmlns:p14="http://schemas.microsoft.com/office/powerpoint/2010/main" showMasterPhAnim="0" showMasterSp="0">
+<p:notes xmlns:a="http://schemas.openxmlformats.org/drawingml/2006/main" xmlns:r="http://schemas.openxmlformats.org/officeDocument/2006/relationships" xmlns:p="http://schemas.openxmlformats.org/presentationml/2006/main" showMasterSp="0" showMasterPhAnim="0">
   <p:cSld>
     <p:spTree>
       <p:nvGrpSpPr>
-        <p:cNvPr id="122" name="Shape 122"/>
+        <p:cNvPr id="1" name="Shape 122"/>
         <p:cNvGrpSpPr/>
         <p:nvPr/>
       </p:nvGrpSpPr>
@@ -828,9 +965,11 @@
       <p:sp>
         <p:nvSpPr>
           <p:cNvPr id="123" name="Shape 123"/>
-          <p:cNvSpPr/>
-          <p:nvPr>
-            <p:ph idx="2" type="sldImg"/>
+          <p:cNvSpPr>
+            <a:spLocks noGrp="1" noRot="1" noChangeAspect="1"/>
+          </p:cNvSpPr>
+          <p:nvPr>
+            <p:ph type="sldImg" idx="2"/>
           </p:nvPr>
         </p:nvSpPr>
         <p:spPr>
@@ -839,8 +978,13 @@
             <a:ext cx="6096000" cy="3429000"/>
           </a:xfrm>
           <a:custGeom>
+            <a:avLst/>
+            <a:gdLst/>
+            <a:ahLst/>
+            <a:cxnLst/>
+            <a:rect l="0" t="0" r="0" b="0"/>
             <a:pathLst>
-              <a:path extrusionOk="0" h="120000" w="120000">
+              <a:path w="120000" h="120000" extrusionOk="0">
                 <a:moveTo>
                   <a:pt x="0" y="0"/>
                 </a:moveTo>
@@ -858,23 +1002,25 @@
             </a:pathLst>
           </a:custGeom>
           <a:noFill/>
-          <a:ln cap="flat" cmpd="sng" w="9525">
+          <a:ln w="9525" cap="flat" cmpd="sng">
             <a:solidFill>
               <a:srgbClr val="000000"/>
             </a:solidFill>
             <a:prstDash val="solid"/>
             <a:round/>
-            <a:headEnd len="med" w="med" type="none"/>
-            <a:tailEnd len="med" w="med" type="none"/>
+            <a:headEnd type="none" w="med" len="med"/>
+            <a:tailEnd type="none" w="med" len="med"/>
           </a:ln>
         </p:spPr>
       </p:sp>
       <p:sp>
         <p:nvSpPr>
           <p:cNvPr id="124" name="Shape 124"/>
-          <p:cNvSpPr txBox="1"/>
-          <p:nvPr>
-            <p:ph idx="1" type="body"/>
+          <p:cNvSpPr txBox="1">
+            <a:spLocks noGrp="1"/>
+          </p:cNvSpPr>
+          <p:nvPr>
+            <p:ph type="body" idx="1"/>
           </p:nvPr>
         </p:nvSpPr>
         <p:spPr>
@@ -887,7 +1033,7 @@
           </a:prstGeom>
         </p:spPr>
         <p:txBody>
-          <a:bodyPr anchorCtr="0" anchor="t" bIns="91425" lIns="91425" rIns="91425" tIns="91425">
+          <a:bodyPr lIns="91425" tIns="91425" rIns="91425" bIns="91425" anchor="t" anchorCtr="0">
             <a:noAutofit/>
           </a:bodyPr>
           <a:lstStyle/>
@@ -898,9 +1044,6 @@
               </a:spcBef>
               <a:buNone/>
             </a:pPr>
-            <a:r>
-              <a:t/>
-            </a:r>
             <a:endParaRPr/>
           </a:p>
         </p:txBody>
@@ -914,11 +1057,11 @@
 </file>
 
 <file path=ppt/notesSlides/notesSlide14.xml><?xml version="1.0" encoding="utf-8"?>
-<p:notes xmlns:a="http://schemas.openxmlformats.org/drawingml/2006/main" xmlns:r="http://schemas.openxmlformats.org/officeDocument/2006/relationships" xmlns:mc="http://schemas.openxmlformats.org/markup-compatibility/2006" xmlns:mv="urn:schemas-microsoft-com:mac:vml" xmlns:p="http://schemas.openxmlformats.org/presentationml/2006/main" xmlns:c="http://schemas.openxmlformats.org/drawingml/2006/chart" xmlns:dgm="http://schemas.openxmlformats.org/drawingml/2006/diagram" xmlns:o="urn:schemas-microsoft-com:office:office" xmlns:v="urn:schemas-microsoft-com:vml" xmlns:pvml="urn:schemas-microsoft-com:office:powerpoint" xmlns:com="http://schemas.openxmlformats.org/drawingml/2006/compatibility" xmlns:p14="http://schemas.microsoft.com/office/powerpoint/2010/main" showMasterPhAnim="0" showMasterSp="0">
+<p:notes xmlns:a="http://schemas.openxmlformats.org/drawingml/2006/main" xmlns:r="http://schemas.openxmlformats.org/officeDocument/2006/relationships" xmlns:p="http://schemas.openxmlformats.org/presentationml/2006/main" showMasterSp="0" showMasterPhAnim="0">
   <p:cSld>
     <p:spTree>
       <p:nvGrpSpPr>
-        <p:cNvPr id="128" name="Shape 128"/>
+        <p:cNvPr id="1" name="Shape 128"/>
         <p:cNvGrpSpPr/>
         <p:nvPr/>
       </p:nvGrpSpPr>
@@ -933,9 +1076,11 @@
       <p:sp>
         <p:nvSpPr>
           <p:cNvPr id="129" name="Shape 129"/>
-          <p:cNvSpPr/>
-          <p:nvPr>
-            <p:ph idx="2" type="sldImg"/>
+          <p:cNvSpPr>
+            <a:spLocks noGrp="1" noRot="1" noChangeAspect="1"/>
+          </p:cNvSpPr>
+          <p:nvPr>
+            <p:ph type="sldImg" idx="2"/>
           </p:nvPr>
         </p:nvSpPr>
         <p:spPr>
@@ -944,8 +1089,13 @@
             <a:ext cx="6096000" cy="3429000"/>
           </a:xfrm>
           <a:custGeom>
+            <a:avLst/>
+            <a:gdLst/>
+            <a:ahLst/>
+            <a:cxnLst/>
+            <a:rect l="0" t="0" r="0" b="0"/>
             <a:pathLst>
-              <a:path extrusionOk="0" h="120000" w="120000">
+              <a:path w="120000" h="120000" extrusionOk="0">
                 <a:moveTo>
                   <a:pt x="0" y="0"/>
                 </a:moveTo>
@@ -963,23 +1113,25 @@
             </a:pathLst>
           </a:custGeom>
           <a:noFill/>
-          <a:ln cap="flat" cmpd="sng" w="9525">
+          <a:ln w="9525" cap="flat" cmpd="sng">
             <a:solidFill>
               <a:srgbClr val="000000"/>
             </a:solidFill>
             <a:prstDash val="solid"/>
             <a:round/>
-            <a:headEnd len="med" w="med" type="none"/>
-            <a:tailEnd len="med" w="med" type="none"/>
+            <a:headEnd type="none" w="med" len="med"/>
+            <a:tailEnd type="none" w="med" len="med"/>
           </a:ln>
         </p:spPr>
       </p:sp>
       <p:sp>
         <p:nvSpPr>
           <p:cNvPr id="130" name="Shape 130"/>
-          <p:cNvSpPr txBox="1"/>
-          <p:nvPr>
-            <p:ph idx="1" type="body"/>
+          <p:cNvSpPr txBox="1">
+            <a:spLocks noGrp="1"/>
+          </p:cNvSpPr>
+          <p:nvPr>
+            <p:ph type="body" idx="1"/>
           </p:nvPr>
         </p:nvSpPr>
         <p:spPr>
@@ -992,7 +1144,7 @@
           </a:prstGeom>
         </p:spPr>
         <p:txBody>
-          <a:bodyPr anchorCtr="0" anchor="t" bIns="91425" lIns="91425" rIns="91425" tIns="91425">
+          <a:bodyPr lIns="91425" tIns="91425" rIns="91425" bIns="91425" anchor="t" anchorCtr="0">
             <a:noAutofit/>
           </a:bodyPr>
           <a:lstStyle/>
@@ -1003,9 +1155,6 @@
               </a:spcBef>
               <a:buNone/>
             </a:pPr>
-            <a:r>
-              <a:t/>
-            </a:r>
             <a:endParaRPr/>
           </a:p>
         </p:txBody>
@@ -1019,11 +1168,11 @@
 </file>
 
 <file path=ppt/notesSlides/notesSlide2.xml><?xml version="1.0" encoding="utf-8"?>
-<p:notes xmlns:a="http://schemas.openxmlformats.org/drawingml/2006/main" xmlns:r="http://schemas.openxmlformats.org/officeDocument/2006/relationships" xmlns:mc="http://schemas.openxmlformats.org/markup-compatibility/2006" xmlns:mv="urn:schemas-microsoft-com:mac:vml" xmlns:p="http://schemas.openxmlformats.org/presentationml/2006/main" xmlns:c="http://schemas.openxmlformats.org/drawingml/2006/chart" xmlns:dgm="http://schemas.openxmlformats.org/drawingml/2006/diagram" xmlns:o="urn:schemas-microsoft-com:office:office" xmlns:v="urn:schemas-microsoft-com:vml" xmlns:pvml="urn:schemas-microsoft-com:office:powerpoint" xmlns:com="http://schemas.openxmlformats.org/drawingml/2006/compatibility" xmlns:p14="http://schemas.microsoft.com/office/powerpoint/2010/main" showMasterPhAnim="0" showMasterSp="0">
+<p:notes xmlns:a="http://schemas.openxmlformats.org/drawingml/2006/main" xmlns:r="http://schemas.openxmlformats.org/officeDocument/2006/relationships" xmlns:p="http://schemas.openxmlformats.org/presentationml/2006/main" showMasterSp="0" showMasterPhAnim="0">
   <p:cSld>
     <p:spTree>
       <p:nvGrpSpPr>
-        <p:cNvPr id="56" name="Shape 56"/>
+        <p:cNvPr id="1" name="Shape 56"/>
         <p:cNvGrpSpPr/>
         <p:nvPr/>
       </p:nvGrpSpPr>
@@ -1038,9 +1187,11 @@
       <p:sp>
         <p:nvSpPr>
           <p:cNvPr id="57" name="Shape 57"/>
-          <p:cNvSpPr/>
-          <p:nvPr>
-            <p:ph idx="2" type="sldImg"/>
+          <p:cNvSpPr>
+            <a:spLocks noGrp="1" noRot="1" noChangeAspect="1"/>
+          </p:cNvSpPr>
+          <p:nvPr>
+            <p:ph type="sldImg" idx="2"/>
           </p:nvPr>
         </p:nvSpPr>
         <p:spPr>
@@ -1049,8 +1200,13 @@
             <a:ext cx="6096000" cy="3429000"/>
           </a:xfrm>
           <a:custGeom>
+            <a:avLst/>
+            <a:gdLst/>
+            <a:ahLst/>
+            <a:cxnLst/>
+            <a:rect l="0" t="0" r="0" b="0"/>
             <a:pathLst>
-              <a:path extrusionOk="0" h="120000" w="120000">
+              <a:path w="120000" h="120000" extrusionOk="0">
                 <a:moveTo>
                   <a:pt x="0" y="0"/>
                 </a:moveTo>
@@ -1068,23 +1224,25 @@
             </a:pathLst>
           </a:custGeom>
           <a:noFill/>
-          <a:ln cap="flat" cmpd="sng" w="9525">
+          <a:ln w="9525" cap="flat" cmpd="sng">
             <a:solidFill>
               <a:srgbClr val="000000"/>
             </a:solidFill>
             <a:prstDash val="solid"/>
             <a:round/>
-            <a:headEnd len="med" w="med" type="none"/>
-            <a:tailEnd len="med" w="med" type="none"/>
+            <a:headEnd type="none" w="med" len="med"/>
+            <a:tailEnd type="none" w="med" len="med"/>
           </a:ln>
         </p:spPr>
       </p:sp>
       <p:sp>
         <p:nvSpPr>
           <p:cNvPr id="58" name="Shape 58"/>
-          <p:cNvSpPr txBox="1"/>
-          <p:nvPr>
-            <p:ph idx="1" type="body"/>
+          <p:cNvSpPr txBox="1">
+            <a:spLocks noGrp="1"/>
+          </p:cNvSpPr>
+          <p:nvPr>
+            <p:ph type="body" idx="1"/>
           </p:nvPr>
         </p:nvSpPr>
         <p:spPr>
@@ -1097,7 +1255,7 @@
           </a:prstGeom>
         </p:spPr>
         <p:txBody>
-          <a:bodyPr anchorCtr="0" anchor="t" bIns="91425" lIns="91425" rIns="91425" tIns="91425">
+          <a:bodyPr lIns="91425" tIns="91425" rIns="91425" bIns="91425" anchor="t" anchorCtr="0">
             <a:noAutofit/>
           </a:bodyPr>
           <a:lstStyle/>
@@ -1108,9 +1266,6 @@
               </a:spcBef>
               <a:buNone/>
             </a:pPr>
-            <a:r>
-              <a:t/>
-            </a:r>
             <a:endParaRPr/>
           </a:p>
         </p:txBody>
@@ -1124,11 +1279,11 @@
 </file>
 
 <file path=ppt/notesSlides/notesSlide3.xml><?xml version="1.0" encoding="utf-8"?>
-<p:notes xmlns:a="http://schemas.openxmlformats.org/drawingml/2006/main" xmlns:r="http://schemas.openxmlformats.org/officeDocument/2006/relationships" xmlns:mc="http://schemas.openxmlformats.org/markup-compatibility/2006" xmlns:mv="urn:schemas-microsoft-com:mac:vml" xmlns:p="http://schemas.openxmlformats.org/presentationml/2006/main" xmlns:c="http://schemas.openxmlformats.org/drawingml/2006/chart" xmlns:dgm="http://schemas.openxmlformats.org/drawingml/2006/diagram" xmlns:o="urn:schemas-microsoft-com:office:office" xmlns:v="urn:schemas-microsoft-com:vml" xmlns:pvml="urn:schemas-microsoft-com:office:powerpoint" xmlns:com="http://schemas.openxmlformats.org/drawingml/2006/compatibility" xmlns:p14="http://schemas.microsoft.com/office/powerpoint/2010/main" showMasterPhAnim="0" showMasterSp="0">
+<p:notes xmlns:a="http://schemas.openxmlformats.org/drawingml/2006/main" xmlns:r="http://schemas.openxmlformats.org/officeDocument/2006/relationships" xmlns:p="http://schemas.openxmlformats.org/presentationml/2006/main" showMasterSp="0" showMasterPhAnim="0">
   <p:cSld>
     <p:spTree>
       <p:nvGrpSpPr>
-        <p:cNvPr id="62" name="Shape 62"/>
+        <p:cNvPr id="1" name="Shape 62"/>
         <p:cNvGrpSpPr/>
         <p:nvPr/>
       </p:nvGrpSpPr>
@@ -1143,9 +1298,11 @@
       <p:sp>
         <p:nvSpPr>
           <p:cNvPr id="63" name="Shape 63"/>
-          <p:cNvSpPr/>
-          <p:nvPr>
-            <p:ph idx="2" type="sldImg"/>
+          <p:cNvSpPr>
+            <a:spLocks noGrp="1" noRot="1" noChangeAspect="1"/>
+          </p:cNvSpPr>
+          <p:nvPr>
+            <p:ph type="sldImg" idx="2"/>
           </p:nvPr>
         </p:nvSpPr>
         <p:spPr>
@@ -1154,8 +1311,13 @@
             <a:ext cx="6096000" cy="3429000"/>
           </a:xfrm>
           <a:custGeom>
+            <a:avLst/>
+            <a:gdLst/>
+            <a:ahLst/>
+            <a:cxnLst/>
+            <a:rect l="0" t="0" r="0" b="0"/>
             <a:pathLst>
-              <a:path extrusionOk="0" h="120000" w="120000">
+              <a:path w="120000" h="120000" extrusionOk="0">
                 <a:moveTo>
                   <a:pt x="0" y="0"/>
                 </a:moveTo>
@@ -1173,23 +1335,25 @@
             </a:pathLst>
           </a:custGeom>
           <a:noFill/>
-          <a:ln cap="flat" cmpd="sng" w="9525">
+          <a:ln w="9525" cap="flat" cmpd="sng">
             <a:solidFill>
               <a:srgbClr val="000000"/>
             </a:solidFill>
             <a:prstDash val="solid"/>
             <a:round/>
-            <a:headEnd len="med" w="med" type="none"/>
-            <a:tailEnd len="med" w="med" type="none"/>
+            <a:headEnd type="none" w="med" len="med"/>
+            <a:tailEnd type="none" w="med" len="med"/>
           </a:ln>
         </p:spPr>
       </p:sp>
       <p:sp>
         <p:nvSpPr>
           <p:cNvPr id="64" name="Shape 64"/>
-          <p:cNvSpPr txBox="1"/>
-          <p:nvPr>
-            <p:ph idx="1" type="body"/>
+          <p:cNvSpPr txBox="1">
+            <a:spLocks noGrp="1"/>
+          </p:cNvSpPr>
+          <p:nvPr>
+            <p:ph type="body" idx="1"/>
           </p:nvPr>
         </p:nvSpPr>
         <p:spPr>
@@ -1202,7 +1366,7 @@
           </a:prstGeom>
         </p:spPr>
         <p:txBody>
-          <a:bodyPr anchorCtr="0" anchor="t" bIns="91425" lIns="91425" rIns="91425" tIns="91425">
+          <a:bodyPr lIns="91425" tIns="91425" rIns="91425" bIns="91425" anchor="t" anchorCtr="0">
             <a:noAutofit/>
           </a:bodyPr>
           <a:lstStyle/>
@@ -1213,9 +1377,6 @@
               </a:spcBef>
               <a:buNone/>
             </a:pPr>
-            <a:r>
-              <a:t/>
-            </a:r>
             <a:endParaRPr/>
           </a:p>
         </p:txBody>
@@ -1229,11 +1390,11 @@
 </file>
 
 <file path=ppt/notesSlides/notesSlide4.xml><?xml version="1.0" encoding="utf-8"?>
-<p:notes xmlns:a="http://schemas.openxmlformats.org/drawingml/2006/main" xmlns:r="http://schemas.openxmlformats.org/officeDocument/2006/relationships" xmlns:mc="http://schemas.openxmlformats.org/markup-compatibility/2006" xmlns:mv="urn:schemas-microsoft-com:mac:vml" xmlns:p="http://schemas.openxmlformats.org/presentationml/2006/main" xmlns:c="http://schemas.openxmlformats.org/drawingml/2006/chart" xmlns:dgm="http://schemas.openxmlformats.org/drawingml/2006/diagram" xmlns:o="urn:schemas-microsoft-com:office:office" xmlns:v="urn:schemas-microsoft-com:vml" xmlns:pvml="urn:schemas-microsoft-com:office:powerpoint" xmlns:com="http://schemas.openxmlformats.org/drawingml/2006/compatibility" xmlns:p14="http://schemas.microsoft.com/office/powerpoint/2010/main" showMasterPhAnim="0" showMasterSp="0">
+<p:notes xmlns:a="http://schemas.openxmlformats.org/drawingml/2006/main" xmlns:r="http://schemas.openxmlformats.org/officeDocument/2006/relationships" xmlns:p="http://schemas.openxmlformats.org/presentationml/2006/main" showMasterSp="0" showMasterPhAnim="0">
   <p:cSld>
     <p:spTree>
       <p:nvGrpSpPr>
-        <p:cNvPr id="68" name="Shape 68"/>
+        <p:cNvPr id="1" name="Shape 68"/>
         <p:cNvGrpSpPr/>
         <p:nvPr/>
       </p:nvGrpSpPr>
@@ -1248,9 +1409,11 @@
       <p:sp>
         <p:nvSpPr>
           <p:cNvPr id="69" name="Shape 69"/>
-          <p:cNvSpPr/>
-          <p:nvPr>
-            <p:ph idx="2" type="sldImg"/>
+          <p:cNvSpPr>
+            <a:spLocks noGrp="1" noRot="1" noChangeAspect="1"/>
+          </p:cNvSpPr>
+          <p:nvPr>
+            <p:ph type="sldImg" idx="2"/>
           </p:nvPr>
         </p:nvSpPr>
         <p:spPr>
@@ -1259,8 +1422,13 @@
             <a:ext cx="6096000" cy="3429000"/>
           </a:xfrm>
           <a:custGeom>
+            <a:avLst/>
+            <a:gdLst/>
+            <a:ahLst/>
+            <a:cxnLst/>
+            <a:rect l="0" t="0" r="0" b="0"/>
             <a:pathLst>
-              <a:path extrusionOk="0" h="120000" w="120000">
+              <a:path w="120000" h="120000" extrusionOk="0">
                 <a:moveTo>
                   <a:pt x="0" y="0"/>
                 </a:moveTo>
@@ -1278,23 +1446,25 @@
             </a:pathLst>
           </a:custGeom>
           <a:noFill/>
-          <a:ln cap="flat" cmpd="sng" w="9525">
+          <a:ln w="9525" cap="flat" cmpd="sng">
             <a:solidFill>
               <a:srgbClr val="000000"/>
             </a:solidFill>
             <a:prstDash val="solid"/>
             <a:round/>
-            <a:headEnd len="med" w="med" type="none"/>
-            <a:tailEnd len="med" w="med" type="none"/>
+            <a:headEnd type="none" w="med" len="med"/>
+            <a:tailEnd type="none" w="med" len="med"/>
           </a:ln>
         </p:spPr>
       </p:sp>
       <p:sp>
         <p:nvSpPr>
           <p:cNvPr id="70" name="Shape 70"/>
-          <p:cNvSpPr txBox="1"/>
-          <p:nvPr>
-            <p:ph idx="1" type="body"/>
+          <p:cNvSpPr txBox="1">
+            <a:spLocks noGrp="1"/>
+          </p:cNvSpPr>
+          <p:nvPr>
+            <p:ph type="body" idx="1"/>
           </p:nvPr>
         </p:nvSpPr>
         <p:spPr>
@@ -1307,7 +1477,7 @@
           </a:prstGeom>
         </p:spPr>
         <p:txBody>
-          <a:bodyPr anchorCtr="0" anchor="t" bIns="91425" lIns="91425" rIns="91425" tIns="91425">
+          <a:bodyPr lIns="91425" tIns="91425" rIns="91425" bIns="91425" anchor="t" anchorCtr="0">
             <a:noAutofit/>
           </a:bodyPr>
           <a:lstStyle/>
@@ -1318,9 +1488,6 @@
               </a:spcBef>
               <a:buNone/>
             </a:pPr>
-            <a:r>
-              <a:t/>
-            </a:r>
             <a:endParaRPr/>
           </a:p>
         </p:txBody>
@@ -1334,11 +1501,11 @@
 </file>
 
 <file path=ppt/notesSlides/notesSlide5.xml><?xml version="1.0" encoding="utf-8"?>
-<p:notes xmlns:a="http://schemas.openxmlformats.org/drawingml/2006/main" xmlns:r="http://schemas.openxmlformats.org/officeDocument/2006/relationships" xmlns:mc="http://schemas.openxmlformats.org/markup-compatibility/2006" xmlns:mv="urn:schemas-microsoft-com:mac:vml" xmlns:p="http://schemas.openxmlformats.org/presentationml/2006/main" xmlns:c="http://schemas.openxmlformats.org/drawingml/2006/chart" xmlns:dgm="http://schemas.openxmlformats.org/drawingml/2006/diagram" xmlns:o="urn:schemas-microsoft-com:office:office" xmlns:v="urn:schemas-microsoft-com:vml" xmlns:pvml="urn:schemas-microsoft-com:office:powerpoint" xmlns:com="http://schemas.openxmlformats.org/drawingml/2006/compatibility" xmlns:p14="http://schemas.microsoft.com/office/powerpoint/2010/main" showMasterPhAnim="0" showMasterSp="0">
+<p:notes xmlns:a="http://schemas.openxmlformats.org/drawingml/2006/main" xmlns:r="http://schemas.openxmlformats.org/officeDocument/2006/relationships" xmlns:p="http://schemas.openxmlformats.org/presentationml/2006/main" showMasterSp="0" showMasterPhAnim="0">
   <p:cSld>
     <p:spTree>
       <p:nvGrpSpPr>
-        <p:cNvPr id="75" name="Shape 75"/>
+        <p:cNvPr id="1" name="Shape 75"/>
         <p:cNvGrpSpPr/>
         <p:nvPr/>
       </p:nvGrpSpPr>
@@ -1353,9 +1520,11 @@
       <p:sp>
         <p:nvSpPr>
           <p:cNvPr id="76" name="Shape 76"/>
-          <p:cNvSpPr/>
-          <p:nvPr>
-            <p:ph idx="2" type="sldImg"/>
+          <p:cNvSpPr>
+            <a:spLocks noGrp="1" noRot="1" noChangeAspect="1"/>
+          </p:cNvSpPr>
+          <p:nvPr>
+            <p:ph type="sldImg" idx="2"/>
           </p:nvPr>
         </p:nvSpPr>
         <p:spPr>
@@ -1364,8 +1533,13 @@
             <a:ext cx="6096000" cy="3429000"/>
           </a:xfrm>
           <a:custGeom>
+            <a:avLst/>
+            <a:gdLst/>
+            <a:ahLst/>
+            <a:cxnLst/>
+            <a:rect l="0" t="0" r="0" b="0"/>
             <a:pathLst>
-              <a:path extrusionOk="0" h="120000" w="120000">
+              <a:path w="120000" h="120000" extrusionOk="0">
                 <a:moveTo>
                   <a:pt x="0" y="0"/>
                 </a:moveTo>
@@ -1383,23 +1557,25 @@
             </a:pathLst>
           </a:custGeom>
           <a:noFill/>
-          <a:ln cap="flat" cmpd="sng" w="9525">
+          <a:ln w="9525" cap="flat" cmpd="sng">
             <a:solidFill>
               <a:srgbClr val="000000"/>
             </a:solidFill>
             <a:prstDash val="solid"/>
             <a:round/>
-            <a:headEnd len="med" w="med" type="none"/>
-            <a:tailEnd len="med" w="med" type="none"/>
+            <a:headEnd type="none" w="med" len="med"/>
+            <a:tailEnd type="none" w="med" len="med"/>
           </a:ln>
         </p:spPr>
       </p:sp>
       <p:sp>
         <p:nvSpPr>
           <p:cNvPr id="77" name="Shape 77"/>
-          <p:cNvSpPr txBox="1"/>
-          <p:nvPr>
-            <p:ph idx="1" type="body"/>
+          <p:cNvSpPr txBox="1">
+            <a:spLocks noGrp="1"/>
+          </p:cNvSpPr>
+          <p:nvPr>
+            <p:ph type="body" idx="1"/>
           </p:nvPr>
         </p:nvSpPr>
         <p:spPr>
@@ -1412,7 +1588,7 @@
           </a:prstGeom>
         </p:spPr>
         <p:txBody>
-          <a:bodyPr anchorCtr="0" anchor="t" bIns="91425" lIns="91425" rIns="91425" tIns="91425">
+          <a:bodyPr lIns="91425" tIns="91425" rIns="91425" bIns="91425" anchor="t" anchorCtr="0">
             <a:noAutofit/>
           </a:bodyPr>
           <a:lstStyle/>
@@ -1423,9 +1599,6 @@
               </a:spcBef>
               <a:buNone/>
             </a:pPr>
-            <a:r>
-              <a:t/>
-            </a:r>
             <a:endParaRPr/>
           </a:p>
         </p:txBody>
@@ -1439,11 +1612,11 @@
 </file>
 
 <file path=ppt/notesSlides/notesSlide6.xml><?xml version="1.0" encoding="utf-8"?>
-<p:notes xmlns:a="http://schemas.openxmlformats.org/drawingml/2006/main" xmlns:r="http://schemas.openxmlformats.org/officeDocument/2006/relationships" xmlns:mc="http://schemas.openxmlformats.org/markup-compatibility/2006" xmlns:mv="urn:schemas-microsoft-com:mac:vml" xmlns:p="http://schemas.openxmlformats.org/presentationml/2006/main" xmlns:c="http://schemas.openxmlformats.org/drawingml/2006/chart" xmlns:dgm="http://schemas.openxmlformats.org/drawingml/2006/diagram" xmlns:o="urn:schemas-microsoft-com:office:office" xmlns:v="urn:schemas-microsoft-com:vml" xmlns:pvml="urn:schemas-microsoft-com:office:powerpoint" xmlns:com="http://schemas.openxmlformats.org/drawingml/2006/compatibility" xmlns:p14="http://schemas.microsoft.com/office/powerpoint/2010/main" showMasterPhAnim="0" showMasterSp="0">
+<p:notes xmlns:a="http://schemas.openxmlformats.org/drawingml/2006/main" xmlns:r="http://schemas.openxmlformats.org/officeDocument/2006/relationships" xmlns:p="http://schemas.openxmlformats.org/presentationml/2006/main" showMasterSp="0" showMasterPhAnim="0">
   <p:cSld>
     <p:spTree>
       <p:nvGrpSpPr>
-        <p:cNvPr id="81" name="Shape 81"/>
+        <p:cNvPr id="1" name="Shape 81"/>
         <p:cNvGrpSpPr/>
         <p:nvPr/>
       </p:nvGrpSpPr>
@@ -1458,9 +1631,11 @@
       <p:sp>
         <p:nvSpPr>
           <p:cNvPr id="82" name="Shape 82"/>
-          <p:cNvSpPr/>
-          <p:nvPr>
-            <p:ph idx="2" type="sldImg"/>
+          <p:cNvSpPr>
+            <a:spLocks noGrp="1" noRot="1" noChangeAspect="1"/>
+          </p:cNvSpPr>
+          <p:nvPr>
+            <p:ph type="sldImg" idx="2"/>
           </p:nvPr>
         </p:nvSpPr>
         <p:spPr>
@@ -1469,8 +1644,13 @@
             <a:ext cx="6096000" cy="3429000"/>
           </a:xfrm>
           <a:custGeom>
+            <a:avLst/>
+            <a:gdLst/>
+            <a:ahLst/>
+            <a:cxnLst/>
+            <a:rect l="0" t="0" r="0" b="0"/>
             <a:pathLst>
-              <a:path extrusionOk="0" h="120000" w="120000">
+              <a:path w="120000" h="120000" extrusionOk="0">
                 <a:moveTo>
                   <a:pt x="0" y="0"/>
                 </a:moveTo>
@@ -1488,23 +1668,25 @@
             </a:pathLst>
           </a:custGeom>
           <a:noFill/>
-          <a:ln cap="flat" cmpd="sng" w="9525">
+          <a:ln w="9525" cap="flat" cmpd="sng">
             <a:solidFill>
               <a:srgbClr val="000000"/>
             </a:solidFill>
             <a:prstDash val="solid"/>
             <a:round/>
-            <a:headEnd len="med" w="med" type="none"/>
-            <a:tailEnd len="med" w="med" type="none"/>
+            <a:headEnd type="none" w="med" len="med"/>
+            <a:tailEnd type="none" w="med" len="med"/>
           </a:ln>
         </p:spPr>
       </p:sp>
       <p:sp>
         <p:nvSpPr>
           <p:cNvPr id="83" name="Shape 83"/>
-          <p:cNvSpPr txBox="1"/>
-          <p:nvPr>
-            <p:ph idx="1" type="body"/>
+          <p:cNvSpPr txBox="1">
+            <a:spLocks noGrp="1"/>
+          </p:cNvSpPr>
+          <p:nvPr>
+            <p:ph type="body" idx="1"/>
           </p:nvPr>
         </p:nvSpPr>
         <p:spPr>
@@ -1517,7 +1699,7 @@
           </a:prstGeom>
         </p:spPr>
         <p:txBody>
-          <a:bodyPr anchorCtr="0" anchor="t" bIns="91425" lIns="91425" rIns="91425" tIns="91425">
+          <a:bodyPr lIns="91425" tIns="91425" rIns="91425" bIns="91425" anchor="t" anchorCtr="0">
             <a:noAutofit/>
           </a:bodyPr>
           <a:lstStyle/>
@@ -1528,9 +1710,6 @@
               </a:spcBef>
               <a:buNone/>
             </a:pPr>
-            <a:r>
-              <a:t/>
-            </a:r>
             <a:endParaRPr/>
           </a:p>
         </p:txBody>
@@ -1544,11 +1723,11 @@
 </file>
 
 <file path=ppt/notesSlides/notesSlide7.xml><?xml version="1.0" encoding="utf-8"?>
-<p:notes xmlns:a="http://schemas.openxmlformats.org/drawingml/2006/main" xmlns:r="http://schemas.openxmlformats.org/officeDocument/2006/relationships" xmlns:mc="http://schemas.openxmlformats.org/markup-compatibility/2006" xmlns:mv="urn:schemas-microsoft-com:mac:vml" xmlns:p="http://schemas.openxmlformats.org/presentationml/2006/main" xmlns:c="http://schemas.openxmlformats.org/drawingml/2006/chart" xmlns:dgm="http://schemas.openxmlformats.org/drawingml/2006/diagram" xmlns:o="urn:schemas-microsoft-com:office:office" xmlns:v="urn:schemas-microsoft-com:vml" xmlns:pvml="urn:schemas-microsoft-com:office:powerpoint" xmlns:com="http://schemas.openxmlformats.org/drawingml/2006/compatibility" xmlns:p14="http://schemas.microsoft.com/office/powerpoint/2010/main" showMasterPhAnim="0" showMasterSp="0">
+<p:notes xmlns:a="http://schemas.openxmlformats.org/drawingml/2006/main" xmlns:r="http://schemas.openxmlformats.org/officeDocument/2006/relationships" xmlns:p="http://schemas.openxmlformats.org/presentationml/2006/main" showMasterSp="0" showMasterPhAnim="0">
   <p:cSld>
     <p:spTree>
       <p:nvGrpSpPr>
-        <p:cNvPr id="87" name="Shape 87"/>
+        <p:cNvPr id="1" name="Shape 87"/>
         <p:cNvGrpSpPr/>
         <p:nvPr/>
       </p:nvGrpSpPr>
@@ -1563,9 +1742,11 @@
       <p:sp>
         <p:nvSpPr>
           <p:cNvPr id="88" name="Shape 88"/>
-          <p:cNvSpPr/>
-          <p:nvPr>
-            <p:ph idx="2" type="sldImg"/>
+          <p:cNvSpPr>
+            <a:spLocks noGrp="1" noRot="1" noChangeAspect="1"/>
+          </p:cNvSpPr>
+          <p:nvPr>
+            <p:ph type="sldImg" idx="2"/>
           </p:nvPr>
         </p:nvSpPr>
         <p:spPr>
@@ -1574,8 +1755,13 @@
             <a:ext cx="6096000" cy="3429000"/>
           </a:xfrm>
           <a:custGeom>
+            <a:avLst/>
+            <a:gdLst/>
+            <a:ahLst/>
+            <a:cxnLst/>
+            <a:rect l="0" t="0" r="0" b="0"/>
             <a:pathLst>
-              <a:path extrusionOk="0" h="120000" w="120000">
+              <a:path w="120000" h="120000" extrusionOk="0">
                 <a:moveTo>
                   <a:pt x="0" y="0"/>
                 </a:moveTo>
@@ -1593,23 +1779,25 @@
             </a:pathLst>
           </a:custGeom>
           <a:noFill/>
-          <a:ln cap="flat" cmpd="sng" w="9525">
+          <a:ln w="9525" cap="flat" cmpd="sng">
             <a:solidFill>
               <a:srgbClr val="000000"/>
             </a:solidFill>
             <a:prstDash val="solid"/>
             <a:round/>
-            <a:headEnd len="med" w="med" type="none"/>
-            <a:tailEnd len="med" w="med" type="none"/>
+            <a:headEnd type="none" w="med" len="med"/>
+            <a:tailEnd type="none" w="med" len="med"/>
           </a:ln>
         </p:spPr>
       </p:sp>
       <p:sp>
         <p:nvSpPr>
           <p:cNvPr id="89" name="Shape 89"/>
-          <p:cNvSpPr txBox="1"/>
-          <p:nvPr>
-            <p:ph idx="1" type="body"/>
+          <p:cNvSpPr txBox="1">
+            <a:spLocks noGrp="1"/>
+          </p:cNvSpPr>
+          <p:nvPr>
+            <p:ph type="body" idx="1"/>
           </p:nvPr>
         </p:nvSpPr>
         <p:spPr>
@@ -1622,7 +1810,7 @@
           </a:prstGeom>
         </p:spPr>
         <p:txBody>
-          <a:bodyPr anchorCtr="0" anchor="t" bIns="91425" lIns="91425" rIns="91425" tIns="91425">
+          <a:bodyPr lIns="91425" tIns="91425" rIns="91425" bIns="91425" anchor="t" anchorCtr="0">
             <a:noAutofit/>
           </a:bodyPr>
           <a:lstStyle/>
@@ -1633,9 +1821,6 @@
               </a:spcBef>
               <a:buNone/>
             </a:pPr>
-            <a:r>
-              <a:t/>
-            </a:r>
             <a:endParaRPr/>
           </a:p>
         </p:txBody>
@@ -1649,11 +1834,11 @@
 </file>
 
 <file path=ppt/notesSlides/notesSlide8.xml><?xml version="1.0" encoding="utf-8"?>
-<p:notes xmlns:a="http://schemas.openxmlformats.org/drawingml/2006/main" xmlns:r="http://schemas.openxmlformats.org/officeDocument/2006/relationships" xmlns:mc="http://schemas.openxmlformats.org/markup-compatibility/2006" xmlns:mv="urn:schemas-microsoft-com:mac:vml" xmlns:p="http://schemas.openxmlformats.org/presentationml/2006/main" xmlns:c="http://schemas.openxmlformats.org/drawingml/2006/chart" xmlns:dgm="http://schemas.openxmlformats.org/drawingml/2006/diagram" xmlns:o="urn:schemas-microsoft-com:office:office" xmlns:v="urn:schemas-microsoft-com:vml" xmlns:pvml="urn:schemas-microsoft-com:office:powerpoint" xmlns:com="http://schemas.openxmlformats.org/drawingml/2006/compatibility" xmlns:p14="http://schemas.microsoft.com/office/powerpoint/2010/main" showMasterPhAnim="0" showMasterSp="0">
+<p:notes xmlns:a="http://schemas.openxmlformats.org/drawingml/2006/main" xmlns:r="http://schemas.openxmlformats.org/officeDocument/2006/relationships" xmlns:p="http://schemas.openxmlformats.org/presentationml/2006/main" showMasterSp="0" showMasterPhAnim="0">
   <p:cSld>
     <p:spTree>
       <p:nvGrpSpPr>
-        <p:cNvPr id="93" name="Shape 93"/>
+        <p:cNvPr id="1" name="Shape 93"/>
         <p:cNvGrpSpPr/>
         <p:nvPr/>
       </p:nvGrpSpPr>
@@ -1668,9 +1853,11 @@
       <p:sp>
         <p:nvSpPr>
           <p:cNvPr id="94" name="Shape 94"/>
-          <p:cNvSpPr/>
-          <p:nvPr>
-            <p:ph idx="2" type="sldImg"/>
+          <p:cNvSpPr>
+            <a:spLocks noGrp="1" noRot="1" noChangeAspect="1"/>
+          </p:cNvSpPr>
+          <p:nvPr>
+            <p:ph type="sldImg" idx="2"/>
           </p:nvPr>
         </p:nvSpPr>
         <p:spPr>
@@ -1679,8 +1866,13 @@
             <a:ext cx="6096000" cy="3429000"/>
           </a:xfrm>
           <a:custGeom>
+            <a:avLst/>
+            <a:gdLst/>
+            <a:ahLst/>
+            <a:cxnLst/>
+            <a:rect l="0" t="0" r="0" b="0"/>
             <a:pathLst>
-              <a:path extrusionOk="0" h="120000" w="120000">
+              <a:path w="120000" h="120000" extrusionOk="0">
                 <a:moveTo>
                   <a:pt x="0" y="0"/>
                 </a:moveTo>
@@ -1698,23 +1890,25 @@
             </a:pathLst>
           </a:custGeom>
           <a:noFill/>
-          <a:ln cap="flat" cmpd="sng" w="9525">
+          <a:ln w="9525" cap="flat" cmpd="sng">
             <a:solidFill>
               <a:srgbClr val="000000"/>
             </a:solidFill>
             <a:prstDash val="solid"/>
             <a:round/>
-            <a:headEnd len="med" w="med" type="none"/>
-            <a:tailEnd len="med" w="med" type="none"/>
+            <a:headEnd type="none" w="med" len="med"/>
+            <a:tailEnd type="none" w="med" len="med"/>
           </a:ln>
         </p:spPr>
       </p:sp>
       <p:sp>
         <p:nvSpPr>
           <p:cNvPr id="95" name="Shape 95"/>
-          <p:cNvSpPr txBox="1"/>
-          <p:nvPr>
-            <p:ph idx="1" type="body"/>
+          <p:cNvSpPr txBox="1">
+            <a:spLocks noGrp="1"/>
+          </p:cNvSpPr>
+          <p:nvPr>
+            <p:ph type="body" idx="1"/>
           </p:nvPr>
         </p:nvSpPr>
         <p:spPr>
@@ -1727,7 +1921,7 @@
           </a:prstGeom>
         </p:spPr>
         <p:txBody>
-          <a:bodyPr anchorCtr="0" anchor="t" bIns="91425" lIns="91425" rIns="91425" tIns="91425">
+          <a:bodyPr lIns="91425" tIns="91425" rIns="91425" bIns="91425" anchor="t" anchorCtr="0">
             <a:noAutofit/>
           </a:bodyPr>
           <a:lstStyle/>
@@ -1738,9 +1932,6 @@
               </a:spcBef>
               <a:buNone/>
             </a:pPr>
-            <a:r>
-              <a:t/>
-            </a:r>
             <a:endParaRPr/>
           </a:p>
         </p:txBody>
@@ -1754,11 +1945,11 @@
 </file>
 
 <file path=ppt/notesSlides/notesSlide9.xml><?xml version="1.0" encoding="utf-8"?>
-<p:notes xmlns:a="http://schemas.openxmlformats.org/drawingml/2006/main" xmlns:r="http://schemas.openxmlformats.org/officeDocument/2006/relationships" xmlns:mc="http://schemas.openxmlformats.org/markup-compatibility/2006" xmlns:mv="urn:schemas-microsoft-com:mac:vml" xmlns:p="http://schemas.openxmlformats.org/presentationml/2006/main" xmlns:c="http://schemas.openxmlformats.org/drawingml/2006/chart" xmlns:dgm="http://schemas.openxmlformats.org/drawingml/2006/diagram" xmlns:o="urn:schemas-microsoft-com:office:office" xmlns:v="urn:schemas-microsoft-com:vml" xmlns:pvml="urn:schemas-microsoft-com:office:powerpoint" xmlns:com="http://schemas.openxmlformats.org/drawingml/2006/compatibility" xmlns:p14="http://schemas.microsoft.com/office/powerpoint/2010/main" showMasterPhAnim="0" showMasterSp="0">
+<p:notes xmlns:a="http://schemas.openxmlformats.org/drawingml/2006/main" xmlns:r="http://schemas.openxmlformats.org/officeDocument/2006/relationships" xmlns:p="http://schemas.openxmlformats.org/presentationml/2006/main" showMasterSp="0" showMasterPhAnim="0">
   <p:cSld>
     <p:spTree>
       <p:nvGrpSpPr>
-        <p:cNvPr id="98" name="Shape 98"/>
+        <p:cNvPr id="1" name="Shape 98"/>
         <p:cNvGrpSpPr/>
         <p:nvPr/>
       </p:nvGrpSpPr>
@@ -1773,9 +1964,11 @@
       <p:sp>
         <p:nvSpPr>
           <p:cNvPr id="99" name="Shape 99"/>
-          <p:cNvSpPr/>
-          <p:nvPr>
-            <p:ph idx="2" type="sldImg"/>
+          <p:cNvSpPr>
+            <a:spLocks noGrp="1" noRot="1" noChangeAspect="1"/>
+          </p:cNvSpPr>
+          <p:nvPr>
+            <p:ph type="sldImg" idx="2"/>
           </p:nvPr>
         </p:nvSpPr>
         <p:spPr>
@@ -1784,8 +1977,13 @@
             <a:ext cx="6096000" cy="3429000"/>
           </a:xfrm>
           <a:custGeom>
+            <a:avLst/>
+            <a:gdLst/>
+            <a:ahLst/>
+            <a:cxnLst/>
+            <a:rect l="0" t="0" r="0" b="0"/>
             <a:pathLst>
-              <a:path extrusionOk="0" h="120000" w="120000">
+              <a:path w="120000" h="120000" extrusionOk="0">
                 <a:moveTo>
                   <a:pt x="0" y="0"/>
                 </a:moveTo>
@@ -1803,23 +2001,25 @@
             </a:pathLst>
           </a:custGeom>
           <a:noFill/>
-          <a:ln cap="flat" cmpd="sng" w="9525">
+          <a:ln w="9525" cap="flat" cmpd="sng">
             <a:solidFill>
               <a:srgbClr val="000000"/>
             </a:solidFill>
             <a:prstDash val="solid"/>
             <a:round/>
-            <a:headEnd len="med" w="med" type="none"/>
-            <a:tailEnd len="med" w="med" type="none"/>
+            <a:headEnd type="none" w="med" len="med"/>
+            <a:tailEnd type="none" w="med" len="med"/>
           </a:ln>
         </p:spPr>
       </p:sp>
       <p:sp>
         <p:nvSpPr>
           <p:cNvPr id="100" name="Shape 100"/>
-          <p:cNvSpPr txBox="1"/>
-          <p:nvPr>
-            <p:ph idx="1" type="body"/>
+          <p:cNvSpPr txBox="1">
+            <a:spLocks noGrp="1"/>
+          </p:cNvSpPr>
+          <p:nvPr>
+            <p:ph type="body" idx="1"/>
           </p:nvPr>
         </p:nvSpPr>
         <p:spPr>
@@ -1832,7 +2032,7 @@
           </a:prstGeom>
         </p:spPr>
         <p:txBody>
-          <a:bodyPr anchorCtr="0" anchor="t" bIns="91425" lIns="91425" rIns="91425" tIns="91425">
+          <a:bodyPr lIns="91425" tIns="91425" rIns="91425" bIns="91425" anchor="t" anchorCtr="0">
             <a:noAutofit/>
           </a:bodyPr>
           <a:lstStyle/>
@@ -1843,9 +2043,6 @@
               </a:spcBef>
               <a:buNone/>
             </a:pPr>
-            <a:r>
-              <a:t/>
-            </a:r>
             <a:endParaRPr/>
           </a:p>
         </p:txBody>
@@ -1859,11 +2056,11 @@
 </file>
 
 <file path=ppt/slideLayouts/slideLayout1.xml><?xml version="1.0" encoding="utf-8"?>
-<p:sldLayout xmlns:a="http://schemas.openxmlformats.org/drawingml/2006/main" xmlns:r="http://schemas.openxmlformats.org/officeDocument/2006/relationships" xmlns:mc="http://schemas.openxmlformats.org/markup-compatibility/2006" xmlns:mv="urn:schemas-microsoft-com:mac:vml" xmlns:p="http://schemas.openxmlformats.org/presentationml/2006/main" xmlns:c="http://schemas.openxmlformats.org/drawingml/2006/chart" xmlns:dgm="http://schemas.openxmlformats.org/drawingml/2006/diagram" xmlns:o="urn:schemas-microsoft-com:office:office" xmlns:v="urn:schemas-microsoft-com:vml" xmlns:pvml="urn:schemas-microsoft-com:office:powerpoint" xmlns:com="http://schemas.openxmlformats.org/drawingml/2006/compatibility" xmlns:p14="http://schemas.microsoft.com/office/powerpoint/2010/main" type="title">
+<p:sldLayout xmlns:a="http://schemas.openxmlformats.org/drawingml/2006/main" xmlns:r="http://schemas.openxmlformats.org/officeDocument/2006/relationships" xmlns:p="http://schemas.openxmlformats.org/presentationml/2006/main" type="title">
   <p:cSld name="Title slide">
     <p:spTree>
       <p:nvGrpSpPr>
-        <p:cNvPr id="8" name="Shape 8"/>
+        <p:cNvPr id="1" name="Shape 8"/>
         <p:cNvGrpSpPr/>
         <p:nvPr/>
       </p:nvGrpSpPr>
@@ -1878,7 +2075,9 @@
       <p:sp>
         <p:nvSpPr>
           <p:cNvPr id="9" name="Shape 9"/>
-          <p:cNvSpPr txBox="1"/>
+          <p:cNvSpPr txBox="1">
+            <a:spLocks noGrp="1"/>
+          </p:cNvSpPr>
           <p:nvPr>
             <p:ph type="ctrTitle"/>
           </p:nvPr>
@@ -1893,7 +2092,7 @@
           </a:prstGeom>
         </p:spPr>
         <p:txBody>
-          <a:bodyPr anchorCtr="0" anchor="b" bIns="91425" lIns="91425" rIns="91425" tIns="91425"/>
+          <a:bodyPr lIns="91425" tIns="91425" rIns="91425" bIns="91425" anchor="b" anchorCtr="0"/>
           <a:lstStyle>
             <a:lvl1pPr algn="ctr">
               <a:spcBef>
@@ -1959,15 +2158,19 @@
               <a:defRPr sz="5200"/>
             </a:lvl9pPr>
           </a:lstStyle>
-          <a:p/>
+          <a:p>
+            <a:endParaRPr/>
+          </a:p>
         </p:txBody>
       </p:sp>
       <p:sp>
         <p:nvSpPr>
           <p:cNvPr id="10" name="Shape 10"/>
-          <p:cNvSpPr txBox="1"/>
-          <p:nvPr>
-            <p:ph idx="1" type="subTitle"/>
+          <p:cNvSpPr txBox="1">
+            <a:spLocks noGrp="1"/>
+          </p:cNvSpPr>
+          <p:nvPr>
+            <p:ph type="subTitle" idx="1"/>
           </p:nvPr>
         </p:nvSpPr>
         <p:spPr>
@@ -1980,7 +2183,7 @@
           </a:prstGeom>
         </p:spPr>
         <p:txBody>
-          <a:bodyPr anchorCtr="0" anchor="t" bIns="91425" lIns="91425" rIns="91425" tIns="91425"/>
+          <a:bodyPr lIns="91425" tIns="91425" rIns="91425" bIns="91425" anchor="t" anchorCtr="0"/>
           <a:lstStyle>
             <a:lvl1pPr algn="ctr">
               <a:lnSpc>
@@ -2109,15 +2312,19 @@
               <a:defRPr sz="2800"/>
             </a:lvl9pPr>
           </a:lstStyle>
-          <a:p/>
+          <a:p>
+            <a:endParaRPr/>
+          </a:p>
         </p:txBody>
       </p:sp>
       <p:sp>
         <p:nvSpPr>
           <p:cNvPr id="11" name="Shape 11"/>
-          <p:cNvSpPr txBox="1"/>
-          <p:nvPr>
-            <p:ph idx="12" type="sldNum"/>
+          <p:cNvSpPr txBox="1">
+            <a:spLocks noGrp="1"/>
+          </p:cNvSpPr>
+          <p:nvPr>
+            <p:ph type="sldNum" idx="12"/>
           </p:nvPr>
         </p:nvSpPr>
         <p:spPr>
@@ -2130,7 +2337,7 @@
           </a:prstGeom>
         </p:spPr>
         <p:txBody>
-          <a:bodyPr anchorCtr="0" anchor="ctr" bIns="91425" lIns="91425" rIns="91425" tIns="91425">
+          <a:bodyPr lIns="91425" tIns="91425" rIns="91425" bIns="91425" anchor="ctr" anchorCtr="0">
             <a:noAutofit/>
           </a:bodyPr>
           <a:lstStyle/>
@@ -2145,6 +2352,7 @@
               <a:rPr lang="en"/>
               <a:t>‹#›</a:t>
             </a:fld>
+            <a:endParaRPr lang="en"/>
           </a:p>
         </p:txBody>
       </p:sp>
@@ -2157,11 +2365,11 @@
 </file>
 
 <file path=ppt/slideLayouts/slideLayout10.xml><?xml version="1.0" encoding="utf-8"?>
-<p:sldLayout xmlns:a="http://schemas.openxmlformats.org/drawingml/2006/main" xmlns:r="http://schemas.openxmlformats.org/officeDocument/2006/relationships" xmlns:mc="http://schemas.openxmlformats.org/markup-compatibility/2006" xmlns:mv="urn:schemas-microsoft-com:mac:vml" xmlns:p="http://schemas.openxmlformats.org/presentationml/2006/main" xmlns:c="http://schemas.openxmlformats.org/drawingml/2006/chart" xmlns:dgm="http://schemas.openxmlformats.org/drawingml/2006/diagram" xmlns:o="urn:schemas-microsoft-com:office:office" xmlns:v="urn:schemas-microsoft-com:vml" xmlns:pvml="urn:schemas-microsoft-com:office:powerpoint" xmlns:com="http://schemas.openxmlformats.org/drawingml/2006/compatibility" xmlns:p14="http://schemas.microsoft.com/office/powerpoint/2010/main">
+<p:sldLayout xmlns:a="http://schemas.openxmlformats.org/drawingml/2006/main" xmlns:r="http://schemas.openxmlformats.org/officeDocument/2006/relationships" xmlns:p="http://schemas.openxmlformats.org/presentationml/2006/main">
   <p:cSld name="Big number">
     <p:spTree>
       <p:nvGrpSpPr>
-        <p:cNvPr id="43" name="Shape 43"/>
+        <p:cNvPr id="1" name="Shape 43"/>
         <p:cNvGrpSpPr/>
         <p:nvPr/>
       </p:nvGrpSpPr>
@@ -2176,7 +2384,9 @@
       <p:sp>
         <p:nvSpPr>
           <p:cNvPr id="44" name="Shape 44"/>
-          <p:cNvSpPr txBox="1"/>
+          <p:cNvSpPr txBox="1">
+            <a:spLocks noGrp="1"/>
+          </p:cNvSpPr>
           <p:nvPr>
             <p:ph type="title"/>
           </p:nvPr>
@@ -2191,7 +2401,7 @@
           </a:prstGeom>
         </p:spPr>
         <p:txBody>
-          <a:bodyPr anchorCtr="0" anchor="b" bIns="91425" lIns="91425" rIns="91425" tIns="91425"/>
+          <a:bodyPr lIns="91425" tIns="91425" rIns="91425" bIns="91425" anchor="b" anchorCtr="0"/>
           <a:lstStyle>
             <a:lvl1pPr algn="ctr">
               <a:spcBef>
@@ -2257,15 +2467,19 @@
               <a:defRPr sz="12000"/>
             </a:lvl9pPr>
           </a:lstStyle>
-          <a:p/>
+          <a:p>
+            <a:endParaRPr/>
+          </a:p>
         </p:txBody>
       </p:sp>
       <p:sp>
         <p:nvSpPr>
           <p:cNvPr id="45" name="Shape 45"/>
-          <p:cNvSpPr txBox="1"/>
-          <p:nvPr>
-            <p:ph idx="1" type="body"/>
+          <p:cNvSpPr txBox="1">
+            <a:spLocks noGrp="1"/>
+          </p:cNvSpPr>
+          <p:nvPr>
+            <p:ph type="body" idx="1"/>
           </p:nvPr>
         </p:nvSpPr>
         <p:spPr>
@@ -2278,7 +2492,7 @@
           </a:prstGeom>
         </p:spPr>
         <p:txBody>
-          <a:bodyPr anchorCtr="0" anchor="t" bIns="91425" lIns="91425" rIns="91425" tIns="91425"/>
+          <a:bodyPr lIns="91425" tIns="91425" rIns="91425" bIns="91425" anchor="t" anchorCtr="0"/>
           <a:lstStyle>
             <a:lvl1pPr algn="ctr">
               <a:spcBef>
@@ -2335,15 +2549,19 @@
               <a:defRPr/>
             </a:lvl9pPr>
           </a:lstStyle>
-          <a:p/>
+          <a:p>
+            <a:endParaRPr/>
+          </a:p>
         </p:txBody>
       </p:sp>
       <p:sp>
         <p:nvSpPr>
           <p:cNvPr id="46" name="Shape 46"/>
-          <p:cNvSpPr txBox="1"/>
-          <p:nvPr>
-            <p:ph idx="12" type="sldNum"/>
+          <p:cNvSpPr txBox="1">
+            <a:spLocks noGrp="1"/>
+          </p:cNvSpPr>
+          <p:nvPr>
+            <p:ph type="sldNum" idx="12"/>
           </p:nvPr>
         </p:nvSpPr>
         <p:spPr>
@@ -2356,7 +2574,7 @@
           </a:prstGeom>
         </p:spPr>
         <p:txBody>
-          <a:bodyPr anchorCtr="0" anchor="ctr" bIns="91425" lIns="91425" rIns="91425" tIns="91425">
+          <a:bodyPr lIns="91425" tIns="91425" rIns="91425" bIns="91425" anchor="ctr" anchorCtr="0">
             <a:noAutofit/>
           </a:bodyPr>
           <a:lstStyle/>
@@ -2371,6 +2589,7 @@
               <a:rPr lang="en"/>
               <a:t>‹#›</a:t>
             </a:fld>
+            <a:endParaRPr lang="en"/>
           </a:p>
         </p:txBody>
       </p:sp>
@@ -2383,11 +2602,11 @@
 </file>
 
 <file path=ppt/slideLayouts/slideLayout11.xml><?xml version="1.0" encoding="utf-8"?>
-<p:sldLayout xmlns:a="http://schemas.openxmlformats.org/drawingml/2006/main" xmlns:r="http://schemas.openxmlformats.org/officeDocument/2006/relationships" xmlns:mc="http://schemas.openxmlformats.org/markup-compatibility/2006" xmlns:mv="urn:schemas-microsoft-com:mac:vml" xmlns:p="http://schemas.openxmlformats.org/presentationml/2006/main" xmlns:c="http://schemas.openxmlformats.org/drawingml/2006/chart" xmlns:dgm="http://schemas.openxmlformats.org/drawingml/2006/diagram" xmlns:o="urn:schemas-microsoft-com:office:office" xmlns:v="urn:schemas-microsoft-com:vml" xmlns:pvml="urn:schemas-microsoft-com:office:powerpoint" xmlns:com="http://schemas.openxmlformats.org/drawingml/2006/compatibility" xmlns:p14="http://schemas.microsoft.com/office/powerpoint/2010/main" type="blank">
+<p:sldLayout xmlns:a="http://schemas.openxmlformats.org/drawingml/2006/main" xmlns:r="http://schemas.openxmlformats.org/officeDocument/2006/relationships" xmlns:p="http://schemas.openxmlformats.org/presentationml/2006/main" type="blank">
   <p:cSld name="Blank">
     <p:spTree>
       <p:nvGrpSpPr>
-        <p:cNvPr id="47" name="Shape 47"/>
+        <p:cNvPr id="1" name="Shape 47"/>
         <p:cNvGrpSpPr/>
         <p:nvPr/>
       </p:nvGrpSpPr>
@@ -2402,9 +2621,11 @@
       <p:sp>
         <p:nvSpPr>
           <p:cNvPr id="48" name="Shape 48"/>
-          <p:cNvSpPr txBox="1"/>
-          <p:nvPr>
-            <p:ph idx="12" type="sldNum"/>
+          <p:cNvSpPr txBox="1">
+            <a:spLocks noGrp="1"/>
+          </p:cNvSpPr>
+          <p:nvPr>
+            <p:ph type="sldNum" idx="12"/>
           </p:nvPr>
         </p:nvSpPr>
         <p:spPr>
@@ -2417,7 +2638,7 @@
           </a:prstGeom>
         </p:spPr>
         <p:txBody>
-          <a:bodyPr anchorCtr="0" anchor="ctr" bIns="91425" lIns="91425" rIns="91425" tIns="91425">
+          <a:bodyPr lIns="91425" tIns="91425" rIns="91425" bIns="91425" anchor="ctr" anchorCtr="0">
             <a:noAutofit/>
           </a:bodyPr>
           <a:lstStyle/>
@@ -2432,6 +2653,7 @@
               <a:rPr lang="en"/>
               <a:t>‹#›</a:t>
             </a:fld>
+            <a:endParaRPr lang="en"/>
           </a:p>
         </p:txBody>
       </p:sp>
@@ -2444,11 +2666,11 @@
 </file>
 
 <file path=ppt/slideLayouts/slideLayout2.xml><?xml version="1.0" encoding="utf-8"?>
-<p:sldLayout xmlns:a="http://schemas.openxmlformats.org/drawingml/2006/main" xmlns:r="http://schemas.openxmlformats.org/officeDocument/2006/relationships" xmlns:mc="http://schemas.openxmlformats.org/markup-compatibility/2006" xmlns:mv="urn:schemas-microsoft-com:mac:vml" xmlns:p="http://schemas.openxmlformats.org/presentationml/2006/main" xmlns:c="http://schemas.openxmlformats.org/drawingml/2006/chart" xmlns:dgm="http://schemas.openxmlformats.org/drawingml/2006/diagram" xmlns:o="urn:schemas-microsoft-com:office:office" xmlns:v="urn:schemas-microsoft-com:vml" xmlns:pvml="urn:schemas-microsoft-com:office:powerpoint" xmlns:com="http://schemas.openxmlformats.org/drawingml/2006/compatibility" xmlns:p14="http://schemas.microsoft.com/office/powerpoint/2010/main" type="secHead">
+<p:sldLayout xmlns:a="http://schemas.openxmlformats.org/drawingml/2006/main" xmlns:r="http://schemas.openxmlformats.org/officeDocument/2006/relationships" xmlns:p="http://schemas.openxmlformats.org/presentationml/2006/main" type="secHead">
   <p:cSld name="Section title">
     <p:spTree>
       <p:nvGrpSpPr>
-        <p:cNvPr id="12" name="Shape 12"/>
+        <p:cNvPr id="1" name="Shape 12"/>
         <p:cNvGrpSpPr/>
         <p:nvPr/>
       </p:nvGrpSpPr>
@@ -2463,7 +2685,9 @@
       <p:sp>
         <p:nvSpPr>
           <p:cNvPr id="13" name="Shape 13"/>
-          <p:cNvSpPr txBox="1"/>
+          <p:cNvSpPr txBox="1">
+            <a:spLocks noGrp="1"/>
+          </p:cNvSpPr>
           <p:nvPr>
             <p:ph type="title"/>
           </p:nvPr>
@@ -2478,7 +2702,7 @@
           </a:prstGeom>
         </p:spPr>
         <p:txBody>
-          <a:bodyPr anchorCtr="0" anchor="ctr" bIns="91425" lIns="91425" rIns="91425" tIns="91425"/>
+          <a:bodyPr lIns="91425" tIns="91425" rIns="91425" bIns="91425" anchor="ctr" anchorCtr="0"/>
           <a:lstStyle>
             <a:lvl1pPr algn="ctr">
               <a:spcBef>
@@ -2544,15 +2768,19 @@
               <a:defRPr sz="3600"/>
             </a:lvl9pPr>
           </a:lstStyle>
-          <a:p/>
+          <a:p>
+            <a:endParaRPr/>
+          </a:p>
         </p:txBody>
       </p:sp>
       <p:sp>
         <p:nvSpPr>
           <p:cNvPr id="14" name="Shape 14"/>
-          <p:cNvSpPr txBox="1"/>
-          <p:nvPr>
-            <p:ph idx="12" type="sldNum"/>
+          <p:cNvSpPr txBox="1">
+            <a:spLocks noGrp="1"/>
+          </p:cNvSpPr>
+          <p:nvPr>
+            <p:ph type="sldNum" idx="12"/>
           </p:nvPr>
         </p:nvSpPr>
         <p:spPr>
@@ -2565,7 +2793,7 @@
           </a:prstGeom>
         </p:spPr>
         <p:txBody>
-          <a:bodyPr anchorCtr="0" anchor="ctr" bIns="91425" lIns="91425" rIns="91425" tIns="91425">
+          <a:bodyPr lIns="91425" tIns="91425" rIns="91425" bIns="91425" anchor="ctr" anchorCtr="0">
             <a:noAutofit/>
           </a:bodyPr>
           <a:lstStyle/>
@@ -2580,6 +2808,7 @@
               <a:rPr lang="en"/>
               <a:t>‹#›</a:t>
             </a:fld>
+            <a:endParaRPr lang="en"/>
           </a:p>
         </p:txBody>
       </p:sp>
@@ -2592,11 +2821,11 @@
 </file>
 
 <file path=ppt/slideLayouts/slideLayout3.xml><?xml version="1.0" encoding="utf-8"?>
-<p:sldLayout xmlns:a="http://schemas.openxmlformats.org/drawingml/2006/main" xmlns:r="http://schemas.openxmlformats.org/officeDocument/2006/relationships" xmlns:mc="http://schemas.openxmlformats.org/markup-compatibility/2006" xmlns:mv="urn:schemas-microsoft-com:mac:vml" xmlns:p="http://schemas.openxmlformats.org/presentationml/2006/main" xmlns:c="http://schemas.openxmlformats.org/drawingml/2006/chart" xmlns:dgm="http://schemas.openxmlformats.org/drawingml/2006/diagram" xmlns:o="urn:schemas-microsoft-com:office:office" xmlns:v="urn:schemas-microsoft-com:vml" xmlns:pvml="urn:schemas-microsoft-com:office:powerpoint" xmlns:com="http://schemas.openxmlformats.org/drawingml/2006/compatibility" xmlns:p14="http://schemas.microsoft.com/office/powerpoint/2010/main" type="tx">
+<p:sldLayout xmlns:a="http://schemas.openxmlformats.org/drawingml/2006/main" xmlns:r="http://schemas.openxmlformats.org/officeDocument/2006/relationships" xmlns:p="http://schemas.openxmlformats.org/presentationml/2006/main" type="tx">
   <p:cSld name="Title and body">
     <p:spTree>
       <p:nvGrpSpPr>
-        <p:cNvPr id="15" name="Shape 15"/>
+        <p:cNvPr id="1" name="Shape 15"/>
         <p:cNvGrpSpPr/>
         <p:nvPr/>
       </p:nvGrpSpPr>
@@ -2611,7 +2840,9 @@
       <p:sp>
         <p:nvSpPr>
           <p:cNvPr id="16" name="Shape 16"/>
-          <p:cNvSpPr txBox="1"/>
+          <p:cNvSpPr txBox="1">
+            <a:spLocks noGrp="1"/>
+          </p:cNvSpPr>
           <p:nvPr>
             <p:ph type="title"/>
           </p:nvPr>
@@ -2626,7 +2857,7 @@
           </a:prstGeom>
         </p:spPr>
         <p:txBody>
-          <a:bodyPr anchorCtr="0" anchor="t" bIns="91425" lIns="91425" rIns="91425" tIns="91425"/>
+          <a:bodyPr lIns="91425" tIns="91425" rIns="91425" bIns="91425" anchor="t" anchorCtr="0"/>
           <a:lstStyle>
             <a:lvl1pPr>
               <a:spcBef>
@@ -2683,15 +2914,19 @@
               <a:defRPr/>
             </a:lvl9pPr>
           </a:lstStyle>
-          <a:p/>
+          <a:p>
+            <a:endParaRPr/>
+          </a:p>
         </p:txBody>
       </p:sp>
       <p:sp>
         <p:nvSpPr>
           <p:cNvPr id="17" name="Shape 17"/>
-          <p:cNvSpPr txBox="1"/>
-          <p:nvPr>
-            <p:ph idx="1" type="body"/>
+          <p:cNvSpPr txBox="1">
+            <a:spLocks noGrp="1"/>
+          </p:cNvSpPr>
+          <p:nvPr>
+            <p:ph type="body" idx="1"/>
           </p:nvPr>
         </p:nvSpPr>
         <p:spPr>
@@ -2704,7 +2939,7 @@
           </a:prstGeom>
         </p:spPr>
         <p:txBody>
-          <a:bodyPr anchorCtr="0" anchor="t" bIns="91425" lIns="91425" rIns="91425" tIns="91425"/>
+          <a:bodyPr lIns="91425" tIns="91425" rIns="91425" bIns="91425" anchor="t" anchorCtr="0"/>
           <a:lstStyle>
             <a:lvl1pPr>
               <a:spcBef>
@@ -2761,15 +2996,19 @@
               <a:defRPr/>
             </a:lvl9pPr>
           </a:lstStyle>
-          <a:p/>
+          <a:p>
+            <a:endParaRPr/>
+          </a:p>
         </p:txBody>
       </p:sp>
       <p:sp>
         <p:nvSpPr>
           <p:cNvPr id="18" name="Shape 18"/>
-          <p:cNvSpPr txBox="1"/>
-          <p:nvPr>
-            <p:ph idx="12" type="sldNum"/>
+          <p:cNvSpPr txBox="1">
+            <a:spLocks noGrp="1"/>
+          </p:cNvSpPr>
+          <p:nvPr>
+            <p:ph type="sldNum" idx="12"/>
           </p:nvPr>
         </p:nvSpPr>
         <p:spPr>
@@ -2782,7 +3021,7 @@
           </a:prstGeom>
         </p:spPr>
         <p:txBody>
-          <a:bodyPr anchorCtr="0" anchor="ctr" bIns="91425" lIns="91425" rIns="91425" tIns="91425">
+          <a:bodyPr lIns="91425" tIns="91425" rIns="91425" bIns="91425" anchor="ctr" anchorCtr="0">
             <a:noAutofit/>
           </a:bodyPr>
           <a:lstStyle/>
@@ -2797,6 +3036,7 @@
               <a:rPr lang="en"/>
               <a:t>‹#›</a:t>
             </a:fld>
+            <a:endParaRPr lang="en"/>
           </a:p>
         </p:txBody>
       </p:sp>
@@ -2809,11 +3049,11 @@
 </file>
 
 <file path=ppt/slideLayouts/slideLayout4.xml><?xml version="1.0" encoding="utf-8"?>
-<p:sldLayout xmlns:a="http://schemas.openxmlformats.org/drawingml/2006/main" xmlns:r="http://schemas.openxmlformats.org/officeDocument/2006/relationships" xmlns:mc="http://schemas.openxmlformats.org/markup-compatibility/2006" xmlns:mv="urn:schemas-microsoft-com:mac:vml" xmlns:p="http://schemas.openxmlformats.org/presentationml/2006/main" xmlns:c="http://schemas.openxmlformats.org/drawingml/2006/chart" xmlns:dgm="http://schemas.openxmlformats.org/drawingml/2006/diagram" xmlns:o="urn:schemas-microsoft-com:office:office" xmlns:v="urn:schemas-microsoft-com:vml" xmlns:pvml="urn:schemas-microsoft-com:office:powerpoint" xmlns:com="http://schemas.openxmlformats.org/drawingml/2006/compatibility" xmlns:p14="http://schemas.microsoft.com/office/powerpoint/2010/main" type="twoColTx">
+<p:sldLayout xmlns:a="http://schemas.openxmlformats.org/drawingml/2006/main" xmlns:r="http://schemas.openxmlformats.org/officeDocument/2006/relationships" xmlns:p="http://schemas.openxmlformats.org/presentationml/2006/main" type="twoColTx">
   <p:cSld name="Title and two columns">
     <p:spTree>
       <p:nvGrpSpPr>
-        <p:cNvPr id="19" name="Shape 19"/>
+        <p:cNvPr id="1" name="Shape 19"/>
         <p:cNvGrpSpPr/>
         <p:nvPr/>
       </p:nvGrpSpPr>
@@ -2828,7 +3068,9 @@
       <p:sp>
         <p:nvSpPr>
           <p:cNvPr id="20" name="Shape 20"/>
-          <p:cNvSpPr txBox="1"/>
+          <p:cNvSpPr txBox="1">
+            <a:spLocks noGrp="1"/>
+          </p:cNvSpPr>
           <p:nvPr>
             <p:ph type="title"/>
           </p:nvPr>
@@ -2843,7 +3085,7 @@
           </a:prstGeom>
         </p:spPr>
         <p:txBody>
-          <a:bodyPr anchorCtr="0" anchor="t" bIns="91425" lIns="91425" rIns="91425" tIns="91425"/>
+          <a:bodyPr lIns="91425" tIns="91425" rIns="91425" bIns="91425" anchor="t" anchorCtr="0"/>
           <a:lstStyle>
             <a:lvl1pPr>
               <a:spcBef>
@@ -2900,15 +3142,19 @@
               <a:defRPr/>
             </a:lvl9pPr>
           </a:lstStyle>
-          <a:p/>
+          <a:p>
+            <a:endParaRPr/>
+          </a:p>
         </p:txBody>
       </p:sp>
       <p:sp>
         <p:nvSpPr>
           <p:cNvPr id="21" name="Shape 21"/>
-          <p:cNvSpPr txBox="1"/>
-          <p:nvPr>
-            <p:ph idx="1" type="body"/>
+          <p:cNvSpPr txBox="1">
+            <a:spLocks noGrp="1"/>
+          </p:cNvSpPr>
+          <p:nvPr>
+            <p:ph type="body" idx="1"/>
           </p:nvPr>
         </p:nvSpPr>
         <p:spPr>
@@ -2921,7 +3167,7 @@
           </a:prstGeom>
         </p:spPr>
         <p:txBody>
-          <a:bodyPr anchorCtr="0" anchor="t" bIns="91425" lIns="91425" rIns="91425" tIns="91425"/>
+          <a:bodyPr lIns="91425" tIns="91425" rIns="91425" bIns="91425" anchor="t" anchorCtr="0"/>
           <a:lstStyle>
             <a:lvl1pPr>
               <a:spcBef>
@@ -2987,15 +3233,19 @@
               <a:defRPr sz="1200"/>
             </a:lvl9pPr>
           </a:lstStyle>
-          <a:p/>
+          <a:p>
+            <a:endParaRPr/>
+          </a:p>
         </p:txBody>
       </p:sp>
       <p:sp>
         <p:nvSpPr>
           <p:cNvPr id="22" name="Shape 22"/>
-          <p:cNvSpPr txBox="1"/>
-          <p:nvPr>
-            <p:ph idx="2" type="body"/>
+          <p:cNvSpPr txBox="1">
+            <a:spLocks noGrp="1"/>
+          </p:cNvSpPr>
+          <p:nvPr>
+            <p:ph type="body" idx="2"/>
           </p:nvPr>
         </p:nvSpPr>
         <p:spPr>
@@ -3008,7 +3258,7 @@
           </a:prstGeom>
         </p:spPr>
         <p:txBody>
-          <a:bodyPr anchorCtr="0" anchor="t" bIns="91425" lIns="91425" rIns="91425" tIns="91425"/>
+          <a:bodyPr lIns="91425" tIns="91425" rIns="91425" bIns="91425" anchor="t" anchorCtr="0"/>
           <a:lstStyle>
             <a:lvl1pPr>
               <a:spcBef>
@@ -3074,15 +3324,19 @@
               <a:defRPr sz="1200"/>
             </a:lvl9pPr>
           </a:lstStyle>
-          <a:p/>
+          <a:p>
+            <a:endParaRPr/>
+          </a:p>
         </p:txBody>
       </p:sp>
       <p:sp>
         <p:nvSpPr>
           <p:cNvPr id="23" name="Shape 23"/>
-          <p:cNvSpPr txBox="1"/>
-          <p:nvPr>
-            <p:ph idx="12" type="sldNum"/>
+          <p:cNvSpPr txBox="1">
+            <a:spLocks noGrp="1"/>
+          </p:cNvSpPr>
+          <p:nvPr>
+            <p:ph type="sldNum" idx="12"/>
           </p:nvPr>
         </p:nvSpPr>
         <p:spPr>
@@ -3095,7 +3349,7 @@
           </a:prstGeom>
         </p:spPr>
         <p:txBody>
-          <a:bodyPr anchorCtr="0" anchor="ctr" bIns="91425" lIns="91425" rIns="91425" tIns="91425">
+          <a:bodyPr lIns="91425" tIns="91425" rIns="91425" bIns="91425" anchor="ctr" anchorCtr="0">
             <a:noAutofit/>
           </a:bodyPr>
           <a:lstStyle/>
@@ -3110,6 +3364,7 @@
               <a:rPr lang="en"/>
               <a:t>‹#›</a:t>
             </a:fld>
+            <a:endParaRPr lang="en"/>
           </a:p>
         </p:txBody>
       </p:sp>
@@ -3122,11 +3377,11 @@
 </file>
 
 <file path=ppt/slideLayouts/slideLayout5.xml><?xml version="1.0" encoding="utf-8"?>
-<p:sldLayout xmlns:a="http://schemas.openxmlformats.org/drawingml/2006/main" xmlns:r="http://schemas.openxmlformats.org/officeDocument/2006/relationships" xmlns:mc="http://schemas.openxmlformats.org/markup-compatibility/2006" xmlns:mv="urn:schemas-microsoft-com:mac:vml" xmlns:p="http://schemas.openxmlformats.org/presentationml/2006/main" xmlns:c="http://schemas.openxmlformats.org/drawingml/2006/chart" xmlns:dgm="http://schemas.openxmlformats.org/drawingml/2006/diagram" xmlns:o="urn:schemas-microsoft-com:office:office" xmlns:v="urn:schemas-microsoft-com:vml" xmlns:pvml="urn:schemas-microsoft-com:office:powerpoint" xmlns:com="http://schemas.openxmlformats.org/drawingml/2006/compatibility" xmlns:p14="http://schemas.microsoft.com/office/powerpoint/2010/main" type="titleOnly">
+<p:sldLayout xmlns:a="http://schemas.openxmlformats.org/drawingml/2006/main" xmlns:r="http://schemas.openxmlformats.org/officeDocument/2006/relationships" xmlns:p="http://schemas.openxmlformats.org/presentationml/2006/main" type="titleOnly">
   <p:cSld name="Title only">
     <p:spTree>
       <p:nvGrpSpPr>
-        <p:cNvPr id="24" name="Shape 24"/>
+        <p:cNvPr id="1" name="Shape 24"/>
         <p:cNvGrpSpPr/>
         <p:nvPr/>
       </p:nvGrpSpPr>
@@ -3141,7 +3396,9 @@
       <p:sp>
         <p:nvSpPr>
           <p:cNvPr id="25" name="Shape 25"/>
-          <p:cNvSpPr txBox="1"/>
+          <p:cNvSpPr txBox="1">
+            <a:spLocks noGrp="1"/>
+          </p:cNvSpPr>
           <p:nvPr>
             <p:ph type="title"/>
           </p:nvPr>
@@ -3156,7 +3413,7 @@
           </a:prstGeom>
         </p:spPr>
         <p:txBody>
-          <a:bodyPr anchorCtr="0" anchor="t" bIns="91425" lIns="91425" rIns="91425" tIns="91425"/>
+          <a:bodyPr lIns="91425" tIns="91425" rIns="91425" bIns="91425" anchor="t" anchorCtr="0"/>
           <a:lstStyle>
             <a:lvl1pPr>
               <a:spcBef>
@@ -3213,15 +3470,19 @@
               <a:defRPr/>
             </a:lvl9pPr>
           </a:lstStyle>
-          <a:p/>
+          <a:p>
+            <a:endParaRPr/>
+          </a:p>
         </p:txBody>
       </p:sp>
       <p:sp>
         <p:nvSpPr>
           <p:cNvPr id="26" name="Shape 26"/>
-          <p:cNvSpPr txBox="1"/>
-          <p:nvPr>
-            <p:ph idx="12" type="sldNum"/>
+          <p:cNvSpPr txBox="1">
+            <a:spLocks noGrp="1"/>
+          </p:cNvSpPr>
+          <p:nvPr>
+            <p:ph type="sldNum" idx="12"/>
           </p:nvPr>
         </p:nvSpPr>
         <p:spPr>
@@ -3234,7 +3495,7 @@
           </a:prstGeom>
         </p:spPr>
         <p:txBody>
-          <a:bodyPr anchorCtr="0" anchor="ctr" bIns="91425" lIns="91425" rIns="91425" tIns="91425">
+          <a:bodyPr lIns="91425" tIns="91425" rIns="91425" bIns="91425" anchor="ctr" anchorCtr="0">
             <a:noAutofit/>
           </a:bodyPr>
           <a:lstStyle/>
@@ -3249,6 +3510,7 @@
               <a:rPr lang="en"/>
               <a:t>‹#›</a:t>
             </a:fld>
+            <a:endParaRPr lang="en"/>
           </a:p>
         </p:txBody>
       </p:sp>
@@ -3261,11 +3523,11 @@
 </file>
 
 <file path=ppt/slideLayouts/slideLayout6.xml><?xml version="1.0" encoding="utf-8"?>
-<p:sldLayout xmlns:a="http://schemas.openxmlformats.org/drawingml/2006/main" xmlns:r="http://schemas.openxmlformats.org/officeDocument/2006/relationships" xmlns:mc="http://schemas.openxmlformats.org/markup-compatibility/2006" xmlns:mv="urn:schemas-microsoft-com:mac:vml" xmlns:p="http://schemas.openxmlformats.org/presentationml/2006/main" xmlns:c="http://schemas.openxmlformats.org/drawingml/2006/chart" xmlns:dgm="http://schemas.openxmlformats.org/drawingml/2006/diagram" xmlns:o="urn:schemas-microsoft-com:office:office" xmlns:v="urn:schemas-microsoft-com:vml" xmlns:pvml="urn:schemas-microsoft-com:office:powerpoint" xmlns:com="http://schemas.openxmlformats.org/drawingml/2006/compatibility" xmlns:p14="http://schemas.microsoft.com/office/powerpoint/2010/main">
+<p:sldLayout xmlns:a="http://schemas.openxmlformats.org/drawingml/2006/main" xmlns:r="http://schemas.openxmlformats.org/officeDocument/2006/relationships" xmlns:p="http://schemas.openxmlformats.org/presentationml/2006/main">
   <p:cSld name="One column text">
     <p:spTree>
       <p:nvGrpSpPr>
-        <p:cNvPr id="27" name="Shape 27"/>
+        <p:cNvPr id="1" name="Shape 27"/>
         <p:cNvGrpSpPr/>
         <p:nvPr/>
       </p:nvGrpSpPr>
@@ -3280,7 +3542,9 @@
       <p:sp>
         <p:nvSpPr>
           <p:cNvPr id="28" name="Shape 28"/>
-          <p:cNvSpPr txBox="1"/>
+          <p:cNvSpPr txBox="1">
+            <a:spLocks noGrp="1"/>
+          </p:cNvSpPr>
           <p:nvPr>
             <p:ph type="title"/>
           </p:nvPr>
@@ -3295,7 +3559,7 @@
           </a:prstGeom>
         </p:spPr>
         <p:txBody>
-          <a:bodyPr anchorCtr="0" anchor="b" bIns="91425" lIns="91425" rIns="91425" tIns="91425"/>
+          <a:bodyPr lIns="91425" tIns="91425" rIns="91425" bIns="91425" anchor="b" anchorCtr="0"/>
           <a:lstStyle>
             <a:lvl1pPr>
               <a:spcBef>
@@ -3361,15 +3625,19 @@
               <a:defRPr sz="2400"/>
             </a:lvl9pPr>
           </a:lstStyle>
-          <a:p/>
+          <a:p>
+            <a:endParaRPr/>
+          </a:p>
         </p:txBody>
       </p:sp>
       <p:sp>
         <p:nvSpPr>
           <p:cNvPr id="29" name="Shape 29"/>
-          <p:cNvSpPr txBox="1"/>
-          <p:nvPr>
-            <p:ph idx="1" type="body"/>
+          <p:cNvSpPr txBox="1">
+            <a:spLocks noGrp="1"/>
+          </p:cNvSpPr>
+          <p:nvPr>
+            <p:ph type="body" idx="1"/>
           </p:nvPr>
         </p:nvSpPr>
         <p:spPr>
@@ -3382,7 +3650,7 @@
           </a:prstGeom>
         </p:spPr>
         <p:txBody>
-          <a:bodyPr anchorCtr="0" anchor="t" bIns="91425" lIns="91425" rIns="91425" tIns="91425"/>
+          <a:bodyPr lIns="91425" tIns="91425" rIns="91425" bIns="91425" anchor="t" anchorCtr="0"/>
           <a:lstStyle>
             <a:lvl1pPr>
               <a:spcBef>
@@ -3448,15 +3716,19 @@
               <a:defRPr sz="1200"/>
             </a:lvl9pPr>
           </a:lstStyle>
-          <a:p/>
+          <a:p>
+            <a:endParaRPr/>
+          </a:p>
         </p:txBody>
       </p:sp>
       <p:sp>
         <p:nvSpPr>
           <p:cNvPr id="30" name="Shape 30"/>
-          <p:cNvSpPr txBox="1"/>
-          <p:nvPr>
-            <p:ph idx="12" type="sldNum"/>
+          <p:cNvSpPr txBox="1">
+            <a:spLocks noGrp="1"/>
+          </p:cNvSpPr>
+          <p:nvPr>
+            <p:ph type="sldNum" idx="12"/>
           </p:nvPr>
         </p:nvSpPr>
         <p:spPr>
@@ -3469,7 +3741,7 @@
           </a:prstGeom>
         </p:spPr>
         <p:txBody>
-          <a:bodyPr anchorCtr="0" anchor="ctr" bIns="91425" lIns="91425" rIns="91425" tIns="91425">
+          <a:bodyPr lIns="91425" tIns="91425" rIns="91425" bIns="91425" anchor="ctr" anchorCtr="0">
             <a:noAutofit/>
           </a:bodyPr>
           <a:lstStyle/>
@@ -3484,6 +3756,7 @@
               <a:rPr lang="en"/>
               <a:t>‹#›</a:t>
             </a:fld>
+            <a:endParaRPr lang="en"/>
           </a:p>
         </p:txBody>
       </p:sp>
@@ -3496,11 +3769,11 @@
 </file>
 
 <file path=ppt/slideLayouts/slideLayout7.xml><?xml version="1.0" encoding="utf-8"?>
-<p:sldLayout xmlns:a="http://schemas.openxmlformats.org/drawingml/2006/main" xmlns:r="http://schemas.openxmlformats.org/officeDocument/2006/relationships" xmlns:mc="http://schemas.openxmlformats.org/markup-compatibility/2006" xmlns:mv="urn:schemas-microsoft-com:mac:vml" xmlns:p="http://schemas.openxmlformats.org/presentationml/2006/main" xmlns:c="http://schemas.openxmlformats.org/drawingml/2006/chart" xmlns:dgm="http://schemas.openxmlformats.org/drawingml/2006/diagram" xmlns:o="urn:schemas-microsoft-com:office:office" xmlns:v="urn:schemas-microsoft-com:vml" xmlns:pvml="urn:schemas-microsoft-com:office:powerpoint" xmlns:com="http://schemas.openxmlformats.org/drawingml/2006/compatibility" xmlns:p14="http://schemas.microsoft.com/office/powerpoint/2010/main">
+<p:sldLayout xmlns:a="http://schemas.openxmlformats.org/drawingml/2006/main" xmlns:r="http://schemas.openxmlformats.org/officeDocument/2006/relationships" xmlns:p="http://schemas.openxmlformats.org/presentationml/2006/main">
   <p:cSld name="Main point">
     <p:spTree>
       <p:nvGrpSpPr>
-        <p:cNvPr id="31" name="Shape 31"/>
+        <p:cNvPr id="1" name="Shape 31"/>
         <p:cNvGrpSpPr/>
         <p:nvPr/>
       </p:nvGrpSpPr>
@@ -3515,7 +3788,9 @@
       <p:sp>
         <p:nvSpPr>
           <p:cNvPr id="32" name="Shape 32"/>
-          <p:cNvSpPr txBox="1"/>
+          <p:cNvSpPr txBox="1">
+            <a:spLocks noGrp="1"/>
+          </p:cNvSpPr>
           <p:nvPr>
             <p:ph type="title"/>
           </p:nvPr>
@@ -3530,7 +3805,7 @@
           </a:prstGeom>
         </p:spPr>
         <p:txBody>
-          <a:bodyPr anchorCtr="0" anchor="ctr" bIns="91425" lIns="91425" rIns="91425" tIns="91425"/>
+          <a:bodyPr lIns="91425" tIns="91425" rIns="91425" bIns="91425" anchor="ctr" anchorCtr="0"/>
           <a:lstStyle>
             <a:lvl1pPr>
               <a:spcBef>
@@ -3596,15 +3871,19 @@
               <a:defRPr sz="4800"/>
             </a:lvl9pPr>
           </a:lstStyle>
-          <a:p/>
+          <a:p>
+            <a:endParaRPr/>
+          </a:p>
         </p:txBody>
       </p:sp>
       <p:sp>
         <p:nvSpPr>
           <p:cNvPr id="33" name="Shape 33"/>
-          <p:cNvSpPr txBox="1"/>
-          <p:nvPr>
-            <p:ph idx="12" type="sldNum"/>
+          <p:cNvSpPr txBox="1">
+            <a:spLocks noGrp="1"/>
+          </p:cNvSpPr>
+          <p:nvPr>
+            <p:ph type="sldNum" idx="12"/>
           </p:nvPr>
         </p:nvSpPr>
         <p:spPr>
@@ -3617,7 +3896,7 @@
           </a:prstGeom>
         </p:spPr>
         <p:txBody>
-          <a:bodyPr anchorCtr="0" anchor="ctr" bIns="91425" lIns="91425" rIns="91425" tIns="91425">
+          <a:bodyPr lIns="91425" tIns="91425" rIns="91425" bIns="91425" anchor="ctr" anchorCtr="0">
             <a:noAutofit/>
           </a:bodyPr>
           <a:lstStyle/>
@@ -3632,6 +3911,7 @@
               <a:rPr lang="en"/>
               <a:t>‹#›</a:t>
             </a:fld>
+            <a:endParaRPr lang="en"/>
           </a:p>
         </p:txBody>
       </p:sp>
@@ -3644,11 +3924,11 @@
 </file>
 
 <file path=ppt/slideLayouts/slideLayout8.xml><?xml version="1.0" encoding="utf-8"?>
-<p:sldLayout xmlns:a="http://schemas.openxmlformats.org/drawingml/2006/main" xmlns:r="http://schemas.openxmlformats.org/officeDocument/2006/relationships" xmlns:mc="http://schemas.openxmlformats.org/markup-compatibility/2006" xmlns:mv="urn:schemas-microsoft-com:mac:vml" xmlns:p="http://schemas.openxmlformats.org/presentationml/2006/main" xmlns:c="http://schemas.openxmlformats.org/drawingml/2006/chart" xmlns:dgm="http://schemas.openxmlformats.org/drawingml/2006/diagram" xmlns:o="urn:schemas-microsoft-com:office:office" xmlns:v="urn:schemas-microsoft-com:vml" xmlns:pvml="urn:schemas-microsoft-com:office:powerpoint" xmlns:com="http://schemas.openxmlformats.org/drawingml/2006/compatibility" xmlns:p14="http://schemas.microsoft.com/office/powerpoint/2010/main">
+<p:sldLayout xmlns:a="http://schemas.openxmlformats.org/drawingml/2006/main" xmlns:r="http://schemas.openxmlformats.org/officeDocument/2006/relationships" xmlns:p="http://schemas.openxmlformats.org/presentationml/2006/main">
   <p:cSld name="Section title and description">
     <p:spTree>
       <p:nvGrpSpPr>
-        <p:cNvPr id="34" name="Shape 34"/>
+        <p:cNvPr id="1" name="Shape 34"/>
         <p:cNvGrpSpPr/>
         <p:nvPr/>
       </p:nvGrpSpPr>
@@ -3682,7 +3962,7 @@
           </a:ln>
         </p:spPr>
         <p:txBody>
-          <a:bodyPr anchorCtr="0" anchor="ctr" bIns="91425" lIns="91425" rIns="91425" tIns="91425">
+          <a:bodyPr lIns="91425" tIns="91425" rIns="91425" bIns="91425" anchor="ctr" anchorCtr="0">
             <a:noAutofit/>
           </a:bodyPr>
           <a:lstStyle/>
@@ -3693,9 +3973,6 @@
               </a:spcBef>
               <a:buNone/>
             </a:pPr>
-            <a:r>
-              <a:t/>
-            </a:r>
             <a:endParaRPr/>
           </a:p>
         </p:txBody>
@@ -3703,7 +3980,9 @@
       <p:sp>
         <p:nvSpPr>
           <p:cNvPr id="36" name="Shape 36"/>
-          <p:cNvSpPr txBox="1"/>
+          <p:cNvSpPr txBox="1">
+            <a:spLocks noGrp="1"/>
+          </p:cNvSpPr>
           <p:nvPr>
             <p:ph type="title"/>
           </p:nvPr>
@@ -3718,7 +3997,7 @@
           </a:prstGeom>
         </p:spPr>
         <p:txBody>
-          <a:bodyPr anchorCtr="0" anchor="b" bIns="91425" lIns="91425" rIns="91425" tIns="91425"/>
+          <a:bodyPr lIns="91425" tIns="91425" rIns="91425" bIns="91425" anchor="b" anchorCtr="0"/>
           <a:lstStyle>
             <a:lvl1pPr algn="ctr">
               <a:spcBef>
@@ -3784,15 +4063,19 @@
               <a:defRPr sz="4200"/>
             </a:lvl9pPr>
           </a:lstStyle>
-          <a:p/>
+          <a:p>
+            <a:endParaRPr/>
+          </a:p>
         </p:txBody>
       </p:sp>
       <p:sp>
         <p:nvSpPr>
           <p:cNvPr id="37" name="Shape 37"/>
-          <p:cNvSpPr txBox="1"/>
-          <p:nvPr>
-            <p:ph idx="1" type="subTitle"/>
+          <p:cNvSpPr txBox="1">
+            <a:spLocks noGrp="1"/>
+          </p:cNvSpPr>
+          <p:nvPr>
+            <p:ph type="subTitle" idx="1"/>
           </p:nvPr>
         </p:nvSpPr>
         <p:spPr>
@@ -3805,7 +4088,7 @@
           </a:prstGeom>
         </p:spPr>
         <p:txBody>
-          <a:bodyPr anchorCtr="0" anchor="t" bIns="91425" lIns="91425" rIns="91425" tIns="91425"/>
+          <a:bodyPr lIns="91425" tIns="91425" rIns="91425" bIns="91425" anchor="t" anchorCtr="0"/>
           <a:lstStyle>
             <a:lvl1pPr algn="ctr">
               <a:lnSpc>
@@ -3934,15 +4217,19 @@
               <a:defRPr sz="2100"/>
             </a:lvl9pPr>
           </a:lstStyle>
-          <a:p/>
+          <a:p>
+            <a:endParaRPr/>
+          </a:p>
         </p:txBody>
       </p:sp>
       <p:sp>
         <p:nvSpPr>
           <p:cNvPr id="38" name="Shape 38"/>
-          <p:cNvSpPr txBox="1"/>
-          <p:nvPr>
-            <p:ph idx="2" type="body"/>
+          <p:cNvSpPr txBox="1">
+            <a:spLocks noGrp="1"/>
+          </p:cNvSpPr>
+          <p:nvPr>
+            <p:ph type="body" idx="2"/>
           </p:nvPr>
         </p:nvSpPr>
         <p:spPr>
@@ -3955,7 +4242,7 @@
           </a:prstGeom>
         </p:spPr>
         <p:txBody>
-          <a:bodyPr anchorCtr="0" anchor="ctr" bIns="91425" lIns="91425" rIns="91425" tIns="91425"/>
+          <a:bodyPr lIns="91425" tIns="91425" rIns="91425" bIns="91425" anchor="ctr" anchorCtr="0"/>
           <a:lstStyle>
             <a:lvl1pPr>
               <a:spcBef>
@@ -4012,15 +4299,19 @@
               <a:defRPr/>
             </a:lvl9pPr>
           </a:lstStyle>
-          <a:p/>
+          <a:p>
+            <a:endParaRPr/>
+          </a:p>
         </p:txBody>
       </p:sp>
       <p:sp>
         <p:nvSpPr>
           <p:cNvPr id="39" name="Shape 39"/>
-          <p:cNvSpPr txBox="1"/>
-          <p:nvPr>
-            <p:ph idx="12" type="sldNum"/>
+          <p:cNvSpPr txBox="1">
+            <a:spLocks noGrp="1"/>
+          </p:cNvSpPr>
+          <p:nvPr>
+            <p:ph type="sldNum" idx="12"/>
           </p:nvPr>
         </p:nvSpPr>
         <p:spPr>
@@ -4033,7 +4324,7 @@
           </a:prstGeom>
         </p:spPr>
         <p:txBody>
-          <a:bodyPr anchorCtr="0" anchor="ctr" bIns="91425" lIns="91425" rIns="91425" tIns="91425">
+          <a:bodyPr lIns="91425" tIns="91425" rIns="91425" bIns="91425" anchor="ctr" anchorCtr="0">
             <a:noAutofit/>
           </a:bodyPr>
           <a:lstStyle/>
@@ -4048,6 +4339,7 @@
               <a:rPr lang="en"/>
               <a:t>‹#›</a:t>
             </a:fld>
+            <a:endParaRPr lang="en"/>
           </a:p>
         </p:txBody>
       </p:sp>
@@ -4060,11 +4352,11 @@
 </file>
 
 <file path=ppt/slideLayouts/slideLayout9.xml><?xml version="1.0" encoding="utf-8"?>
-<p:sldLayout xmlns:a="http://schemas.openxmlformats.org/drawingml/2006/main" xmlns:r="http://schemas.openxmlformats.org/officeDocument/2006/relationships" xmlns:mc="http://schemas.openxmlformats.org/markup-compatibility/2006" xmlns:mv="urn:schemas-microsoft-com:mac:vml" xmlns:p="http://schemas.openxmlformats.org/presentationml/2006/main" xmlns:c="http://schemas.openxmlformats.org/drawingml/2006/chart" xmlns:dgm="http://schemas.openxmlformats.org/drawingml/2006/diagram" xmlns:o="urn:schemas-microsoft-com:office:office" xmlns:v="urn:schemas-microsoft-com:vml" xmlns:pvml="urn:schemas-microsoft-com:office:powerpoint" xmlns:com="http://schemas.openxmlformats.org/drawingml/2006/compatibility" xmlns:p14="http://schemas.microsoft.com/office/powerpoint/2010/main">
+<p:sldLayout xmlns:a="http://schemas.openxmlformats.org/drawingml/2006/main" xmlns:r="http://schemas.openxmlformats.org/officeDocument/2006/relationships" xmlns:p="http://schemas.openxmlformats.org/presentationml/2006/main">
   <p:cSld name="Caption">
     <p:spTree>
       <p:nvGrpSpPr>
-        <p:cNvPr id="40" name="Shape 40"/>
+        <p:cNvPr id="1" name="Shape 40"/>
         <p:cNvGrpSpPr/>
         <p:nvPr/>
       </p:nvGrpSpPr>
@@ -4079,9 +4371,11 @@
       <p:sp>
         <p:nvSpPr>
           <p:cNvPr id="41" name="Shape 41"/>
-          <p:cNvSpPr txBox="1"/>
-          <p:nvPr>
-            <p:ph idx="1" type="body"/>
+          <p:cNvSpPr txBox="1">
+            <a:spLocks noGrp="1"/>
+          </p:cNvSpPr>
+          <p:nvPr>
+            <p:ph type="body" idx="1"/>
           </p:nvPr>
         </p:nvSpPr>
         <p:spPr>
@@ -4094,7 +4388,7 @@
           </a:prstGeom>
         </p:spPr>
         <p:txBody>
-          <a:bodyPr anchorCtr="0" anchor="ctr" bIns="91425" lIns="91425" rIns="91425" tIns="91425"/>
+          <a:bodyPr lIns="91425" tIns="91425" rIns="91425" bIns="91425" anchor="ctr" anchorCtr="0"/>
           <a:lstStyle>
             <a:lvl1pPr>
               <a:lnSpc>
@@ -4110,15 +4404,19 @@
               <a:defRPr/>
             </a:lvl1pPr>
           </a:lstStyle>
-          <a:p/>
+          <a:p>
+            <a:endParaRPr/>
+          </a:p>
         </p:txBody>
       </p:sp>
       <p:sp>
         <p:nvSpPr>
           <p:cNvPr id="42" name="Shape 42"/>
-          <p:cNvSpPr txBox="1"/>
-          <p:nvPr>
-            <p:ph idx="12" type="sldNum"/>
+          <p:cNvSpPr txBox="1">
+            <a:spLocks noGrp="1"/>
+          </p:cNvSpPr>
+          <p:nvPr>
+            <p:ph type="sldNum" idx="12"/>
           </p:nvPr>
         </p:nvSpPr>
         <p:spPr>
@@ -4131,7 +4429,7 @@
           </a:prstGeom>
         </p:spPr>
         <p:txBody>
-          <a:bodyPr anchorCtr="0" anchor="ctr" bIns="91425" lIns="91425" rIns="91425" tIns="91425">
+          <a:bodyPr lIns="91425" tIns="91425" rIns="91425" bIns="91425" anchor="ctr" anchorCtr="0">
             <a:noAutofit/>
           </a:bodyPr>
           <a:lstStyle/>
@@ -4146,6 +4444,7 @@
               <a:rPr lang="en"/>
               <a:t>‹#›</a:t>
             </a:fld>
+            <a:endParaRPr lang="en"/>
           </a:p>
         </p:txBody>
       </p:sp>
@@ -4158,18 +4457,19 @@
 </file>
 
 <file path=ppt/slideMasters/slideMaster1.xml><?xml version="1.0" encoding="utf-8"?>
-<p:sldMaster xmlns:a="http://schemas.openxmlformats.org/drawingml/2006/main" xmlns:r="http://schemas.openxmlformats.org/officeDocument/2006/relationships" xmlns:mc="http://schemas.openxmlformats.org/markup-compatibility/2006" xmlns:mv="urn:schemas-microsoft-com:mac:vml" xmlns:p="http://schemas.openxmlformats.org/presentationml/2006/main" xmlns:c="http://schemas.openxmlformats.org/drawingml/2006/chart" xmlns:dgm="http://schemas.openxmlformats.org/drawingml/2006/diagram" xmlns:o="urn:schemas-microsoft-com:office:office" xmlns:v="urn:schemas-microsoft-com:vml" xmlns:pvml="urn:schemas-microsoft-com:office:powerpoint" xmlns:com="http://schemas.openxmlformats.org/drawingml/2006/compatibility" xmlns:p14="http://schemas.microsoft.com/office/powerpoint/2010/main">
+<p:sldMaster xmlns:a="http://schemas.openxmlformats.org/drawingml/2006/main" xmlns:r="http://schemas.openxmlformats.org/officeDocument/2006/relationships" xmlns:p="http://schemas.openxmlformats.org/presentationml/2006/main">
   <p:cSld>
     <p:bg>
       <p:bgPr>
         <a:solidFill>
           <a:schemeClr val="lt1"/>
         </a:solidFill>
+        <a:effectLst/>
       </p:bgPr>
     </p:bg>
     <p:spTree>
       <p:nvGrpSpPr>
-        <p:cNvPr id="4" name="Shape 4"/>
+        <p:cNvPr id="1" name="Shape 4"/>
         <p:cNvGrpSpPr/>
         <p:nvPr/>
       </p:nvGrpSpPr>
@@ -4184,7 +4484,9 @@
       <p:sp>
         <p:nvSpPr>
           <p:cNvPr id="5" name="Shape 5"/>
-          <p:cNvSpPr txBox="1"/>
+          <p:cNvSpPr txBox="1">
+            <a:spLocks noGrp="1"/>
+          </p:cNvSpPr>
           <p:nvPr>
             <p:ph type="title"/>
           </p:nvPr>
@@ -4203,7 +4505,7 @@
           </a:ln>
         </p:spPr>
         <p:txBody>
-          <a:bodyPr anchorCtr="0" anchor="t" bIns="91425" lIns="91425" rIns="91425" tIns="91425"/>
+          <a:bodyPr lIns="91425" tIns="91425" rIns="91425" bIns="91425" anchor="t" anchorCtr="0"/>
           <a:lstStyle>
             <a:lvl1pPr>
               <a:spcBef>
@@ -4341,15 +4643,19 @@
               </a:defRPr>
             </a:lvl9pPr>
           </a:lstStyle>
-          <a:p/>
+          <a:p>
+            <a:endParaRPr/>
+          </a:p>
         </p:txBody>
       </p:sp>
       <p:sp>
         <p:nvSpPr>
           <p:cNvPr id="6" name="Shape 6"/>
-          <p:cNvSpPr txBox="1"/>
-          <p:nvPr>
-            <p:ph idx="1" type="body"/>
+          <p:cNvSpPr txBox="1">
+            <a:spLocks noGrp="1"/>
+          </p:cNvSpPr>
+          <p:nvPr>
+            <p:ph type="body" idx="1"/>
           </p:nvPr>
         </p:nvSpPr>
         <p:spPr>
@@ -4366,7 +4672,7 @@
           </a:ln>
         </p:spPr>
         <p:txBody>
-          <a:bodyPr anchorCtr="0" anchor="t" bIns="91425" lIns="91425" rIns="91425" tIns="91425"/>
+          <a:bodyPr lIns="91425" tIns="91425" rIns="91425" bIns="91425" anchor="t" anchorCtr="0"/>
           <a:lstStyle>
             <a:lvl1pPr>
               <a:lnSpc>
@@ -4541,15 +4847,19 @@
               </a:defRPr>
             </a:lvl9pPr>
           </a:lstStyle>
-          <a:p/>
+          <a:p>
+            <a:endParaRPr/>
+          </a:p>
         </p:txBody>
       </p:sp>
       <p:sp>
         <p:nvSpPr>
           <p:cNvPr id="7" name="Shape 7"/>
-          <p:cNvSpPr txBox="1"/>
-          <p:nvPr>
-            <p:ph idx="12" type="sldNum"/>
+          <p:cNvSpPr txBox="1">
+            <a:spLocks noGrp="1"/>
+          </p:cNvSpPr>
+          <p:nvPr>
+            <p:ph type="sldNum" idx="12"/>
           </p:nvPr>
         </p:nvSpPr>
         <p:spPr>
@@ -4566,7 +4876,7 @@
           </a:ln>
         </p:spPr>
         <p:txBody>
-          <a:bodyPr anchorCtr="0" anchor="ctr" bIns="91425" lIns="91425" rIns="91425" tIns="91425">
+          <a:bodyPr lIns="91425" tIns="91425" rIns="91425" bIns="91425" anchor="ctr" anchorCtr="0">
             <a:noAutofit/>
           </a:bodyPr>
           <a:lstStyle/>
@@ -4585,12 +4895,17 @@
               </a:rPr>
               <a:t>‹#›</a:t>
             </a:fld>
+            <a:endParaRPr lang="en" sz="1000">
+              <a:solidFill>
+                <a:schemeClr val="dk2"/>
+              </a:solidFill>
+            </a:endParaRPr>
           </a:p>
         </p:txBody>
       </p:sp>
     </p:spTree>
   </p:cSld>
-  <p:clrMap accent1="accent1" accent2="accent2" accent3="accent3" accent4="accent4" accent5="accent5" accent6="accent6" bg1="lt1" bg2="dk2" tx1="dk1" tx2="lt2" folHlink="folHlink" hlink="hlink"/>
+  <p:clrMap bg1="lt1" tx1="dk1" bg2="dk2" tx2="lt2" accent1="accent1" accent2="accent2" accent3="accent3" accent4="accent4" accent5="accent5" accent6="accent6" hlink="hlink" folHlink="folHlink"/>
   <p:sldLayoutIdLst>
     <p:sldLayoutId id="2147483648" r:id="rId1"/>
     <p:sldLayoutId id="2147483649" r:id="rId2"/>
@@ -4604,10 +4919,10 @@
     <p:sldLayoutId id="2147483657" r:id="rId10"/>
     <p:sldLayoutId id="2147483658" r:id="rId11"/>
   </p:sldLayoutIdLst>
-  <p:hf dt="0" ftr="0" hdr="0" sldNum="0"/>
+  <p:hf sldNum="0" hdr="0" ftr="0" dt="0"/>
   <p:txStyles>
     <p:titleStyle>
-      <a:defPPr marR="0" rtl="0" algn="l">
+      <a:defPPr marR="0" algn="l" rtl="0">
         <a:lnSpc>
           <a:spcPct val="100000"/>
         </a:lnSpc>
@@ -4618,7 +4933,7 @@
           <a:spcPts val="0"/>
         </a:spcAft>
       </a:defPPr>
-      <a:lvl1pPr marR="0" rtl="0" algn="l">
+      <a:lvl1pPr marR="0" algn="l" rtl="0">
         <a:lnSpc>
           <a:spcPct val="100000"/>
         </a:lnSpc>
@@ -4629,7 +4944,7 @@
           <a:spcPts val="0"/>
         </a:spcAft>
         <a:buNone/>
-        <a:defRPr b="0" baseline="0" i="0" sz="1400" u="none" cap="none" strike="noStrike">
+        <a:defRPr sz="1400" b="0" i="0" u="none" strike="noStrike" cap="none" baseline="0">
           <a:solidFill>
             <a:srgbClr val="000000"/>
           </a:solidFill>
@@ -4642,7 +4957,7 @@
       </a:lvl1pPr>
     </p:titleStyle>
     <p:bodyStyle>
-      <a:defPPr marR="0" rtl="0" algn="l">
+      <a:defPPr marR="0" algn="l" rtl="0">
         <a:lnSpc>
           <a:spcPct val="100000"/>
         </a:lnSpc>
@@ -4653,7 +4968,7 @@
           <a:spcPts val="0"/>
         </a:spcAft>
       </a:defPPr>
-      <a:lvl1pPr marR="0" rtl="0" algn="l">
+      <a:lvl1pPr marR="0" algn="l" rtl="0">
         <a:lnSpc>
           <a:spcPct val="100000"/>
         </a:lnSpc>
@@ -4664,7 +4979,7 @@
           <a:spcPts val="0"/>
         </a:spcAft>
         <a:buNone/>
-        <a:defRPr b="0" baseline="0" i="0" sz="1400" u="none" cap="none" strike="noStrike">
+        <a:defRPr sz="1400" b="0" i="0" u="none" strike="noStrike" cap="none" baseline="0">
           <a:solidFill>
             <a:srgbClr val="000000"/>
           </a:solidFill>
@@ -4675,7 +4990,7 @@
           <a:rtl val="0"/>
         </a:defRPr>
       </a:lvl1pPr>
-      <a:lvl2pPr marR="0" rtl="0" algn="l">
+      <a:lvl2pPr marR="0" algn="l" rtl="0">
         <a:lnSpc>
           <a:spcPct val="100000"/>
         </a:lnSpc>
@@ -4686,7 +5001,7 @@
           <a:spcPts val="0"/>
         </a:spcAft>
         <a:buNone/>
-        <a:defRPr b="0" baseline="0" i="0" sz="1400" u="none" cap="none" strike="noStrike">
+        <a:defRPr sz="1400" b="0" i="0" u="none" strike="noStrike" cap="none" baseline="0">
           <a:solidFill>
             <a:srgbClr val="000000"/>
           </a:solidFill>
@@ -4697,7 +5012,7 @@
           <a:rtl val="0"/>
         </a:defRPr>
       </a:lvl2pPr>
-      <a:lvl3pPr marR="0" rtl="0" algn="l">
+      <a:lvl3pPr marR="0" algn="l" rtl="0">
         <a:lnSpc>
           <a:spcPct val="100000"/>
         </a:lnSpc>
@@ -4708,7 +5023,7 @@
           <a:spcPts val="0"/>
         </a:spcAft>
         <a:buNone/>
-        <a:defRPr b="0" baseline="0" i="0" sz="1400" u="none" cap="none" strike="noStrike">
+        <a:defRPr sz="1400" b="0" i="0" u="none" strike="noStrike" cap="none" baseline="0">
           <a:solidFill>
             <a:srgbClr val="000000"/>
           </a:solidFill>
@@ -4719,7 +5034,7 @@
           <a:rtl val="0"/>
         </a:defRPr>
       </a:lvl3pPr>
-      <a:lvl4pPr marR="0" rtl="0" algn="l">
+      <a:lvl4pPr marR="0" algn="l" rtl="0">
         <a:lnSpc>
           <a:spcPct val="100000"/>
         </a:lnSpc>
@@ -4730,7 +5045,7 @@
           <a:spcPts val="0"/>
         </a:spcAft>
         <a:buNone/>
-        <a:defRPr b="0" baseline="0" i="0" sz="1400" u="none" cap="none" strike="noStrike">
+        <a:defRPr sz="1400" b="0" i="0" u="none" strike="noStrike" cap="none" baseline="0">
           <a:solidFill>
             <a:srgbClr val="000000"/>
           </a:solidFill>
@@ -4741,7 +5056,7 @@
           <a:rtl val="0"/>
         </a:defRPr>
       </a:lvl4pPr>
-      <a:lvl5pPr marR="0" rtl="0" algn="l">
+      <a:lvl5pPr marR="0" algn="l" rtl="0">
         <a:lnSpc>
           <a:spcPct val="100000"/>
         </a:lnSpc>
@@ -4752,7 +5067,7 @@
           <a:spcPts val="0"/>
         </a:spcAft>
         <a:buNone/>
-        <a:defRPr b="0" baseline="0" i="0" sz="1400" u="none" cap="none" strike="noStrike">
+        <a:defRPr sz="1400" b="0" i="0" u="none" strike="noStrike" cap="none" baseline="0">
           <a:solidFill>
             <a:srgbClr val="000000"/>
           </a:solidFill>
@@ -4763,7 +5078,7 @@
           <a:rtl val="0"/>
         </a:defRPr>
       </a:lvl5pPr>
-      <a:lvl6pPr marR="0" rtl="0" algn="l">
+      <a:lvl6pPr marR="0" algn="l" rtl="0">
         <a:lnSpc>
           <a:spcPct val="100000"/>
         </a:lnSpc>
@@ -4774,7 +5089,7 @@
           <a:spcPts val="0"/>
         </a:spcAft>
         <a:buNone/>
-        <a:defRPr b="0" baseline="0" i="0" sz="1400" u="none" cap="none" strike="noStrike">
+        <a:defRPr sz="1400" b="0" i="0" u="none" strike="noStrike" cap="none" baseline="0">
           <a:solidFill>
             <a:srgbClr val="000000"/>
           </a:solidFill>
@@ -4785,7 +5100,7 @@
           <a:rtl val="0"/>
         </a:defRPr>
       </a:lvl6pPr>
-      <a:lvl7pPr marR="0" rtl="0" algn="l">
+      <a:lvl7pPr marR="0" algn="l" rtl="0">
         <a:lnSpc>
           <a:spcPct val="100000"/>
         </a:lnSpc>
@@ -4796,7 +5111,7 @@
           <a:spcPts val="0"/>
         </a:spcAft>
         <a:buNone/>
-        <a:defRPr b="0" baseline="0" i="0" sz="1400" u="none" cap="none" strike="noStrike">
+        <a:defRPr sz="1400" b="0" i="0" u="none" strike="noStrike" cap="none" baseline="0">
           <a:solidFill>
             <a:srgbClr val="000000"/>
           </a:solidFill>
@@ -4807,7 +5122,7 @@
           <a:rtl val="0"/>
         </a:defRPr>
       </a:lvl7pPr>
-      <a:lvl8pPr marR="0" rtl="0" algn="l">
+      <a:lvl8pPr marR="0" algn="l" rtl="0">
         <a:lnSpc>
           <a:spcPct val="100000"/>
         </a:lnSpc>
@@ -4818,7 +5133,7 @@
           <a:spcPts val="0"/>
         </a:spcAft>
         <a:buNone/>
-        <a:defRPr b="0" baseline="0" i="0" sz="1400" u="none" cap="none" strike="noStrike">
+        <a:defRPr sz="1400" b="0" i="0" u="none" strike="noStrike" cap="none" baseline="0">
           <a:solidFill>
             <a:srgbClr val="000000"/>
           </a:solidFill>
@@ -4829,7 +5144,7 @@
           <a:rtl val="0"/>
         </a:defRPr>
       </a:lvl8pPr>
-      <a:lvl9pPr marR="0" rtl="0" algn="l">
+      <a:lvl9pPr marR="0" algn="l" rtl="0">
         <a:lnSpc>
           <a:spcPct val="100000"/>
         </a:lnSpc>
@@ -4840,7 +5155,7 @@
           <a:spcPts val="0"/>
         </a:spcAft>
         <a:buNone/>
-        <a:defRPr b="0" baseline="0" i="0" sz="1400" u="none" cap="none" strike="noStrike">
+        <a:defRPr sz="1400" b="0" i="0" u="none" strike="noStrike" cap="none" baseline="0">
           <a:solidFill>
             <a:srgbClr val="000000"/>
           </a:solidFill>
@@ -4853,7 +5168,7 @@
       </a:lvl9pPr>
     </p:bodyStyle>
     <p:otherStyle>
-      <a:defPPr marR="0" rtl="0" algn="l">
+      <a:defPPr marR="0" algn="l" rtl="0">
         <a:lnSpc>
           <a:spcPct val="100000"/>
         </a:lnSpc>
@@ -4864,7 +5179,7 @@
           <a:spcPts val="0"/>
         </a:spcAft>
       </a:defPPr>
-      <a:lvl1pPr marR="0" rtl="0" algn="l">
+      <a:lvl1pPr marR="0" algn="l" rtl="0">
         <a:lnSpc>
           <a:spcPct val="100000"/>
         </a:lnSpc>
@@ -4875,7 +5190,7 @@
           <a:spcPts val="0"/>
         </a:spcAft>
         <a:buNone/>
-        <a:defRPr b="0" baseline="0" i="0" sz="1400" u="none" cap="none" strike="noStrike">
+        <a:defRPr sz="1400" b="0" i="0" u="none" strike="noStrike" cap="none" baseline="0">
           <a:solidFill>
             <a:srgbClr val="000000"/>
           </a:solidFill>
@@ -4886,7 +5201,7 @@
           <a:rtl val="0"/>
         </a:defRPr>
       </a:lvl1pPr>
-      <a:lvl2pPr marR="0" rtl="0" algn="l">
+      <a:lvl2pPr marR="0" algn="l" rtl="0">
         <a:lnSpc>
           <a:spcPct val="100000"/>
         </a:lnSpc>
@@ -4897,7 +5212,7 @@
           <a:spcPts val="0"/>
         </a:spcAft>
         <a:buNone/>
-        <a:defRPr b="0" baseline="0" i="0" sz="1400" u="none" cap="none" strike="noStrike">
+        <a:defRPr sz="1400" b="0" i="0" u="none" strike="noStrike" cap="none" baseline="0">
           <a:solidFill>
             <a:srgbClr val="000000"/>
           </a:solidFill>
@@ -4908,7 +5223,7 @@
           <a:rtl val="0"/>
         </a:defRPr>
       </a:lvl2pPr>
-      <a:lvl3pPr marR="0" rtl="0" algn="l">
+      <a:lvl3pPr marR="0" algn="l" rtl="0">
         <a:lnSpc>
           <a:spcPct val="100000"/>
         </a:lnSpc>
@@ -4919,7 +5234,7 @@
           <a:spcPts val="0"/>
         </a:spcAft>
         <a:buNone/>
-        <a:defRPr b="0" baseline="0" i="0" sz="1400" u="none" cap="none" strike="noStrike">
+        <a:defRPr sz="1400" b="0" i="0" u="none" strike="noStrike" cap="none" baseline="0">
           <a:solidFill>
             <a:srgbClr val="000000"/>
           </a:solidFill>
@@ -4930,7 +5245,7 @@
           <a:rtl val="0"/>
         </a:defRPr>
       </a:lvl3pPr>
-      <a:lvl4pPr marR="0" rtl="0" algn="l">
+      <a:lvl4pPr marR="0" algn="l" rtl="0">
         <a:lnSpc>
           <a:spcPct val="100000"/>
         </a:lnSpc>
@@ -4941,7 +5256,7 @@
           <a:spcPts val="0"/>
         </a:spcAft>
         <a:buNone/>
-        <a:defRPr b="0" baseline="0" i="0" sz="1400" u="none" cap="none" strike="noStrike">
+        <a:defRPr sz="1400" b="0" i="0" u="none" strike="noStrike" cap="none" baseline="0">
           <a:solidFill>
             <a:srgbClr val="000000"/>
           </a:solidFill>
@@ -4952,7 +5267,7 @@
           <a:rtl val="0"/>
         </a:defRPr>
       </a:lvl4pPr>
-      <a:lvl5pPr marR="0" rtl="0" algn="l">
+      <a:lvl5pPr marR="0" algn="l" rtl="0">
         <a:lnSpc>
           <a:spcPct val="100000"/>
         </a:lnSpc>
@@ -4963,7 +5278,7 @@
           <a:spcPts val="0"/>
         </a:spcAft>
         <a:buNone/>
-        <a:defRPr b="0" baseline="0" i="0" sz="1400" u="none" cap="none" strike="noStrike">
+        <a:defRPr sz="1400" b="0" i="0" u="none" strike="noStrike" cap="none" baseline="0">
           <a:solidFill>
             <a:srgbClr val="000000"/>
           </a:solidFill>
@@ -4974,7 +5289,7 @@
           <a:rtl val="0"/>
         </a:defRPr>
       </a:lvl5pPr>
-      <a:lvl6pPr marR="0" rtl="0" algn="l">
+      <a:lvl6pPr marR="0" algn="l" rtl="0">
         <a:lnSpc>
           <a:spcPct val="100000"/>
         </a:lnSpc>
@@ -4985,7 +5300,7 @@
           <a:spcPts val="0"/>
         </a:spcAft>
         <a:buNone/>
-        <a:defRPr b="0" baseline="0" i="0" sz="1400" u="none" cap="none" strike="noStrike">
+        <a:defRPr sz="1400" b="0" i="0" u="none" strike="noStrike" cap="none" baseline="0">
           <a:solidFill>
             <a:srgbClr val="000000"/>
           </a:solidFill>
@@ -4996,7 +5311,7 @@
           <a:rtl val="0"/>
         </a:defRPr>
       </a:lvl6pPr>
-      <a:lvl7pPr marR="0" rtl="0" algn="l">
+      <a:lvl7pPr marR="0" algn="l" rtl="0">
         <a:lnSpc>
           <a:spcPct val="100000"/>
         </a:lnSpc>
@@ -5007,7 +5322,7 @@
           <a:spcPts val="0"/>
         </a:spcAft>
         <a:buNone/>
-        <a:defRPr b="0" baseline="0" i="0" sz="1400" u="none" cap="none" strike="noStrike">
+        <a:defRPr sz="1400" b="0" i="0" u="none" strike="noStrike" cap="none" baseline="0">
           <a:solidFill>
             <a:srgbClr val="000000"/>
           </a:solidFill>
@@ -5018,7 +5333,7 @@
           <a:rtl val="0"/>
         </a:defRPr>
       </a:lvl7pPr>
-      <a:lvl8pPr marR="0" rtl="0" algn="l">
+      <a:lvl8pPr marR="0" algn="l" rtl="0">
         <a:lnSpc>
           <a:spcPct val="100000"/>
         </a:lnSpc>
@@ -5029,7 +5344,7 @@
           <a:spcPts val="0"/>
         </a:spcAft>
         <a:buNone/>
-        <a:defRPr b="0" baseline="0" i="0" sz="1400" u="none" cap="none" strike="noStrike">
+        <a:defRPr sz="1400" b="0" i="0" u="none" strike="noStrike" cap="none" baseline="0">
           <a:solidFill>
             <a:srgbClr val="000000"/>
           </a:solidFill>
@@ -5040,7 +5355,7 @@
           <a:rtl val="0"/>
         </a:defRPr>
       </a:lvl8pPr>
-      <a:lvl9pPr marR="0" rtl="0" algn="l">
+      <a:lvl9pPr marR="0" algn="l" rtl="0">
         <a:lnSpc>
           <a:spcPct val="100000"/>
         </a:lnSpc>
@@ -5051,7 +5366,7 @@
           <a:spcPts val="0"/>
         </a:spcAft>
         <a:buNone/>
-        <a:defRPr b="0" baseline="0" i="0" sz="1400" u="none" cap="none" strike="noStrike">
+        <a:defRPr sz="1400" b="0" i="0" u="none" strike="noStrike" cap="none" baseline="0">
           <a:solidFill>
             <a:srgbClr val="000000"/>
           </a:solidFill>
@@ -5068,11 +5383,11 @@
 </file>
 
 <file path=ppt/slides/slide1.xml><?xml version="1.0" encoding="utf-8"?>
-<p:sld xmlns:a="http://schemas.openxmlformats.org/drawingml/2006/main" xmlns:r="http://schemas.openxmlformats.org/officeDocument/2006/relationships" xmlns:mc="http://schemas.openxmlformats.org/markup-compatibility/2006" xmlns:mv="urn:schemas-microsoft-com:mac:vml" xmlns:p="http://schemas.openxmlformats.org/presentationml/2006/main" xmlns:c="http://schemas.openxmlformats.org/drawingml/2006/chart" xmlns:dgm="http://schemas.openxmlformats.org/drawingml/2006/diagram" xmlns:o="urn:schemas-microsoft-com:office:office" xmlns:v="urn:schemas-microsoft-com:vml" xmlns:pvml="urn:schemas-microsoft-com:office:powerpoint" xmlns:com="http://schemas.openxmlformats.org/drawingml/2006/compatibility" xmlns:p14="http://schemas.microsoft.com/office/powerpoint/2010/main">
+<p:sld xmlns:a="http://schemas.openxmlformats.org/drawingml/2006/main" xmlns:r="http://schemas.openxmlformats.org/officeDocument/2006/relationships" xmlns:p="http://schemas.openxmlformats.org/presentationml/2006/main">
   <p:cSld>
     <p:spTree>
       <p:nvGrpSpPr>
-        <p:cNvPr id="52" name="Shape 52"/>
+        <p:cNvPr id="1" name="Shape 52"/>
         <p:cNvGrpSpPr/>
         <p:nvPr/>
       </p:nvGrpSpPr>
@@ -5087,7 +5402,9 @@
       <p:sp>
         <p:nvSpPr>
           <p:cNvPr id="53" name="Shape 53"/>
-          <p:cNvSpPr txBox="1"/>
+          <p:cNvSpPr txBox="1">
+            <a:spLocks noGrp="1"/>
+          </p:cNvSpPr>
           <p:nvPr>
             <p:ph type="ctrTitle"/>
           </p:nvPr>
@@ -5102,7 +5419,7 @@
           </a:prstGeom>
         </p:spPr>
         <p:txBody>
-          <a:bodyPr anchorCtr="0" anchor="b" bIns="91425" lIns="91425" rIns="91425" tIns="91425">
+          <a:bodyPr lIns="91425" tIns="91425" rIns="91425" bIns="91425" anchor="b" anchorCtr="0">
             <a:noAutofit/>
           </a:bodyPr>
           <a:lstStyle/>
@@ -5123,9 +5440,11 @@
       <p:sp>
         <p:nvSpPr>
           <p:cNvPr id="54" name="Shape 54"/>
-          <p:cNvSpPr txBox="1"/>
-          <p:nvPr>
-            <p:ph idx="1" type="subTitle"/>
+          <p:cNvSpPr txBox="1">
+            <a:spLocks noGrp="1"/>
+          </p:cNvSpPr>
+          <p:nvPr>
+            <p:ph type="subTitle" idx="1"/>
           </p:nvPr>
         </p:nvSpPr>
         <p:spPr>
@@ -5138,7 +5457,7 @@
           </a:prstGeom>
         </p:spPr>
         <p:txBody>
-          <a:bodyPr anchorCtr="0" anchor="t" bIns="91425" lIns="91425" rIns="91425" tIns="91425">
+          <a:bodyPr lIns="91425" tIns="91425" rIns="91425" bIns="91425" anchor="t" anchorCtr="0">
             <a:noAutofit/>
           </a:bodyPr>
           <a:lstStyle/>
@@ -5166,9 +5485,6 @@
               </a:spcBef>
               <a:buNone/>
             </a:pPr>
-            <a:r>
-              <a:t/>
-            </a:r>
             <a:endParaRPr/>
           </a:p>
         </p:txBody>
@@ -5206,18 +5522,18 @@
   <p:clrMapOvr>
     <a:masterClrMapping/>
   </p:clrMapOvr>
-  <p:transition spd="slow">
+  <p:transition xmlns:p14="http://schemas.microsoft.com/office/powerpoint/2010/main" spd="slow">
     <p:cut/>
   </p:transition>
 </p:sld>
 </file>
 
 <file path=ppt/slides/slide10.xml><?xml version="1.0" encoding="utf-8"?>
-<p:sld xmlns:a="http://schemas.openxmlformats.org/drawingml/2006/main" xmlns:r="http://schemas.openxmlformats.org/officeDocument/2006/relationships" xmlns:mc="http://schemas.openxmlformats.org/markup-compatibility/2006" xmlns:mv="urn:schemas-microsoft-com:mac:vml" xmlns:p="http://schemas.openxmlformats.org/presentationml/2006/main" xmlns:c="http://schemas.openxmlformats.org/drawingml/2006/chart" xmlns:dgm="http://schemas.openxmlformats.org/drawingml/2006/diagram" xmlns:o="urn:schemas-microsoft-com:office:office" xmlns:v="urn:schemas-microsoft-com:vml" xmlns:pvml="urn:schemas-microsoft-com:office:powerpoint" xmlns:com="http://schemas.openxmlformats.org/drawingml/2006/compatibility" xmlns:p14="http://schemas.microsoft.com/office/powerpoint/2010/main">
+<p:sld xmlns:a="http://schemas.openxmlformats.org/drawingml/2006/main" xmlns:r="http://schemas.openxmlformats.org/officeDocument/2006/relationships" xmlns:p="http://schemas.openxmlformats.org/presentationml/2006/main">
   <p:cSld>
     <p:spTree>
       <p:nvGrpSpPr>
-        <p:cNvPr id="107" name="Shape 107"/>
+        <p:cNvPr id="1" name="Shape 107"/>
         <p:cNvGrpSpPr/>
         <p:nvPr/>
       </p:nvGrpSpPr>
@@ -5232,7 +5548,9 @@
       <p:sp>
         <p:nvSpPr>
           <p:cNvPr id="108" name="Shape 108"/>
-          <p:cNvSpPr txBox="1"/>
+          <p:cNvSpPr txBox="1">
+            <a:spLocks noGrp="1"/>
+          </p:cNvSpPr>
           <p:nvPr>
             <p:ph type="title"/>
           </p:nvPr>
@@ -5247,7 +5565,7 @@
           </a:prstGeom>
         </p:spPr>
         <p:txBody>
-          <a:bodyPr anchorCtr="0" anchor="t" bIns="91425" lIns="91425" rIns="91425" tIns="91425">
+          <a:bodyPr lIns="91425" tIns="91425" rIns="91425" bIns="91425" anchor="t" anchorCtr="0">
             <a:noAutofit/>
           </a:bodyPr>
           <a:lstStyle/>
@@ -5298,18 +5616,18 @@
   <p:clrMapOvr>
     <a:masterClrMapping/>
   </p:clrMapOvr>
-  <p:transition spd="slow">
+  <p:transition xmlns:p14="http://schemas.microsoft.com/office/powerpoint/2010/main" spd="slow">
     <p:cut/>
   </p:transition>
 </p:sld>
 </file>
 
 <file path=ppt/slides/slide11.xml><?xml version="1.0" encoding="utf-8"?>
-<p:sld xmlns:a="http://schemas.openxmlformats.org/drawingml/2006/main" xmlns:r="http://schemas.openxmlformats.org/officeDocument/2006/relationships" xmlns:mc="http://schemas.openxmlformats.org/markup-compatibility/2006" xmlns:mv="urn:schemas-microsoft-com:mac:vml" xmlns:p="http://schemas.openxmlformats.org/presentationml/2006/main" xmlns:c="http://schemas.openxmlformats.org/drawingml/2006/chart" xmlns:dgm="http://schemas.openxmlformats.org/drawingml/2006/diagram" xmlns:o="urn:schemas-microsoft-com:office:office" xmlns:v="urn:schemas-microsoft-com:vml" xmlns:pvml="urn:schemas-microsoft-com:office:powerpoint" xmlns:com="http://schemas.openxmlformats.org/drawingml/2006/compatibility" xmlns:p14="http://schemas.microsoft.com/office/powerpoint/2010/main">
+<p:sld xmlns:a="http://schemas.openxmlformats.org/drawingml/2006/main" xmlns:r="http://schemas.openxmlformats.org/officeDocument/2006/relationships" xmlns:p="http://schemas.openxmlformats.org/presentationml/2006/main">
   <p:cSld>
     <p:spTree>
       <p:nvGrpSpPr>
-        <p:cNvPr id="113" name="Shape 113"/>
+        <p:cNvPr id="1" name="Shape 113"/>
         <p:cNvGrpSpPr/>
         <p:nvPr/>
       </p:nvGrpSpPr>
@@ -5324,7 +5642,9 @@
       <p:sp>
         <p:nvSpPr>
           <p:cNvPr id="114" name="Shape 114"/>
-          <p:cNvSpPr txBox="1"/>
+          <p:cNvSpPr txBox="1">
+            <a:spLocks noGrp="1"/>
+          </p:cNvSpPr>
           <p:nvPr>
             <p:ph type="title"/>
           </p:nvPr>
@@ -5339,7 +5659,7 @@
           </a:prstGeom>
         </p:spPr>
         <p:txBody>
-          <a:bodyPr anchorCtr="0" anchor="t" bIns="91425" lIns="91425" rIns="91425" tIns="91425">
+          <a:bodyPr lIns="91425" tIns="91425" rIns="91425" bIns="91425" anchor="t" anchorCtr="0">
             <a:noAutofit/>
           </a:bodyPr>
           <a:lstStyle/>
@@ -5360,9 +5680,11 @@
       <p:sp>
         <p:nvSpPr>
           <p:cNvPr id="115" name="Shape 115"/>
-          <p:cNvSpPr txBox="1"/>
-          <p:nvPr>
-            <p:ph idx="1" type="body"/>
+          <p:cNvSpPr txBox="1">
+            <a:spLocks noGrp="1"/>
+          </p:cNvSpPr>
+          <p:nvPr>
+            <p:ph type="body" idx="1"/>
           </p:nvPr>
         </p:nvSpPr>
         <p:spPr>
@@ -5375,7 +5697,7 @@
           </a:prstGeom>
         </p:spPr>
         <p:txBody>
-          <a:bodyPr anchorCtr="0" anchor="t" bIns="91425" lIns="91425" rIns="91425" tIns="91425">
+          <a:bodyPr lIns="91425" tIns="91425" rIns="91425" bIns="91425" anchor="t" anchorCtr="0">
             <a:noAutofit/>
           </a:bodyPr>
           <a:lstStyle/>
@@ -5387,8 +5709,28 @@
               <a:buNone/>
             </a:pPr>
             <a:r>
-              <a:rPr lang="en"/>
-              <a:t>This interactive was one the more popular tool the Herald has published.</a:t>
+              <a:rPr lang="en" dirty="0"/>
+              <a:t>This interactive was one the </a:t>
+            </a:r>
+            <a:r>
+              <a:rPr lang="en-US" dirty="0" smtClean="0"/>
+              <a:t>most </a:t>
+            </a:r>
+            <a:r>
+              <a:rPr lang="en" dirty="0" smtClean="0"/>
+              <a:t>popular tool</a:t>
+            </a:r>
+            <a:r>
+              <a:rPr lang="en-US" dirty="0" smtClean="0"/>
+              <a:t>s</a:t>
+            </a:r>
+            <a:r>
+              <a:rPr lang="en" dirty="0" smtClean="0"/>
+              <a:t> </a:t>
+            </a:r>
+            <a:r>
+              <a:rPr lang="en" dirty="0"/>
+              <a:t>the Herald has published.</a:t>
             </a:r>
           </a:p>
           <a:p>
@@ -5399,7 +5741,7 @@
               <a:buNone/>
             </a:pPr>
             <a:r>
-              <a:rPr lang="en"/>
+              <a:rPr lang="en" dirty="0"/>
               <a:t>We received a lot positive feedback from readers, although many lamented the fact they couldn’t afford homes in the neighborhoods they wanted to live in.</a:t>
             </a:r>
           </a:p>
@@ -5411,7 +5753,7 @@
               <a:buNone/>
             </a:pPr>
             <a:r>
-              <a:rPr lang="en"/>
+              <a:rPr lang="en" dirty="0"/>
               <a:t>Our editors also thought the project was a success, meaning we hope to have the opportunity to create more map-based interactives in the coming months.</a:t>
             </a:r>
           </a:p>
@@ -5422,18 +5764,18 @@
   <p:clrMapOvr>
     <a:masterClrMapping/>
   </p:clrMapOvr>
-  <p:transition spd="slow">
+  <p:transition xmlns:p14="http://schemas.microsoft.com/office/powerpoint/2010/main" spd="slow">
     <p:cut/>
   </p:transition>
 </p:sld>
 </file>
 
 <file path=ppt/slides/slide12.xml><?xml version="1.0" encoding="utf-8"?>
-<p:sld xmlns:a="http://schemas.openxmlformats.org/drawingml/2006/main" xmlns:r="http://schemas.openxmlformats.org/officeDocument/2006/relationships" xmlns:mc="http://schemas.openxmlformats.org/markup-compatibility/2006" xmlns:mv="urn:schemas-microsoft-com:mac:vml" xmlns:p="http://schemas.openxmlformats.org/presentationml/2006/main" xmlns:c="http://schemas.openxmlformats.org/drawingml/2006/chart" xmlns:dgm="http://schemas.openxmlformats.org/drawingml/2006/diagram" xmlns:o="urn:schemas-microsoft-com:office:office" xmlns:v="urn:schemas-microsoft-com:vml" xmlns:pvml="urn:schemas-microsoft-com:office:powerpoint" xmlns:com="http://schemas.openxmlformats.org/drawingml/2006/compatibility" xmlns:p14="http://schemas.microsoft.com/office/powerpoint/2010/main">
+<p:sld xmlns:a="http://schemas.openxmlformats.org/drawingml/2006/main" xmlns:r="http://schemas.openxmlformats.org/officeDocument/2006/relationships" xmlns:p="http://schemas.openxmlformats.org/presentationml/2006/main">
   <p:cSld>
     <p:spTree>
       <p:nvGrpSpPr>
-        <p:cNvPr id="119" name="Shape 119"/>
+        <p:cNvPr id="1" name="Shape 119"/>
         <p:cNvGrpSpPr/>
         <p:nvPr/>
       </p:nvGrpSpPr>
@@ -5448,7 +5790,9 @@
       <p:sp>
         <p:nvSpPr>
           <p:cNvPr id="120" name="Shape 120"/>
-          <p:cNvSpPr txBox="1"/>
+          <p:cNvSpPr txBox="1">
+            <a:spLocks noGrp="1"/>
+          </p:cNvSpPr>
           <p:nvPr>
             <p:ph type="title"/>
           </p:nvPr>
@@ -5463,7 +5807,7 @@
           </a:prstGeom>
         </p:spPr>
         <p:txBody>
-          <a:bodyPr anchorCtr="0" anchor="t" bIns="91425" lIns="91425" rIns="91425" tIns="91425">
+          <a:bodyPr lIns="91425" tIns="91425" rIns="91425" bIns="91425" anchor="t" anchorCtr="0">
             <a:noAutofit/>
           </a:bodyPr>
           <a:lstStyle/>
@@ -5484,9 +5828,11 @@
       <p:sp>
         <p:nvSpPr>
           <p:cNvPr id="121" name="Shape 121"/>
-          <p:cNvSpPr txBox="1"/>
-          <p:nvPr>
-            <p:ph idx="1" type="body"/>
+          <p:cNvSpPr txBox="1">
+            <a:spLocks noGrp="1"/>
+          </p:cNvSpPr>
+          <p:nvPr>
+            <p:ph type="body" idx="1"/>
           </p:nvPr>
         </p:nvSpPr>
         <p:spPr>
@@ -5499,7 +5845,7 @@
           </a:prstGeom>
         </p:spPr>
         <p:txBody>
-          <a:bodyPr anchorCtr="0" anchor="t" bIns="91425" lIns="91425" rIns="91425" tIns="91425">
+          <a:bodyPr lIns="91425" tIns="91425" rIns="91425" bIns="91425" anchor="t" anchorCtr="0">
             <a:noAutofit/>
           </a:bodyPr>
           <a:lstStyle/>
@@ -5511,13 +5857,14 @@
               <a:buNone/>
             </a:pPr>
             <a:r>
-              <a:rPr b="1" lang="en"/>
+              <a:rPr lang="en" b="1" dirty="0"/>
               <a:t>Communication</a:t>
             </a:r>
             <a:r>
-              <a:rPr lang="en"/>
-              <a:t> between developer and reporter is crucial. Good for both to understand the goal. Also, good for reporter to translate “code talk” to “normal English” for editors. </a:t>
-            </a:r>
+              <a:rPr lang="en" dirty="0"/>
+              <a:t> between developer and reporter is crucial. Good for both to understand the goal. </a:t>
+            </a:r>
+            <a:endParaRPr lang="en-US" dirty="0" smtClean="0"/>
           </a:p>
           <a:p>
             <a:pPr rtl="0">
@@ -5527,11 +5874,11 @@
               <a:buNone/>
             </a:pPr>
             <a:r>
-              <a:rPr b="1" lang="en"/>
+              <a:rPr lang="en" b="1" dirty="0" smtClean="0"/>
               <a:t>Compromising </a:t>
             </a:r>
             <a:r>
-              <a:rPr lang="en"/>
+              <a:rPr lang="en" dirty="0"/>
               <a:t>on expectations and realities can lead to less stress and better results, especially while working in a small team.</a:t>
             </a:r>
           </a:p>
@@ -5543,11 +5890,11 @@
               <a:buNone/>
             </a:pPr>
             <a:r>
-              <a:rPr b="1" lang="en"/>
+              <a:rPr lang="en" b="1" dirty="0"/>
               <a:t>Experimenting </a:t>
             </a:r>
             <a:r>
-              <a:rPr lang="en"/>
+              <a:rPr lang="en" dirty="0"/>
               <a:t>with new ways to tell a story is always good but make sure to have a backup plan when disaster strikes.</a:t>
             </a:r>
           </a:p>
@@ -5559,21 +5906,50 @@
               <a:buNone/>
             </a:pPr>
             <a:r>
-              <a:rPr b="1" lang="en"/>
+              <a:rPr lang="en" b="1" dirty="0"/>
               <a:t>Seek</a:t>
             </a:r>
             <a:r>
-              <a:rPr lang="en"/>
+              <a:rPr lang="en" dirty="0"/>
               <a:t> </a:t>
             </a:r>
             <a:r>
-              <a:rPr b="1" lang="en"/>
+              <a:rPr lang="en" b="1" dirty="0"/>
               <a:t>help</a:t>
             </a:r>
             <a:r>
-              <a:rPr lang="en"/>
-              <a:t> when stuck. There’s a lot the Internet can provide, but sitting with another person and talking out the problem can save hours of research.</a:t>
-            </a:r>
+              <a:rPr lang="en" dirty="0"/>
+              <a:t> when stuck. There’s a lot the Internet can provide, but sitting with another person and talking </a:t>
+            </a:r>
+            <a:r>
+              <a:rPr lang="en-US" smtClean="0"/>
+              <a:t>about </a:t>
+            </a:r>
+            <a:r>
+              <a:rPr lang="en" smtClean="0"/>
+              <a:t>the </a:t>
+            </a:r>
+            <a:r>
+              <a:rPr lang="en" dirty="0" smtClean="0"/>
+              <a:t>problem</a:t>
+            </a:r>
+            <a:r>
+              <a:rPr lang="en-US" dirty="0" smtClean="0"/>
+              <a:t>s</a:t>
+            </a:r>
+            <a:r>
+              <a:rPr lang="en" dirty="0" smtClean="0"/>
+              <a:t> </a:t>
+            </a:r>
+            <a:r>
+              <a:rPr lang="en-US" dirty="0" smtClean="0"/>
+              <a:t>can help</a:t>
+            </a:r>
+            <a:r>
+              <a:rPr lang="en" dirty="0" smtClean="0"/>
+              <a:t>.</a:t>
+            </a:r>
+            <a:endParaRPr lang="en" dirty="0"/>
           </a:p>
           <a:p>
             <a:pPr rtl="0">
@@ -5582,10 +5958,7 @@
               </a:spcBef>
               <a:buNone/>
             </a:pPr>
-            <a:r>
-              <a:t/>
-            </a:r>
-            <a:endParaRPr/>
+            <a:endParaRPr dirty="0"/>
           </a:p>
           <a:p>
             <a:pPr>
@@ -5594,10 +5967,7 @@
               </a:spcBef>
               <a:buNone/>
             </a:pPr>
-            <a:r>
-              <a:t/>
-            </a:r>
-            <a:endParaRPr/>
+            <a:endParaRPr dirty="0"/>
           </a:p>
         </p:txBody>
       </p:sp>
@@ -5606,18 +5976,18 @@
   <p:clrMapOvr>
     <a:masterClrMapping/>
   </p:clrMapOvr>
-  <p:transition spd="slow">
+  <p:transition xmlns:p14="http://schemas.microsoft.com/office/powerpoint/2010/main" spd="slow">
     <p:cut/>
   </p:transition>
 </p:sld>
 </file>
 
 <file path=ppt/slides/slide13.xml><?xml version="1.0" encoding="utf-8"?>
-<p:sld xmlns:a="http://schemas.openxmlformats.org/drawingml/2006/main" xmlns:r="http://schemas.openxmlformats.org/officeDocument/2006/relationships" xmlns:mc="http://schemas.openxmlformats.org/markup-compatibility/2006" xmlns:mv="urn:schemas-microsoft-com:mac:vml" xmlns:p="http://schemas.openxmlformats.org/presentationml/2006/main" xmlns:c="http://schemas.openxmlformats.org/drawingml/2006/chart" xmlns:dgm="http://schemas.openxmlformats.org/drawingml/2006/diagram" xmlns:o="urn:schemas-microsoft-com:office:office" xmlns:v="urn:schemas-microsoft-com:vml" xmlns:pvml="urn:schemas-microsoft-com:office:powerpoint" xmlns:com="http://schemas.openxmlformats.org/drawingml/2006/compatibility" xmlns:p14="http://schemas.microsoft.com/office/powerpoint/2010/main">
+<p:sld xmlns:a="http://schemas.openxmlformats.org/drawingml/2006/main" xmlns:r="http://schemas.openxmlformats.org/officeDocument/2006/relationships" xmlns:p="http://schemas.openxmlformats.org/presentationml/2006/main">
   <p:cSld>
     <p:spTree>
       <p:nvGrpSpPr>
-        <p:cNvPr id="125" name="Shape 125"/>
+        <p:cNvPr id="1" name="Shape 125"/>
         <p:cNvGrpSpPr/>
         <p:nvPr/>
       </p:nvGrpSpPr>
@@ -5632,7 +6002,9 @@
       <p:sp>
         <p:nvSpPr>
           <p:cNvPr id="126" name="Shape 126"/>
-          <p:cNvSpPr txBox="1"/>
+          <p:cNvSpPr txBox="1">
+            <a:spLocks noGrp="1"/>
+          </p:cNvSpPr>
           <p:nvPr>
             <p:ph type="title"/>
           </p:nvPr>
@@ -5647,7 +6019,7 @@
           </a:prstGeom>
         </p:spPr>
         <p:txBody>
-          <a:bodyPr anchorCtr="0" anchor="t" bIns="91425" lIns="91425" rIns="91425" tIns="91425">
+          <a:bodyPr lIns="91425" tIns="91425" rIns="91425" bIns="91425" anchor="t" anchorCtr="0">
             <a:noAutofit/>
           </a:bodyPr>
           <a:lstStyle/>
@@ -5668,9 +6040,11 @@
       <p:sp>
         <p:nvSpPr>
           <p:cNvPr id="127" name="Shape 127"/>
-          <p:cNvSpPr txBox="1"/>
-          <p:nvPr>
-            <p:ph idx="1" type="body"/>
+          <p:cNvSpPr txBox="1">
+            <a:spLocks noGrp="1"/>
+          </p:cNvSpPr>
+          <p:nvPr>
+            <p:ph type="body" idx="1"/>
           </p:nvPr>
         </p:nvSpPr>
         <p:spPr>
@@ -5683,7 +6057,7 @@
           </a:prstGeom>
         </p:spPr>
         <p:txBody>
-          <a:bodyPr anchorCtr="0" anchor="t" bIns="91425" lIns="91425" rIns="91425" tIns="91425">
+          <a:bodyPr lIns="91425" tIns="91425" rIns="91425" bIns="91425" anchor="t" anchorCtr="0">
             <a:noAutofit/>
           </a:bodyPr>
           <a:lstStyle/>
@@ -5695,12 +6069,16 @@
               <a:buNone/>
             </a:pPr>
             <a:r>
-              <a:rPr b="1" lang="en" sz="2400">
+              <a:rPr lang="en" sz="2400" b="1">
                 <a:solidFill>
                   <a:schemeClr val="dk1"/>
                 </a:solidFill>
               </a:rPr>
               <a:t>Nicholas Nehamas</a:t>
+            </a:r>
+            <a:r>
+              <a:rPr lang="en"/>
+              <a:t/>
             </a:r>
             <a:br>
               <a:rPr lang="en"/>
@@ -5714,6 +6092,10 @@
               </a:rPr>
               <a:t>nnehamas@miamiherald.com</a:t>
             </a:r>
+            <a:r>
+              <a:rPr lang="en"/>
+              <a:t/>
+            </a:r>
             <a:br>
               <a:rPr lang="en"/>
             </a:br>
@@ -5726,6 +6108,10 @@
               </a:rPr>
               <a:t>@NickNehamas</a:t>
             </a:r>
+            <a:r>
+              <a:rPr lang="en"/>
+              <a:t/>
+            </a:r>
             <a:br>
               <a:rPr lang="en"/>
             </a:br>
@@ -5747,12 +6133,16 @@
               <a:buNone/>
             </a:pPr>
             <a:r>
-              <a:rPr b="1" lang="en" sz="2400">
+              <a:rPr lang="en" sz="2400" b="1">
                 <a:solidFill>
                   <a:srgbClr val="000000"/>
                 </a:solidFill>
               </a:rPr>
               <a:t>Chris Alcantara</a:t>
+            </a:r>
+            <a:r>
+              <a:rPr lang="en"/>
+              <a:t/>
             </a:r>
             <a:br>
               <a:rPr lang="en"/>
@@ -5766,6 +6156,10 @@
               </a:rPr>
               <a:t>calcantara@miamiherald.com</a:t>
             </a:r>
+            <a:r>
+              <a:rPr lang="en"/>
+              <a:t/>
+            </a:r>
             <a:br>
               <a:rPr lang="en"/>
             </a:br>
@@ -5778,6 +6172,10 @@
               </a:rPr>
               <a:t>@chrisalcantara</a:t>
             </a:r>
+            <a:r>
+              <a:rPr lang="en"/>
+              <a:t/>
+            </a:r>
             <a:br>
               <a:rPr lang="en"/>
             </a:br>
@@ -5802,9 +6200,6 @@
               <a:buFont typeface="Arial"/>
               <a:buNone/>
             </a:pPr>
-            <a:r>
-              <a:t/>
-            </a:r>
             <a:endParaRPr/>
           </a:p>
         </p:txBody>
@@ -5814,18 +6209,18 @@
   <p:clrMapOvr>
     <a:masterClrMapping/>
   </p:clrMapOvr>
-  <p:transition spd="slow">
+  <p:transition xmlns:p14="http://schemas.microsoft.com/office/powerpoint/2010/main" spd="slow">
     <p:cut/>
   </p:transition>
 </p:sld>
 </file>
 
 <file path=ppt/slides/slide14.xml><?xml version="1.0" encoding="utf-8"?>
-<p:sld xmlns:a="http://schemas.openxmlformats.org/drawingml/2006/main" xmlns:r="http://schemas.openxmlformats.org/officeDocument/2006/relationships" xmlns:mc="http://schemas.openxmlformats.org/markup-compatibility/2006" xmlns:mv="urn:schemas-microsoft-com:mac:vml" xmlns:p="http://schemas.openxmlformats.org/presentationml/2006/main" xmlns:c="http://schemas.openxmlformats.org/drawingml/2006/chart" xmlns:dgm="http://schemas.openxmlformats.org/drawingml/2006/diagram" xmlns:o="urn:schemas-microsoft-com:office:office" xmlns:v="urn:schemas-microsoft-com:vml" xmlns:pvml="urn:schemas-microsoft-com:office:powerpoint" xmlns:com="http://schemas.openxmlformats.org/drawingml/2006/compatibility" xmlns:p14="http://schemas.microsoft.com/office/powerpoint/2010/main">
+<p:sld xmlns:a="http://schemas.openxmlformats.org/drawingml/2006/main" xmlns:r="http://schemas.openxmlformats.org/officeDocument/2006/relationships" xmlns:p="http://schemas.openxmlformats.org/presentationml/2006/main">
   <p:cSld>
     <p:spTree>
       <p:nvGrpSpPr>
-        <p:cNvPr id="131" name="Shape 131"/>
+        <p:cNvPr id="1" name="Shape 131"/>
         <p:cNvGrpSpPr/>
         <p:nvPr/>
       </p:nvGrpSpPr>
@@ -5840,7 +6235,9 @@
       <p:sp>
         <p:nvSpPr>
           <p:cNvPr id="132" name="Shape 132"/>
-          <p:cNvSpPr txBox="1"/>
+          <p:cNvSpPr txBox="1">
+            <a:spLocks noGrp="1"/>
+          </p:cNvSpPr>
           <p:nvPr>
             <p:ph type="title"/>
           </p:nvPr>
@@ -5855,12 +6252,12 @@
           </a:prstGeom>
         </p:spPr>
         <p:txBody>
-          <a:bodyPr anchorCtr="0" anchor="t" bIns="91425" lIns="91425" rIns="91425" tIns="91425">
+          <a:bodyPr lIns="91425" tIns="91425" rIns="91425" bIns="91425" anchor="t" anchorCtr="0">
             <a:noAutofit/>
           </a:bodyPr>
           <a:lstStyle/>
           <a:p>
-            <a:pPr lvl="0" rtl="0" algn="ctr">
+            <a:pPr lvl="0" algn="ctr" rtl="0">
               <a:lnSpc>
                 <a:spcPct val="115000"/>
               </a:lnSpc>
@@ -5888,18 +6285,18 @@
   <p:clrMapOvr>
     <a:masterClrMapping/>
   </p:clrMapOvr>
-  <p:transition spd="slow">
+  <p:transition xmlns:p14="http://schemas.microsoft.com/office/powerpoint/2010/main" spd="slow">
     <p:cut/>
   </p:transition>
 </p:sld>
 </file>
 
 <file path=ppt/slides/slide2.xml><?xml version="1.0" encoding="utf-8"?>
-<p:sld xmlns:a="http://schemas.openxmlformats.org/drawingml/2006/main" xmlns:r="http://schemas.openxmlformats.org/officeDocument/2006/relationships" xmlns:mc="http://schemas.openxmlformats.org/markup-compatibility/2006" xmlns:mv="urn:schemas-microsoft-com:mac:vml" xmlns:p="http://schemas.openxmlformats.org/presentationml/2006/main" xmlns:c="http://schemas.openxmlformats.org/drawingml/2006/chart" xmlns:dgm="http://schemas.openxmlformats.org/drawingml/2006/diagram" xmlns:o="urn:schemas-microsoft-com:office:office" xmlns:v="urn:schemas-microsoft-com:vml" xmlns:pvml="urn:schemas-microsoft-com:office:powerpoint" xmlns:com="http://schemas.openxmlformats.org/drawingml/2006/compatibility" xmlns:p14="http://schemas.microsoft.com/office/powerpoint/2010/main">
+<p:sld xmlns:a="http://schemas.openxmlformats.org/drawingml/2006/main" xmlns:r="http://schemas.openxmlformats.org/officeDocument/2006/relationships" xmlns:p="http://schemas.openxmlformats.org/presentationml/2006/main">
   <p:cSld>
     <p:spTree>
       <p:nvGrpSpPr>
-        <p:cNvPr id="59" name="Shape 59"/>
+        <p:cNvPr id="1" name="Shape 59"/>
         <p:cNvGrpSpPr/>
         <p:nvPr/>
       </p:nvGrpSpPr>
@@ -5914,7 +6311,9 @@
       <p:sp>
         <p:nvSpPr>
           <p:cNvPr id="60" name="Shape 60"/>
-          <p:cNvSpPr txBox="1"/>
+          <p:cNvSpPr txBox="1">
+            <a:spLocks noGrp="1"/>
+          </p:cNvSpPr>
           <p:nvPr>
             <p:ph type="title"/>
           </p:nvPr>
@@ -5929,7 +6328,7 @@
           </a:prstGeom>
         </p:spPr>
         <p:txBody>
-          <a:bodyPr anchorCtr="0" anchor="t" bIns="91425" lIns="91425" rIns="91425" tIns="91425">
+          <a:bodyPr lIns="91425" tIns="91425" rIns="91425" bIns="91425" anchor="t" anchorCtr="0">
             <a:noAutofit/>
           </a:bodyPr>
           <a:lstStyle/>
@@ -5950,9 +6349,11 @@
       <p:sp>
         <p:nvSpPr>
           <p:cNvPr id="61" name="Shape 61"/>
-          <p:cNvSpPr txBox="1"/>
-          <p:nvPr>
-            <p:ph idx="1" type="body"/>
+          <p:cNvSpPr txBox="1">
+            <a:spLocks noGrp="1"/>
+          </p:cNvSpPr>
+          <p:nvPr>
+            <p:ph type="body" idx="1"/>
           </p:nvPr>
         </p:nvSpPr>
         <p:spPr>
@@ -5965,7 +6366,7 @@
           </a:prstGeom>
         </p:spPr>
         <p:txBody>
-          <a:bodyPr anchorCtr="0" anchor="t" bIns="91425" lIns="91425" rIns="91425" tIns="91425">
+          <a:bodyPr lIns="91425" tIns="91425" rIns="91425" bIns="91425" anchor="t" anchorCtr="0">
             <a:noAutofit/>
           </a:bodyPr>
           <a:lstStyle/>
@@ -5977,7 +6378,7 @@
               <a:buNone/>
             </a:pPr>
             <a:r>
-              <a:rPr b="1" lang="en" sz="3000">
+              <a:rPr lang="en" sz="3000" b="1">
                 <a:solidFill>
                   <a:srgbClr val="000000"/>
                 </a:solidFill>
@@ -5985,7 +6386,7 @@
               <a:t>Nicholas Nehamas</a:t>
             </a:r>
             <a:br>
-              <a:rPr b="1" lang="en" sz="3000">
+              <a:rPr lang="en" sz="3000" b="1">
                 <a:solidFill>
                   <a:srgbClr val="000000"/>
                 </a:solidFill>
@@ -5994,6 +6395,14 @@
             <a:r>
               <a:rPr lang="en"/>
               <a:t>Reporter on the Miami Herald business desk. Covers real estate and the economy and contributes to ongoing 2016 presidential race. Previously covered health care.</a:t>
+            </a:r>
+            <a:r>
+              <a:rPr lang="en">
+                <a:solidFill>
+                  <a:srgbClr val="000000"/>
+                </a:solidFill>
+              </a:rPr>
+              <a:t/>
             </a:r>
             <a:br>
               <a:rPr lang="en">
@@ -6002,6 +6411,14 @@
                 </a:solidFill>
               </a:rPr>
             </a:br>
+            <a:r>
+              <a:rPr lang="en">
+                <a:solidFill>
+                  <a:srgbClr val="000000"/>
+                </a:solidFill>
+              </a:rPr>
+              <a:t/>
+            </a:r>
             <a:br>
               <a:rPr lang="en">
                 <a:solidFill>
@@ -6010,12 +6427,20 @@
               </a:rPr>
             </a:br>
             <a:r>
-              <a:rPr b="1" lang="en" sz="3000">
+              <a:rPr lang="en" sz="3000" b="1">
                 <a:solidFill>
                   <a:schemeClr val="dk1"/>
                 </a:solidFill>
               </a:rPr>
               <a:t>Chris Alcantara</a:t>
+            </a:r>
+            <a:r>
+              <a:rPr lang="en" sz="3600">
+                <a:solidFill>
+                  <a:schemeClr val="dk1"/>
+                </a:solidFill>
+              </a:rPr>
+              <a:t/>
             </a:r>
             <a:br>
               <a:rPr lang="en" sz="3600">
@@ -6036,9 +6461,6 @@
               </a:spcBef>
               <a:buNone/>
             </a:pPr>
-            <a:r>
-              <a:t/>
-            </a:r>
             <a:endParaRPr>
               <a:solidFill>
                 <a:srgbClr val="000000"/>
@@ -6052,9 +6474,6 @@
               </a:spcBef>
               <a:buNone/>
             </a:pPr>
-            <a:r>
-              <a:t/>
-            </a:r>
             <a:endParaRPr>
               <a:solidFill>
                 <a:srgbClr val="000000"/>
@@ -6068,18 +6487,18 @@
   <p:clrMapOvr>
     <a:masterClrMapping/>
   </p:clrMapOvr>
-  <p:transition spd="slow">
+  <p:transition xmlns:p14="http://schemas.microsoft.com/office/powerpoint/2010/main" spd="slow">
     <p:cut/>
   </p:transition>
 </p:sld>
 </file>
 
 <file path=ppt/slides/slide3.xml><?xml version="1.0" encoding="utf-8"?>
-<p:sld xmlns:a="http://schemas.openxmlformats.org/drawingml/2006/main" xmlns:r="http://schemas.openxmlformats.org/officeDocument/2006/relationships" xmlns:mc="http://schemas.openxmlformats.org/markup-compatibility/2006" xmlns:mv="urn:schemas-microsoft-com:mac:vml" xmlns:p="http://schemas.openxmlformats.org/presentationml/2006/main" xmlns:c="http://schemas.openxmlformats.org/drawingml/2006/chart" xmlns:dgm="http://schemas.openxmlformats.org/drawingml/2006/diagram" xmlns:o="urn:schemas-microsoft-com:office:office" xmlns:v="urn:schemas-microsoft-com:vml" xmlns:pvml="urn:schemas-microsoft-com:office:powerpoint" xmlns:com="http://schemas.openxmlformats.org/drawingml/2006/compatibility" xmlns:p14="http://schemas.microsoft.com/office/powerpoint/2010/main">
+<p:sld xmlns:a="http://schemas.openxmlformats.org/drawingml/2006/main" xmlns:r="http://schemas.openxmlformats.org/officeDocument/2006/relationships" xmlns:p="http://schemas.openxmlformats.org/presentationml/2006/main">
   <p:cSld>
     <p:spTree>
       <p:nvGrpSpPr>
-        <p:cNvPr id="65" name="Shape 65"/>
+        <p:cNvPr id="1" name="Shape 65"/>
         <p:cNvGrpSpPr/>
         <p:nvPr/>
       </p:nvGrpSpPr>
@@ -6094,7 +6513,9 @@
       <p:sp>
         <p:nvSpPr>
           <p:cNvPr id="66" name="Shape 66"/>
-          <p:cNvSpPr txBox="1"/>
+          <p:cNvSpPr txBox="1">
+            <a:spLocks noGrp="1"/>
+          </p:cNvSpPr>
           <p:nvPr>
             <p:ph type="title"/>
           </p:nvPr>
@@ -6109,7 +6530,7 @@
           </a:prstGeom>
         </p:spPr>
         <p:txBody>
-          <a:bodyPr anchorCtr="0" anchor="t" bIns="91425" lIns="91425" rIns="91425" tIns="91425">
+          <a:bodyPr lIns="91425" tIns="91425" rIns="91425" bIns="91425" anchor="t" anchorCtr="0">
             <a:noAutofit/>
           </a:bodyPr>
           <a:lstStyle/>
@@ -6130,9 +6551,11 @@
       <p:sp>
         <p:nvSpPr>
           <p:cNvPr id="67" name="Shape 67"/>
-          <p:cNvSpPr txBox="1"/>
-          <p:nvPr>
-            <p:ph idx="1" type="body"/>
+          <p:cNvSpPr txBox="1">
+            <a:spLocks noGrp="1"/>
+          </p:cNvSpPr>
+          <p:nvPr>
+            <p:ph type="body" idx="1"/>
           </p:nvPr>
         </p:nvSpPr>
         <p:spPr>
@@ -6145,7 +6568,7 @@
           </a:prstGeom>
         </p:spPr>
         <p:txBody>
-          <a:bodyPr anchorCtr="0" anchor="t" bIns="91425" lIns="91425" rIns="91425" tIns="91425">
+          <a:bodyPr lIns="91425" tIns="91425" rIns="91425" bIns="91425" anchor="t" anchorCtr="0">
             <a:noAutofit/>
           </a:bodyPr>
           <a:lstStyle/>
@@ -6163,6 +6586,10 @@
             <a:br>
               <a:rPr lang="en"/>
             </a:br>
+            <a:r>
+              <a:rPr lang="en"/>
+              <a:t/>
+            </a:r>
             <a:br>
               <a:rPr lang="en"/>
             </a:br>
@@ -6178,18 +6605,18 @@
   <p:clrMapOvr>
     <a:masterClrMapping/>
   </p:clrMapOvr>
-  <p:transition spd="slow">
+  <p:transition xmlns:p14="http://schemas.microsoft.com/office/powerpoint/2010/main" spd="slow">
     <p:cut/>
   </p:transition>
 </p:sld>
 </file>
 
 <file path=ppt/slides/slide4.xml><?xml version="1.0" encoding="utf-8"?>
-<p:sld xmlns:a="http://schemas.openxmlformats.org/drawingml/2006/main" xmlns:r="http://schemas.openxmlformats.org/officeDocument/2006/relationships" xmlns:mc="http://schemas.openxmlformats.org/markup-compatibility/2006" xmlns:mv="urn:schemas-microsoft-com:mac:vml" xmlns:p="http://schemas.openxmlformats.org/presentationml/2006/main" xmlns:c="http://schemas.openxmlformats.org/drawingml/2006/chart" xmlns:dgm="http://schemas.openxmlformats.org/drawingml/2006/diagram" xmlns:o="urn:schemas-microsoft-com:office:office" xmlns:v="urn:schemas-microsoft-com:vml" xmlns:pvml="urn:schemas-microsoft-com:office:powerpoint" xmlns:com="http://schemas.openxmlformats.org/drawingml/2006/compatibility" xmlns:p14="http://schemas.microsoft.com/office/powerpoint/2010/main">
+<p:sld xmlns:a="http://schemas.openxmlformats.org/drawingml/2006/main" xmlns:r="http://schemas.openxmlformats.org/officeDocument/2006/relationships" xmlns:p="http://schemas.openxmlformats.org/presentationml/2006/main">
   <p:cSld>
     <p:spTree>
       <p:nvGrpSpPr>
-        <p:cNvPr id="71" name="Shape 71"/>
+        <p:cNvPr id="1" name="Shape 71"/>
         <p:cNvGrpSpPr/>
         <p:nvPr/>
       </p:nvGrpSpPr>
@@ -6204,7 +6631,9 @@
       <p:sp>
         <p:nvSpPr>
           <p:cNvPr id="72" name="Shape 72"/>
-          <p:cNvSpPr txBox="1"/>
+          <p:cNvSpPr txBox="1">
+            <a:spLocks noGrp="1"/>
+          </p:cNvSpPr>
           <p:nvPr>
             <p:ph type="title"/>
           </p:nvPr>
@@ -6219,7 +6648,7 @@
           </a:prstGeom>
         </p:spPr>
         <p:txBody>
-          <a:bodyPr anchorCtr="0" anchor="t" bIns="91425" lIns="91425" rIns="91425" tIns="91425">
+          <a:bodyPr lIns="91425" tIns="91425" rIns="91425" bIns="91425" anchor="t" anchorCtr="0">
             <a:noAutofit/>
           </a:bodyPr>
           <a:lstStyle/>
@@ -6240,9 +6669,11 @@
       <p:sp>
         <p:nvSpPr>
           <p:cNvPr id="73" name="Shape 73"/>
-          <p:cNvSpPr txBox="1"/>
-          <p:nvPr>
-            <p:ph idx="1" type="body"/>
+          <p:cNvSpPr txBox="1">
+            <a:spLocks noGrp="1"/>
+          </p:cNvSpPr>
+          <p:nvPr>
+            <p:ph type="body" idx="1"/>
           </p:nvPr>
         </p:nvSpPr>
         <p:spPr>
@@ -6255,7 +6686,7 @@
           </a:prstGeom>
         </p:spPr>
         <p:txBody>
-          <a:bodyPr anchorCtr="0" anchor="t" bIns="91425" lIns="91425" rIns="91425" tIns="91425">
+          <a:bodyPr lIns="91425" tIns="91425" rIns="91425" bIns="91425" anchor="t" anchorCtr="0">
             <a:noAutofit/>
           </a:bodyPr>
           <a:lstStyle/>
@@ -6295,9 +6726,6 @@
               </a:spcBef>
               <a:buNone/>
             </a:pPr>
-            <a:r>
-              <a:t/>
-            </a:r>
             <a:endParaRPr/>
           </a:p>
         </p:txBody>
@@ -6335,18 +6763,18 @@
   <p:clrMapOvr>
     <a:masterClrMapping/>
   </p:clrMapOvr>
-  <p:transition spd="slow">
+  <p:transition xmlns:p14="http://schemas.microsoft.com/office/powerpoint/2010/main" spd="slow">
     <p:cut/>
   </p:transition>
 </p:sld>
 </file>
 
 <file path=ppt/slides/slide5.xml><?xml version="1.0" encoding="utf-8"?>
-<p:sld xmlns:a="http://schemas.openxmlformats.org/drawingml/2006/main" xmlns:r="http://schemas.openxmlformats.org/officeDocument/2006/relationships" xmlns:mc="http://schemas.openxmlformats.org/markup-compatibility/2006" xmlns:mv="urn:schemas-microsoft-com:mac:vml" xmlns:p="http://schemas.openxmlformats.org/presentationml/2006/main" xmlns:c="http://schemas.openxmlformats.org/drawingml/2006/chart" xmlns:dgm="http://schemas.openxmlformats.org/drawingml/2006/diagram" xmlns:o="urn:schemas-microsoft-com:office:office" xmlns:v="urn:schemas-microsoft-com:vml" xmlns:pvml="urn:schemas-microsoft-com:office:powerpoint" xmlns:com="http://schemas.openxmlformats.org/drawingml/2006/compatibility" xmlns:p14="http://schemas.microsoft.com/office/powerpoint/2010/main">
+<p:sld xmlns:a="http://schemas.openxmlformats.org/drawingml/2006/main" xmlns:r="http://schemas.openxmlformats.org/officeDocument/2006/relationships" xmlns:p="http://schemas.openxmlformats.org/presentationml/2006/main">
   <p:cSld>
     <p:spTree>
       <p:nvGrpSpPr>
-        <p:cNvPr id="78" name="Shape 78"/>
+        <p:cNvPr id="1" name="Shape 78"/>
         <p:cNvGrpSpPr/>
         <p:nvPr/>
       </p:nvGrpSpPr>
@@ -6361,7 +6789,9 @@
       <p:sp>
         <p:nvSpPr>
           <p:cNvPr id="79" name="Shape 79"/>
-          <p:cNvSpPr txBox="1"/>
+          <p:cNvSpPr txBox="1">
+            <a:spLocks noGrp="1"/>
+          </p:cNvSpPr>
           <p:nvPr>
             <p:ph type="title"/>
           </p:nvPr>
@@ -6376,7 +6806,7 @@
           </a:prstGeom>
         </p:spPr>
         <p:txBody>
-          <a:bodyPr anchorCtr="0" anchor="t" bIns="91425" lIns="91425" rIns="91425" tIns="91425">
+          <a:bodyPr lIns="91425" tIns="91425" rIns="91425" bIns="91425" anchor="t" anchorCtr="0">
             <a:noAutofit/>
           </a:bodyPr>
           <a:lstStyle/>
@@ -6397,9 +6827,11 @@
       <p:sp>
         <p:nvSpPr>
           <p:cNvPr id="80" name="Shape 80"/>
-          <p:cNvSpPr txBox="1"/>
-          <p:nvPr>
-            <p:ph idx="1" type="body"/>
+          <p:cNvSpPr txBox="1">
+            <a:spLocks noGrp="1"/>
+          </p:cNvSpPr>
+          <p:nvPr>
+            <p:ph type="body" idx="1"/>
           </p:nvPr>
         </p:nvSpPr>
         <p:spPr>
@@ -6412,7 +6844,7 @@
           </a:prstGeom>
         </p:spPr>
         <p:txBody>
-          <a:bodyPr anchorCtr="0" anchor="t" bIns="91425" lIns="91425" rIns="91425" tIns="91425">
+          <a:bodyPr lIns="91425" tIns="91425" rIns="91425" bIns="91425" anchor="t" anchorCtr="0">
             <a:noAutofit/>
           </a:bodyPr>
           <a:lstStyle/>
@@ -6440,7 +6872,7 @@
               <a:t>A calculator works, but we wanted to show people </a:t>
             </a:r>
             <a:r>
-              <a:rPr b="1" lang="en"/>
+              <a:rPr lang="en" b="1"/>
               <a:t>where</a:t>
             </a:r>
             <a:r>
@@ -6480,18 +6912,18 @@
   <p:clrMapOvr>
     <a:masterClrMapping/>
   </p:clrMapOvr>
-  <p:transition spd="slow">
+  <p:transition xmlns:p14="http://schemas.microsoft.com/office/powerpoint/2010/main" spd="slow">
     <p:cut/>
   </p:transition>
 </p:sld>
 </file>
 
 <file path=ppt/slides/slide6.xml><?xml version="1.0" encoding="utf-8"?>
-<p:sld xmlns:a="http://schemas.openxmlformats.org/drawingml/2006/main" xmlns:r="http://schemas.openxmlformats.org/officeDocument/2006/relationships" xmlns:mc="http://schemas.openxmlformats.org/markup-compatibility/2006" xmlns:mv="urn:schemas-microsoft-com:mac:vml" xmlns:p="http://schemas.openxmlformats.org/presentationml/2006/main" xmlns:c="http://schemas.openxmlformats.org/drawingml/2006/chart" xmlns:dgm="http://schemas.openxmlformats.org/drawingml/2006/diagram" xmlns:o="urn:schemas-microsoft-com:office:office" xmlns:v="urn:schemas-microsoft-com:vml" xmlns:pvml="urn:schemas-microsoft-com:office:powerpoint" xmlns:com="http://schemas.openxmlformats.org/drawingml/2006/compatibility" xmlns:p14="http://schemas.microsoft.com/office/powerpoint/2010/main">
+<p:sld xmlns:a="http://schemas.openxmlformats.org/drawingml/2006/main" xmlns:r="http://schemas.openxmlformats.org/officeDocument/2006/relationships" xmlns:p="http://schemas.openxmlformats.org/presentationml/2006/main">
   <p:cSld>
     <p:spTree>
       <p:nvGrpSpPr>
-        <p:cNvPr id="84" name="Shape 84"/>
+        <p:cNvPr id="1" name="Shape 84"/>
         <p:cNvGrpSpPr/>
         <p:nvPr/>
       </p:nvGrpSpPr>
@@ -6506,7 +6938,9 @@
       <p:sp>
         <p:nvSpPr>
           <p:cNvPr id="85" name="Shape 85"/>
-          <p:cNvSpPr txBox="1"/>
+          <p:cNvSpPr txBox="1">
+            <a:spLocks noGrp="1"/>
+          </p:cNvSpPr>
           <p:nvPr>
             <p:ph type="title"/>
           </p:nvPr>
@@ -6521,7 +6955,7 @@
           </a:prstGeom>
         </p:spPr>
         <p:txBody>
-          <a:bodyPr anchorCtr="0" anchor="t" bIns="91425" lIns="91425" rIns="91425" tIns="91425">
+          <a:bodyPr lIns="91425" tIns="91425" rIns="91425" bIns="91425" anchor="t" anchorCtr="0">
             <a:noAutofit/>
           </a:bodyPr>
           <a:lstStyle/>
@@ -6542,9 +6976,11 @@
       <p:sp>
         <p:nvSpPr>
           <p:cNvPr id="86" name="Shape 86"/>
-          <p:cNvSpPr txBox="1"/>
-          <p:nvPr>
-            <p:ph idx="1" type="body"/>
+          <p:cNvSpPr txBox="1">
+            <a:spLocks noGrp="1"/>
+          </p:cNvSpPr>
+          <p:nvPr>
+            <p:ph type="body" idx="1"/>
           </p:nvPr>
         </p:nvSpPr>
         <p:spPr>
@@ -6557,7 +6993,7 @@
           </a:prstGeom>
         </p:spPr>
         <p:txBody>
-          <a:bodyPr anchorCtr="0" anchor="t" bIns="91425" lIns="91425" rIns="91425" tIns="91425">
+          <a:bodyPr lIns="91425" tIns="91425" rIns="91425" bIns="91425" anchor="t" anchorCtr="0">
             <a:noAutofit/>
           </a:bodyPr>
           <a:lstStyle/>
@@ -6586,7 +7022,7 @@
             </a:r>
           </a:p>
           <a:p>
-            <a:pPr indent="-228600" lvl="0" marL="457200" rtl="0">
+            <a:pPr marL="457200" lvl="0" indent="-228600" rtl="0">
               <a:spcBef>
                 <a:spcPts val="0"/>
               </a:spcBef>
@@ -6636,7 +7072,7 @@
             </a:r>
           </a:p>
           <a:p>
-            <a:pPr indent="-228600" lvl="0" marL="457200" rtl="0">
+            <a:pPr marL="457200" lvl="0" indent="-228600" rtl="0">
               <a:spcBef>
                 <a:spcPts val="0"/>
               </a:spcBef>
@@ -6647,7 +7083,7 @@
             </a:r>
           </a:p>
           <a:p>
-            <a:pPr indent="-228600" lvl="0" marL="457200" rtl="0">
+            <a:pPr marL="457200" lvl="0" indent="-228600" rtl="0">
               <a:spcBef>
                 <a:spcPts val="0"/>
               </a:spcBef>
@@ -6676,18 +7112,18 @@
   <p:clrMapOvr>
     <a:masterClrMapping/>
   </p:clrMapOvr>
-  <p:transition spd="slow">
+  <p:transition xmlns:p14="http://schemas.microsoft.com/office/powerpoint/2010/main" spd="slow">
     <p:cut/>
   </p:transition>
 </p:sld>
 </file>
 
 <file path=ppt/slides/slide7.xml><?xml version="1.0" encoding="utf-8"?>
-<p:sld xmlns:a="http://schemas.openxmlformats.org/drawingml/2006/main" xmlns:r="http://schemas.openxmlformats.org/officeDocument/2006/relationships" xmlns:mc="http://schemas.openxmlformats.org/markup-compatibility/2006" xmlns:mv="urn:schemas-microsoft-com:mac:vml" xmlns:p="http://schemas.openxmlformats.org/presentationml/2006/main" xmlns:c="http://schemas.openxmlformats.org/drawingml/2006/chart" xmlns:dgm="http://schemas.openxmlformats.org/drawingml/2006/diagram" xmlns:o="urn:schemas-microsoft-com:office:office" xmlns:v="urn:schemas-microsoft-com:vml" xmlns:pvml="urn:schemas-microsoft-com:office:powerpoint" xmlns:com="http://schemas.openxmlformats.org/drawingml/2006/compatibility" xmlns:p14="http://schemas.microsoft.com/office/powerpoint/2010/main">
+<p:sld xmlns:a="http://schemas.openxmlformats.org/drawingml/2006/main" xmlns:r="http://schemas.openxmlformats.org/officeDocument/2006/relationships" xmlns:p="http://schemas.openxmlformats.org/presentationml/2006/main">
   <p:cSld>
     <p:spTree>
       <p:nvGrpSpPr>
-        <p:cNvPr id="90" name="Shape 90"/>
+        <p:cNvPr id="1" name="Shape 90"/>
         <p:cNvGrpSpPr/>
         <p:nvPr/>
       </p:nvGrpSpPr>
@@ -6702,7 +7138,9 @@
       <p:sp>
         <p:nvSpPr>
           <p:cNvPr id="91" name="Shape 91"/>
-          <p:cNvSpPr txBox="1"/>
+          <p:cNvSpPr txBox="1">
+            <a:spLocks noGrp="1"/>
+          </p:cNvSpPr>
           <p:nvPr>
             <p:ph type="title"/>
           </p:nvPr>
@@ -6717,7 +7155,7 @@
           </a:prstGeom>
         </p:spPr>
         <p:txBody>
-          <a:bodyPr anchorCtr="0" anchor="t" bIns="91425" lIns="91425" rIns="91425" tIns="91425">
+          <a:bodyPr lIns="91425" tIns="91425" rIns="91425" bIns="91425" anchor="t" anchorCtr="0">
             <a:noAutofit/>
           </a:bodyPr>
           <a:lstStyle/>
@@ -6738,9 +7176,11 @@
       <p:sp>
         <p:nvSpPr>
           <p:cNvPr id="92" name="Shape 92"/>
-          <p:cNvSpPr txBox="1"/>
-          <p:nvPr>
-            <p:ph idx="1" type="body"/>
+          <p:cNvSpPr txBox="1">
+            <a:spLocks noGrp="1"/>
+          </p:cNvSpPr>
+          <p:nvPr>
+            <p:ph type="body" idx="1"/>
           </p:nvPr>
         </p:nvSpPr>
         <p:spPr>
@@ -6753,7 +7193,7 @@
           </a:prstGeom>
         </p:spPr>
         <p:txBody>
-          <a:bodyPr anchorCtr="0" anchor="t" bIns="91425" lIns="91425" rIns="91425" tIns="91425">
+          <a:bodyPr lIns="91425" tIns="91425" rIns="91425" bIns="91425" anchor="t" anchorCtr="0">
             <a:noAutofit/>
           </a:bodyPr>
           <a:lstStyle/>
@@ -6771,6 +7211,10 @@
             <a:br>
               <a:rPr lang="en"/>
             </a:br>
+            <a:r>
+              <a:rPr lang="en"/>
+              <a:t/>
+            </a:r>
             <a:br>
               <a:rPr lang="en"/>
             </a:br>
@@ -6781,6 +7225,10 @@
             <a:br>
               <a:rPr lang="en"/>
             </a:br>
+            <a:r>
+              <a:rPr lang="en"/>
+              <a:t/>
+            </a:r>
             <a:br>
               <a:rPr lang="en"/>
             </a:br>
@@ -6796,18 +7244,18 @@
   <p:clrMapOvr>
     <a:masterClrMapping/>
   </p:clrMapOvr>
-  <p:transition spd="slow">
+  <p:transition xmlns:p14="http://schemas.microsoft.com/office/powerpoint/2010/main" spd="slow">
     <p:cut/>
   </p:transition>
 </p:sld>
 </file>
 
 <file path=ppt/slides/slide8.xml><?xml version="1.0" encoding="utf-8"?>
-<p:sld xmlns:a="http://schemas.openxmlformats.org/drawingml/2006/main" xmlns:r="http://schemas.openxmlformats.org/officeDocument/2006/relationships" xmlns:mc="http://schemas.openxmlformats.org/markup-compatibility/2006" xmlns:mv="urn:schemas-microsoft-com:mac:vml" xmlns:p="http://schemas.openxmlformats.org/presentationml/2006/main" xmlns:c="http://schemas.openxmlformats.org/drawingml/2006/chart" xmlns:dgm="http://schemas.openxmlformats.org/drawingml/2006/diagram" xmlns:o="urn:schemas-microsoft-com:office:office" xmlns:v="urn:schemas-microsoft-com:vml" xmlns:pvml="urn:schemas-microsoft-com:office:powerpoint" xmlns:com="http://schemas.openxmlformats.org/drawingml/2006/compatibility" xmlns:p14="http://schemas.microsoft.com/office/powerpoint/2010/main">
+<p:sld xmlns:a="http://schemas.openxmlformats.org/drawingml/2006/main" xmlns:r="http://schemas.openxmlformats.org/officeDocument/2006/relationships" xmlns:p="http://schemas.openxmlformats.org/presentationml/2006/main">
   <p:cSld>
     <p:spTree>
       <p:nvGrpSpPr>
-        <p:cNvPr id="96" name="Shape 96"/>
+        <p:cNvPr id="1" name="Shape 96"/>
         <p:cNvGrpSpPr/>
         <p:nvPr/>
       </p:nvGrpSpPr>
@@ -6822,7 +7270,9 @@
       <p:sp>
         <p:nvSpPr>
           <p:cNvPr id="97" name="Shape 97"/>
-          <p:cNvSpPr txBox="1"/>
+          <p:cNvSpPr txBox="1">
+            <a:spLocks noGrp="1"/>
+          </p:cNvSpPr>
           <p:nvPr>
             <p:ph type="title"/>
           </p:nvPr>
@@ -6837,12 +7287,12 @@
           </a:prstGeom>
         </p:spPr>
         <p:txBody>
-          <a:bodyPr anchorCtr="0" anchor="t" bIns="91425" lIns="91425" rIns="91425" tIns="91425">
+          <a:bodyPr lIns="91425" tIns="91425" rIns="91425" bIns="91425" anchor="t" anchorCtr="0">
             <a:noAutofit/>
           </a:bodyPr>
           <a:lstStyle/>
           <a:p>
-            <a:pPr lvl="0" rtl="0" algn="ctr">
+            <a:pPr lvl="0" algn="ctr" rtl="0">
               <a:lnSpc>
                 <a:spcPct val="115000"/>
               </a:lnSpc>
@@ -6870,9 +7320,6 @@
               </a:spcBef>
               <a:buNone/>
             </a:pPr>
-            <a:r>
-              <a:t/>
-            </a:r>
             <a:endParaRPr sz="2200"/>
           </a:p>
         </p:txBody>
@@ -6882,18 +7329,18 @@
   <p:clrMapOvr>
     <a:masterClrMapping/>
   </p:clrMapOvr>
-  <p:transition spd="slow">
+  <p:transition xmlns:p14="http://schemas.microsoft.com/office/powerpoint/2010/main" spd="slow">
     <p:cut/>
   </p:transition>
 </p:sld>
 </file>
 
 <file path=ppt/slides/slide9.xml><?xml version="1.0" encoding="utf-8"?>
-<p:sld xmlns:a="http://schemas.openxmlformats.org/drawingml/2006/main" xmlns:r="http://schemas.openxmlformats.org/officeDocument/2006/relationships" xmlns:mc="http://schemas.openxmlformats.org/markup-compatibility/2006" xmlns:mv="urn:schemas-microsoft-com:mac:vml" xmlns:p="http://schemas.openxmlformats.org/presentationml/2006/main" xmlns:c="http://schemas.openxmlformats.org/drawingml/2006/chart" xmlns:dgm="http://schemas.openxmlformats.org/drawingml/2006/diagram" xmlns:o="urn:schemas-microsoft-com:office:office" xmlns:v="urn:schemas-microsoft-com:vml" xmlns:pvml="urn:schemas-microsoft-com:office:powerpoint" xmlns:com="http://schemas.openxmlformats.org/drawingml/2006/compatibility" xmlns:p14="http://schemas.microsoft.com/office/powerpoint/2010/main">
+<p:sld xmlns:a="http://schemas.openxmlformats.org/drawingml/2006/main" xmlns:r="http://schemas.openxmlformats.org/officeDocument/2006/relationships" xmlns:p="http://schemas.openxmlformats.org/presentationml/2006/main">
   <p:cSld>
     <p:spTree>
       <p:nvGrpSpPr>
-        <p:cNvPr id="101" name="Shape 101"/>
+        <p:cNvPr id="1" name="Shape 101"/>
         <p:cNvGrpSpPr/>
         <p:nvPr/>
       </p:nvGrpSpPr>
@@ -6908,7 +7355,9 @@
       <p:sp>
         <p:nvSpPr>
           <p:cNvPr id="102" name="Shape 102"/>
-          <p:cNvSpPr txBox="1"/>
+          <p:cNvSpPr txBox="1">
+            <a:spLocks noGrp="1"/>
+          </p:cNvSpPr>
           <p:nvPr>
             <p:ph type="title"/>
           </p:nvPr>
@@ -6923,7 +7372,7 @@
           </a:prstGeom>
         </p:spPr>
         <p:txBody>
-          <a:bodyPr anchorCtr="0" anchor="t" bIns="91425" lIns="91425" rIns="91425" tIns="91425">
+          <a:bodyPr lIns="91425" tIns="91425" rIns="91425" bIns="91425" anchor="t" anchorCtr="0">
             <a:noAutofit/>
           </a:bodyPr>
           <a:lstStyle/>
@@ -6974,14 +7423,295 @@
   <p:clrMapOvr>
     <a:masterClrMapping/>
   </p:clrMapOvr>
-  <p:transition spd="slow">
+  <p:transition xmlns:p14="http://schemas.microsoft.com/office/powerpoint/2010/main" spd="slow">
     <p:cut/>
   </p:transition>
 </p:sld>
 </file>
 
 <file path=ppt/theme/theme1.xml><?xml version="1.0" encoding="utf-8"?>
-<a:theme xmlns:a="http://schemas.openxmlformats.org/drawingml/2006/main" xmlns:r="http://schemas.openxmlformats.org/officeDocument/2006/relationships" name="Custom Theme">
+<a:theme xmlns:a="http://schemas.openxmlformats.org/drawingml/2006/main" name="simple-light-2">
+  <a:themeElements>
+    <a:clrScheme name="Simple Light">
+      <a:dk1>
+        <a:srgbClr val="000000"/>
+      </a:dk1>
+      <a:lt1>
+        <a:srgbClr val="FFFFFF"/>
+      </a:lt1>
+      <a:dk2>
+        <a:srgbClr val="595959"/>
+      </a:dk2>
+      <a:lt2>
+        <a:srgbClr val="EEEEEE"/>
+      </a:lt2>
+      <a:accent1>
+        <a:srgbClr val="FFAB40"/>
+      </a:accent1>
+      <a:accent2>
+        <a:srgbClr val="212121"/>
+      </a:accent2>
+      <a:accent3>
+        <a:srgbClr val="78909C"/>
+      </a:accent3>
+      <a:accent4>
+        <a:srgbClr val="FFAB40"/>
+      </a:accent4>
+      <a:accent5>
+        <a:srgbClr val="0097A7"/>
+      </a:accent5>
+      <a:accent6>
+        <a:srgbClr val="EEFF41"/>
+      </a:accent6>
+      <a:hlink>
+        <a:srgbClr val="0097A7"/>
+      </a:hlink>
+      <a:folHlink>
+        <a:srgbClr val="0097A7"/>
+      </a:folHlink>
+    </a:clrScheme>
+    <a:fontScheme name="Office">
+      <a:majorFont>
+        <a:latin typeface="Arial"/>
+        <a:ea typeface=""/>
+        <a:cs typeface=""/>
+        <a:font script="Jpan" typeface="ＭＳ Ｐゴシック"/>
+        <a:font script="Hang" typeface="맑은 고딕"/>
+        <a:font script="Hans" typeface="宋体"/>
+        <a:font script="Hant" typeface="新細明體"/>
+        <a:font script="Arab" typeface="Times New Roman"/>
+        <a:font script="Hebr" typeface="Times New Roman"/>
+        <a:font script="Thai" typeface="Angsana New"/>
+        <a:font script="Ethi" typeface="Nyala"/>
+        <a:font script="Beng" typeface="Vrinda"/>
+        <a:font script="Gujr" typeface="Shruti"/>
+        <a:font script="Khmr" typeface="MoolBoran"/>
+        <a:font script="Knda" typeface="Tunga"/>
+        <a:font script="Guru" typeface="Raavi"/>
+        <a:font script="Cans" typeface="Euphemia"/>
+        <a:font script="Cher" typeface="Plantagenet Cherokee"/>
+        <a:font script="Yiii" typeface="Microsoft Yi Baiti"/>
+        <a:font script="Tibt" typeface="Microsoft Himalaya"/>
+        <a:font script="Thaa" typeface="MV Boli"/>
+        <a:font script="Deva" typeface="Mangal"/>
+        <a:font script="Telu" typeface="Gautami"/>
+        <a:font script="Taml" typeface="Latha"/>
+        <a:font script="Syrc" typeface="Estrangelo Edessa"/>
+        <a:font script="Orya" typeface="Kalinga"/>
+        <a:font script="Mlym" typeface="Kartika"/>
+        <a:font script="Laoo" typeface="DokChampa"/>
+        <a:font script="Sinh" typeface="Iskoola Pota"/>
+        <a:font script="Mong" typeface="Mongolian Baiti"/>
+        <a:font script="Viet" typeface="Times New Roman"/>
+        <a:font script="Uigh" typeface="Microsoft Uighur"/>
+        <a:font script="Geor" typeface="Sylfaen"/>
+      </a:majorFont>
+      <a:minorFont>
+        <a:latin typeface="Arial"/>
+        <a:ea typeface=""/>
+        <a:cs typeface=""/>
+        <a:font script="Jpan" typeface="ＭＳ Ｐゴシック"/>
+        <a:font script="Hang" typeface="맑은 고딕"/>
+        <a:font script="Hans" typeface="宋体"/>
+        <a:font script="Hant" typeface="新細明體"/>
+        <a:font script="Arab" typeface="Arial"/>
+        <a:font script="Hebr" typeface="Arial"/>
+        <a:font script="Thai" typeface="Cordia New"/>
+        <a:font script="Ethi" typeface="Nyala"/>
+        <a:font script="Beng" typeface="Vrinda"/>
+        <a:font script="Gujr" typeface="Shruti"/>
+        <a:font script="Khmr" typeface="DaunPenh"/>
+        <a:font script="Knda" typeface="Tunga"/>
+        <a:font script="Guru" typeface="Raavi"/>
+        <a:font script="Cans" typeface="Euphemia"/>
+        <a:font script="Cher" typeface="Plantagenet Cherokee"/>
+        <a:font script="Yiii" typeface="Microsoft Yi Baiti"/>
+        <a:font script="Tibt" typeface="Microsoft Himalaya"/>
+        <a:font script="Thaa" typeface="MV Boli"/>
+        <a:font script="Deva" typeface="Mangal"/>
+        <a:font script="Telu" typeface="Gautami"/>
+        <a:font script="Taml" typeface="Latha"/>
+        <a:font script="Syrc" typeface="Estrangelo Edessa"/>
+        <a:font script="Orya" typeface="Kalinga"/>
+        <a:font script="Mlym" typeface="Kartika"/>
+        <a:font script="Laoo" typeface="DokChampa"/>
+        <a:font script="Sinh" typeface="Iskoola Pota"/>
+        <a:font script="Mong" typeface="Mongolian Baiti"/>
+        <a:font script="Viet" typeface="Arial"/>
+        <a:font script="Uigh" typeface="Microsoft Uighur"/>
+        <a:font script="Geor" typeface="Sylfaen"/>
+      </a:minorFont>
+    </a:fontScheme>
+    <a:fmtScheme name="Office">
+      <a:fillStyleLst>
+        <a:solidFill>
+          <a:schemeClr val="phClr"/>
+        </a:solidFill>
+        <a:gradFill rotWithShape="1">
+          <a:gsLst>
+            <a:gs pos="0">
+              <a:schemeClr val="phClr">
+                <a:tint val="50000"/>
+                <a:satMod val="300000"/>
+              </a:schemeClr>
+            </a:gs>
+            <a:gs pos="35000">
+              <a:schemeClr val="phClr">
+                <a:tint val="37000"/>
+                <a:satMod val="300000"/>
+              </a:schemeClr>
+            </a:gs>
+            <a:gs pos="100000">
+              <a:schemeClr val="phClr">
+                <a:tint val="15000"/>
+                <a:satMod val="350000"/>
+              </a:schemeClr>
+            </a:gs>
+          </a:gsLst>
+          <a:lin ang="16200000" scaled="1"/>
+        </a:gradFill>
+        <a:gradFill rotWithShape="1">
+          <a:gsLst>
+            <a:gs pos="0">
+              <a:schemeClr val="phClr">
+                <a:tint val="100000"/>
+                <a:shade val="100000"/>
+                <a:satMod val="130000"/>
+              </a:schemeClr>
+            </a:gs>
+            <a:gs pos="100000">
+              <a:schemeClr val="phClr">
+                <a:tint val="50000"/>
+                <a:shade val="100000"/>
+                <a:satMod val="350000"/>
+              </a:schemeClr>
+            </a:gs>
+          </a:gsLst>
+          <a:lin ang="16200000" scaled="0"/>
+        </a:gradFill>
+      </a:fillStyleLst>
+      <a:lnStyleLst>
+        <a:ln w="9525" cap="flat" cmpd="sng" algn="ctr">
+          <a:solidFill>
+            <a:schemeClr val="phClr">
+              <a:shade val="95000"/>
+              <a:satMod val="105000"/>
+            </a:schemeClr>
+          </a:solidFill>
+          <a:prstDash val="solid"/>
+        </a:ln>
+        <a:ln w="25400" cap="flat" cmpd="sng" algn="ctr">
+          <a:solidFill>
+            <a:schemeClr val="phClr"/>
+          </a:solidFill>
+          <a:prstDash val="solid"/>
+        </a:ln>
+        <a:ln w="38100" cap="flat" cmpd="sng" algn="ctr">
+          <a:solidFill>
+            <a:schemeClr val="phClr"/>
+          </a:solidFill>
+          <a:prstDash val="solid"/>
+        </a:ln>
+      </a:lnStyleLst>
+      <a:effectStyleLst>
+        <a:effectStyle>
+          <a:effectLst>
+            <a:outerShdw blurRad="40000" dist="20000" dir="5400000" rotWithShape="0">
+              <a:srgbClr val="000000">
+                <a:alpha val="38000"/>
+              </a:srgbClr>
+            </a:outerShdw>
+          </a:effectLst>
+        </a:effectStyle>
+        <a:effectStyle>
+          <a:effectLst>
+            <a:outerShdw blurRad="40000" dist="23000" dir="5400000" rotWithShape="0">
+              <a:srgbClr val="000000">
+                <a:alpha val="35000"/>
+              </a:srgbClr>
+            </a:outerShdw>
+          </a:effectLst>
+        </a:effectStyle>
+        <a:effectStyle>
+          <a:effectLst>
+            <a:outerShdw blurRad="40000" dist="23000" dir="5400000" rotWithShape="0">
+              <a:srgbClr val="000000">
+                <a:alpha val="35000"/>
+              </a:srgbClr>
+            </a:outerShdw>
+          </a:effectLst>
+          <a:scene3d>
+            <a:camera prst="orthographicFront">
+              <a:rot lat="0" lon="0" rev="0"/>
+            </a:camera>
+            <a:lightRig rig="threePt" dir="t">
+              <a:rot lat="0" lon="0" rev="1200000"/>
+            </a:lightRig>
+          </a:scene3d>
+          <a:sp3d>
+            <a:bevelT w="63500" h="25400"/>
+          </a:sp3d>
+        </a:effectStyle>
+      </a:effectStyleLst>
+      <a:bgFillStyleLst>
+        <a:solidFill>
+          <a:schemeClr val="phClr"/>
+        </a:solidFill>
+        <a:gradFill rotWithShape="1">
+          <a:gsLst>
+            <a:gs pos="0">
+              <a:schemeClr val="phClr">
+                <a:tint val="40000"/>
+                <a:satMod val="350000"/>
+              </a:schemeClr>
+            </a:gs>
+            <a:gs pos="40000">
+              <a:schemeClr val="phClr">
+                <a:tint val="45000"/>
+                <a:shade val="99000"/>
+                <a:satMod val="350000"/>
+              </a:schemeClr>
+            </a:gs>
+            <a:gs pos="100000">
+              <a:schemeClr val="phClr">
+                <a:shade val="20000"/>
+                <a:satMod val="255000"/>
+              </a:schemeClr>
+            </a:gs>
+          </a:gsLst>
+          <a:path path="circle">
+            <a:fillToRect l="50000" t="-80000" r="50000" b="180000"/>
+          </a:path>
+        </a:gradFill>
+        <a:gradFill rotWithShape="1">
+          <a:gsLst>
+            <a:gs pos="0">
+              <a:schemeClr val="phClr">
+                <a:tint val="80000"/>
+                <a:satMod val="300000"/>
+              </a:schemeClr>
+            </a:gs>
+            <a:gs pos="100000">
+              <a:schemeClr val="phClr">
+                <a:shade val="30000"/>
+                <a:satMod val="200000"/>
+              </a:schemeClr>
+            </a:gs>
+          </a:gsLst>
+          <a:path path="circle">
+            <a:fillToRect l="50000" t="50000" r="50000" b="50000"/>
+          </a:path>
+        </a:gradFill>
+      </a:bgFillStyleLst>
+    </a:fmtScheme>
+  </a:themeElements>
+  <a:objectDefaults/>
+  <a:extraClrSchemeLst/>
+</a:theme>
+</file>
+
+<file path=ppt/theme/theme2.xml><?xml version="1.0" encoding="utf-8"?>
+<a:theme xmlns:a="http://schemas.openxmlformats.org/drawingml/2006/main" name="Custom Theme">
   <a:themeElements>
     <a:clrScheme name="Default">
       <a:dk1>
@@ -7256,284 +7986,7 @@
       </a:bgFillStyleLst>
     </a:fmtScheme>
   </a:themeElements>
-</a:theme>
-</file>
-
-<file path=ppt/theme/theme2.xml><?xml version="1.0" encoding="utf-8"?>
-<a:theme xmlns:a="http://schemas.openxmlformats.org/drawingml/2006/main" xmlns:r="http://schemas.openxmlformats.org/officeDocument/2006/relationships" name="simple-light-2">
-  <a:themeElements>
-    <a:clrScheme name="Simple Light">
-      <a:dk1>
-        <a:srgbClr val="000000"/>
-      </a:dk1>
-      <a:lt1>
-        <a:srgbClr val="FFFFFF"/>
-      </a:lt1>
-      <a:dk2>
-        <a:srgbClr val="595959"/>
-      </a:dk2>
-      <a:lt2>
-        <a:srgbClr val="EEEEEE"/>
-      </a:lt2>
-      <a:accent1>
-        <a:srgbClr val="FFAB40"/>
-      </a:accent1>
-      <a:accent2>
-        <a:srgbClr val="212121"/>
-      </a:accent2>
-      <a:accent3>
-        <a:srgbClr val="78909C"/>
-      </a:accent3>
-      <a:accent4>
-        <a:srgbClr val="FFAB40"/>
-      </a:accent4>
-      <a:accent5>
-        <a:srgbClr val="0097A7"/>
-      </a:accent5>
-      <a:accent6>
-        <a:srgbClr val="EEFF41"/>
-      </a:accent6>
-      <a:hlink>
-        <a:srgbClr val="0097A7"/>
-      </a:hlink>
-      <a:folHlink>
-        <a:srgbClr val="0097A7"/>
-      </a:folHlink>
-    </a:clrScheme>
-    <a:fontScheme name="Office">
-      <a:majorFont>
-        <a:latin typeface="Arial"/>
-        <a:ea typeface=""/>
-        <a:cs typeface=""/>
-        <a:font script="Jpan" typeface="ＭＳ Ｐゴシック"/>
-        <a:font script="Hang" typeface="맑은 고딕"/>
-        <a:font script="Hans" typeface="宋体"/>
-        <a:font script="Hant" typeface="新細明體"/>
-        <a:font script="Arab" typeface="Times New Roman"/>
-        <a:font script="Hebr" typeface="Times New Roman"/>
-        <a:font script="Thai" typeface="Angsana New"/>
-        <a:font script="Ethi" typeface="Nyala"/>
-        <a:font script="Beng" typeface="Vrinda"/>
-        <a:font script="Gujr" typeface="Shruti"/>
-        <a:font script="Khmr" typeface="MoolBoran"/>
-        <a:font script="Knda" typeface="Tunga"/>
-        <a:font script="Guru" typeface="Raavi"/>
-        <a:font script="Cans" typeface="Euphemia"/>
-        <a:font script="Cher" typeface="Plantagenet Cherokee"/>
-        <a:font script="Yiii" typeface="Microsoft Yi Baiti"/>
-        <a:font script="Tibt" typeface="Microsoft Himalaya"/>
-        <a:font script="Thaa" typeface="MV Boli"/>
-        <a:font script="Deva" typeface="Mangal"/>
-        <a:font script="Telu" typeface="Gautami"/>
-        <a:font script="Taml" typeface="Latha"/>
-        <a:font script="Syrc" typeface="Estrangelo Edessa"/>
-        <a:font script="Orya" typeface="Kalinga"/>
-        <a:font script="Mlym" typeface="Kartika"/>
-        <a:font script="Laoo" typeface="DokChampa"/>
-        <a:font script="Sinh" typeface="Iskoola Pota"/>
-        <a:font script="Mong" typeface="Mongolian Baiti"/>
-        <a:font script="Viet" typeface="Times New Roman"/>
-        <a:font script="Uigh" typeface="Microsoft Uighur"/>
-        <a:font script="Geor" typeface="Sylfaen"/>
-      </a:majorFont>
-      <a:minorFont>
-        <a:latin typeface="Arial"/>
-        <a:ea typeface=""/>
-        <a:cs typeface=""/>
-        <a:font script="Jpan" typeface="ＭＳ Ｐゴシック"/>
-        <a:font script="Hang" typeface="맑은 고딕"/>
-        <a:font script="Hans" typeface="宋体"/>
-        <a:font script="Hant" typeface="新細明體"/>
-        <a:font script="Arab" typeface="Arial"/>
-        <a:font script="Hebr" typeface="Arial"/>
-        <a:font script="Thai" typeface="Cordia New"/>
-        <a:font script="Ethi" typeface="Nyala"/>
-        <a:font script="Beng" typeface="Vrinda"/>
-        <a:font script="Gujr" typeface="Shruti"/>
-        <a:font script="Khmr" typeface="DaunPenh"/>
-        <a:font script="Knda" typeface="Tunga"/>
-        <a:font script="Guru" typeface="Raavi"/>
-        <a:font script="Cans" typeface="Euphemia"/>
-        <a:font script="Cher" typeface="Plantagenet Cherokee"/>
-        <a:font script="Yiii" typeface="Microsoft Yi Baiti"/>
-        <a:font script="Tibt" typeface="Microsoft Himalaya"/>
-        <a:font script="Thaa" typeface="MV Boli"/>
-        <a:font script="Deva" typeface="Mangal"/>
-        <a:font script="Telu" typeface="Gautami"/>
-        <a:font script="Taml" typeface="Latha"/>
-        <a:font script="Syrc" typeface="Estrangelo Edessa"/>
-        <a:font script="Orya" typeface="Kalinga"/>
-        <a:font script="Mlym" typeface="Kartika"/>
-        <a:font script="Laoo" typeface="DokChampa"/>
-        <a:font script="Sinh" typeface="Iskoola Pota"/>
-        <a:font script="Mong" typeface="Mongolian Baiti"/>
-        <a:font script="Viet" typeface="Arial"/>
-        <a:font script="Uigh" typeface="Microsoft Uighur"/>
-        <a:font script="Geor" typeface="Sylfaen"/>
-      </a:minorFont>
-    </a:fontScheme>
-    <a:fmtScheme name="Office">
-      <a:fillStyleLst>
-        <a:solidFill>
-          <a:schemeClr val="phClr"/>
-        </a:solidFill>
-        <a:gradFill rotWithShape="1">
-          <a:gsLst>
-            <a:gs pos="0">
-              <a:schemeClr val="phClr">
-                <a:tint val="50000"/>
-                <a:satMod val="300000"/>
-              </a:schemeClr>
-            </a:gs>
-            <a:gs pos="35000">
-              <a:schemeClr val="phClr">
-                <a:tint val="37000"/>
-                <a:satMod val="300000"/>
-              </a:schemeClr>
-            </a:gs>
-            <a:gs pos="100000">
-              <a:schemeClr val="phClr">
-                <a:tint val="15000"/>
-                <a:satMod val="350000"/>
-              </a:schemeClr>
-            </a:gs>
-          </a:gsLst>
-          <a:lin ang="16200000" scaled="1"/>
-        </a:gradFill>
-        <a:gradFill rotWithShape="1">
-          <a:gsLst>
-            <a:gs pos="0">
-              <a:schemeClr val="phClr">
-                <a:tint val="100000"/>
-                <a:shade val="100000"/>
-                <a:satMod val="130000"/>
-              </a:schemeClr>
-            </a:gs>
-            <a:gs pos="100000">
-              <a:schemeClr val="phClr">
-                <a:tint val="50000"/>
-                <a:shade val="100000"/>
-                <a:satMod val="350000"/>
-              </a:schemeClr>
-            </a:gs>
-          </a:gsLst>
-          <a:lin ang="16200000" scaled="0"/>
-        </a:gradFill>
-      </a:fillStyleLst>
-      <a:lnStyleLst>
-        <a:ln w="9525" cap="flat" cmpd="sng" algn="ctr">
-          <a:solidFill>
-            <a:schemeClr val="phClr">
-              <a:shade val="95000"/>
-              <a:satMod val="105000"/>
-            </a:schemeClr>
-          </a:solidFill>
-          <a:prstDash val="solid"/>
-        </a:ln>
-        <a:ln w="25400" cap="flat" cmpd="sng" algn="ctr">
-          <a:solidFill>
-            <a:schemeClr val="phClr"/>
-          </a:solidFill>
-          <a:prstDash val="solid"/>
-        </a:ln>
-        <a:ln w="38100" cap="flat" cmpd="sng" algn="ctr">
-          <a:solidFill>
-            <a:schemeClr val="phClr"/>
-          </a:solidFill>
-          <a:prstDash val="solid"/>
-        </a:ln>
-      </a:lnStyleLst>
-      <a:effectStyleLst>
-        <a:effectStyle>
-          <a:effectLst>
-            <a:outerShdw blurRad="40000" dist="20000" dir="5400000" rotWithShape="0">
-              <a:srgbClr val="000000">
-                <a:alpha val="38000"/>
-              </a:srgbClr>
-            </a:outerShdw>
-          </a:effectLst>
-        </a:effectStyle>
-        <a:effectStyle>
-          <a:effectLst>
-            <a:outerShdw blurRad="40000" dist="23000" dir="5400000" rotWithShape="0">
-              <a:srgbClr val="000000">
-                <a:alpha val="35000"/>
-              </a:srgbClr>
-            </a:outerShdw>
-          </a:effectLst>
-        </a:effectStyle>
-        <a:effectStyle>
-          <a:effectLst>
-            <a:outerShdw blurRad="40000" dist="23000" dir="5400000" rotWithShape="0">
-              <a:srgbClr val="000000">
-                <a:alpha val="35000"/>
-              </a:srgbClr>
-            </a:outerShdw>
-          </a:effectLst>
-          <a:scene3d>
-            <a:camera prst="orthographicFront">
-              <a:rot lat="0" lon="0" rev="0"/>
-            </a:camera>
-            <a:lightRig rig="threePt" dir="t">
-              <a:rot lat="0" lon="0" rev="1200000"/>
-            </a:lightRig>
-          </a:scene3d>
-          <a:sp3d>
-            <a:bevelT w="63500" h="25400"/>
-          </a:sp3d>
-        </a:effectStyle>
-      </a:effectStyleLst>
-      <a:bgFillStyleLst>
-        <a:solidFill>
-          <a:schemeClr val="phClr"/>
-        </a:solidFill>
-        <a:gradFill rotWithShape="1">
-          <a:gsLst>
-            <a:gs pos="0">
-              <a:schemeClr val="phClr">
-                <a:tint val="40000"/>
-                <a:satMod val="350000"/>
-              </a:schemeClr>
-            </a:gs>
-            <a:gs pos="40000">
-              <a:schemeClr val="phClr">
-                <a:tint val="45000"/>
-                <a:shade val="99000"/>
-                <a:satMod val="350000"/>
-              </a:schemeClr>
-            </a:gs>
-            <a:gs pos="100000">
-              <a:schemeClr val="phClr">
-                <a:shade val="20000"/>
-                <a:satMod val="255000"/>
-              </a:schemeClr>
-            </a:gs>
-          </a:gsLst>
-          <a:path path="circle">
-            <a:fillToRect l="50000" t="-80000" r="50000" b="180000"/>
-          </a:path>
-        </a:gradFill>
-        <a:gradFill rotWithShape="1">
-          <a:gsLst>
-            <a:gs pos="0">
-              <a:schemeClr val="phClr">
-                <a:tint val="80000"/>
-                <a:satMod val="300000"/>
-              </a:schemeClr>
-            </a:gs>
-            <a:gs pos="100000">
-              <a:schemeClr val="phClr">
-                <a:shade val="30000"/>
-                <a:satMod val="200000"/>
-              </a:schemeClr>
-            </a:gs>
-          </a:gsLst>
-          <a:path path="circle">
-            <a:fillToRect l="50000" t="50000" r="50000" b="50000"/>
-          </a:path>
-        </a:gradFill>
-      </a:bgFillStyleLst>
-    </a:fmtScheme>
-  </a:themeElements>
+  <a:objectDefaults/>
+  <a:extraClrSchemeLst/>
 </a:theme>
 </file>